--- a/presentation.pptx
+++ b/presentation.pptx
@@ -4,6 +4,9 @@
   <p:sldMasterIdLst>
     <p:sldMasterId id="2147483648" r:id="rId1"/>
   </p:sldMasterIdLst>
+  <p:notesMasterIdLst>
+    <p:notesMasterId r:id="rId17"/>
+  </p:notesMasterIdLst>
   <p:sldIdLst>
     <p:sldId id="256" r:id="rId2"/>
     <p:sldId id="257" r:id="rId3"/>
@@ -118,6 +121,11 @@
       </a:defRPr>
     </a:lvl9pPr>
   </p:defaultTextStyle>
+  <p:extLst>
+    <p:ext uri="{EFAFB233-063F-42B5-8137-9DF3F51BA10A}">
+      <p15:sldGuideLst xmlns:p15="http://schemas.microsoft.com/office/powerpoint/2012/main"/>
+    </p:ext>
+  </p:extLst>
 </p:presentation>
 </file>
 
@@ -145,6 +153,537 @@
     </p:extLst>
   </p:cm>
 </p:cmLst>
+</file>
+
+<file path=ppt/notesMasters/notesMaster1.xml><?xml version="1.0" encoding="utf-8"?>
+<p:notesMaster xmlns:a="http://schemas.openxmlformats.org/drawingml/2006/main" xmlns:r="http://schemas.openxmlformats.org/officeDocument/2006/relationships" xmlns:p="http://schemas.openxmlformats.org/presentationml/2006/main">
+  <p:cSld>
+    <p:bg>
+      <p:bgRef idx="1001">
+        <a:schemeClr val="bg1"/>
+      </p:bgRef>
+    </p:bg>
+    <p:spTree>
+      <p:nvGrpSpPr>
+        <p:cNvPr id="1" name=""/>
+        <p:cNvGrpSpPr/>
+        <p:nvPr/>
+      </p:nvGrpSpPr>
+      <p:grpSpPr>
+        <a:xfrm>
+          <a:off x="0" y="0"/>
+          <a:ext cx="0" cy="0"/>
+          <a:chOff x="0" y="0"/>
+          <a:chExt cx="0" cy="0"/>
+        </a:xfrm>
+      </p:grpSpPr>
+      <p:sp>
+        <p:nvSpPr>
+          <p:cNvPr id="2" name="Header Placeholder 1"/>
+          <p:cNvSpPr>
+            <a:spLocks noGrp="1"/>
+          </p:cNvSpPr>
+          <p:nvPr>
+            <p:ph type="hdr" sz="quarter"/>
+          </p:nvPr>
+        </p:nvSpPr>
+        <p:spPr>
+          <a:xfrm>
+            <a:off x="0" y="0"/>
+            <a:ext cx="2971800" cy="458788"/>
+          </a:xfrm>
+          <a:prstGeom prst="rect">
+            <a:avLst/>
+          </a:prstGeom>
+        </p:spPr>
+        <p:txBody>
+          <a:bodyPr vert="horz" lIns="91440" tIns="45720" rIns="91440" bIns="45720" rtlCol="0"/>
+          <a:lstStyle>
+            <a:lvl1pPr algn="l">
+              <a:defRPr sz="1200"/>
+            </a:lvl1pPr>
+          </a:lstStyle>
+          <a:p>
+            <a:endParaRPr lang="en-US"/>
+          </a:p>
+        </p:txBody>
+      </p:sp>
+      <p:sp>
+        <p:nvSpPr>
+          <p:cNvPr id="3" name="Date Placeholder 2"/>
+          <p:cNvSpPr>
+            <a:spLocks noGrp="1"/>
+          </p:cNvSpPr>
+          <p:nvPr>
+            <p:ph type="dt" idx="1"/>
+          </p:nvPr>
+        </p:nvSpPr>
+        <p:spPr>
+          <a:xfrm>
+            <a:off x="3884613" y="0"/>
+            <a:ext cx="2971800" cy="458788"/>
+          </a:xfrm>
+          <a:prstGeom prst="rect">
+            <a:avLst/>
+          </a:prstGeom>
+        </p:spPr>
+        <p:txBody>
+          <a:bodyPr vert="horz" lIns="91440" tIns="45720" rIns="91440" bIns="45720" rtlCol="0"/>
+          <a:lstStyle>
+            <a:lvl1pPr algn="r">
+              <a:defRPr sz="1200"/>
+            </a:lvl1pPr>
+          </a:lstStyle>
+          <a:p>
+            <a:fld id="{DB8947B0-6425-9E40-851E-4CDC8623900D}" type="datetimeFigureOut">
+              <a:rPr lang="en-US" smtClean="0"/>
+              <a:t>3/2/21</a:t>
+            </a:fld>
+            <a:endParaRPr lang="en-US"/>
+          </a:p>
+        </p:txBody>
+      </p:sp>
+      <p:sp>
+        <p:nvSpPr>
+          <p:cNvPr id="4" name="Slide Image Placeholder 3"/>
+          <p:cNvSpPr>
+            <a:spLocks noGrp="1" noRot="1" noChangeAspect="1"/>
+          </p:cNvSpPr>
+          <p:nvPr>
+            <p:ph type="sldImg" idx="2"/>
+          </p:nvPr>
+        </p:nvSpPr>
+        <p:spPr>
+          <a:xfrm>
+            <a:off x="685800" y="1143000"/>
+            <a:ext cx="5486400" cy="3086100"/>
+          </a:xfrm>
+          <a:prstGeom prst="rect">
+            <a:avLst/>
+          </a:prstGeom>
+          <a:noFill/>
+          <a:ln w="12700">
+            <a:solidFill>
+              <a:prstClr val="black"/>
+            </a:solidFill>
+          </a:ln>
+        </p:spPr>
+        <p:txBody>
+          <a:bodyPr vert="horz" lIns="91440" tIns="45720" rIns="91440" bIns="45720" rtlCol="0" anchor="ctr"/>
+          <a:lstStyle/>
+          <a:p>
+            <a:endParaRPr lang="en-US"/>
+          </a:p>
+        </p:txBody>
+      </p:sp>
+      <p:sp>
+        <p:nvSpPr>
+          <p:cNvPr id="5" name="Notes Placeholder 4"/>
+          <p:cNvSpPr>
+            <a:spLocks noGrp="1"/>
+          </p:cNvSpPr>
+          <p:nvPr>
+            <p:ph type="body" sz="quarter" idx="3"/>
+          </p:nvPr>
+        </p:nvSpPr>
+        <p:spPr>
+          <a:xfrm>
+            <a:off x="685800" y="4400550"/>
+            <a:ext cx="5486400" cy="3600450"/>
+          </a:xfrm>
+          <a:prstGeom prst="rect">
+            <a:avLst/>
+          </a:prstGeom>
+        </p:spPr>
+        <p:txBody>
+          <a:bodyPr vert="horz" lIns="91440" tIns="45720" rIns="91440" bIns="45720" rtlCol="0"/>
+          <a:lstStyle/>
+          <a:p>
+            <a:pPr lvl="0"/>
+            <a:r>
+              <a:rPr lang="en-US"/>
+              <a:t>Click to edit Master text styles</a:t>
+            </a:r>
+          </a:p>
+          <a:p>
+            <a:pPr lvl="1"/>
+            <a:r>
+              <a:rPr lang="en-US"/>
+              <a:t>Second level</a:t>
+            </a:r>
+          </a:p>
+          <a:p>
+            <a:pPr lvl="2"/>
+            <a:r>
+              <a:rPr lang="en-US"/>
+              <a:t>Third level</a:t>
+            </a:r>
+          </a:p>
+          <a:p>
+            <a:pPr lvl="3"/>
+            <a:r>
+              <a:rPr lang="en-US"/>
+              <a:t>Fourth level</a:t>
+            </a:r>
+          </a:p>
+          <a:p>
+            <a:pPr lvl="4"/>
+            <a:r>
+              <a:rPr lang="en-US"/>
+              <a:t>Fifth level</a:t>
+            </a:r>
+          </a:p>
+        </p:txBody>
+      </p:sp>
+      <p:sp>
+        <p:nvSpPr>
+          <p:cNvPr id="6" name="Footer Placeholder 5"/>
+          <p:cNvSpPr>
+            <a:spLocks noGrp="1"/>
+          </p:cNvSpPr>
+          <p:nvPr>
+            <p:ph type="ftr" sz="quarter" idx="4"/>
+          </p:nvPr>
+        </p:nvSpPr>
+        <p:spPr>
+          <a:xfrm>
+            <a:off x="0" y="8685213"/>
+            <a:ext cx="2971800" cy="458787"/>
+          </a:xfrm>
+          <a:prstGeom prst="rect">
+            <a:avLst/>
+          </a:prstGeom>
+        </p:spPr>
+        <p:txBody>
+          <a:bodyPr vert="horz" lIns="91440" tIns="45720" rIns="91440" bIns="45720" rtlCol="0" anchor="b"/>
+          <a:lstStyle>
+            <a:lvl1pPr algn="l">
+              <a:defRPr sz="1200"/>
+            </a:lvl1pPr>
+          </a:lstStyle>
+          <a:p>
+            <a:endParaRPr lang="en-US"/>
+          </a:p>
+        </p:txBody>
+      </p:sp>
+      <p:sp>
+        <p:nvSpPr>
+          <p:cNvPr id="7" name="Slide Number Placeholder 6"/>
+          <p:cNvSpPr>
+            <a:spLocks noGrp="1"/>
+          </p:cNvSpPr>
+          <p:nvPr>
+            <p:ph type="sldNum" sz="quarter" idx="5"/>
+          </p:nvPr>
+        </p:nvSpPr>
+        <p:spPr>
+          <a:xfrm>
+            <a:off x="3884613" y="8685213"/>
+            <a:ext cx="2971800" cy="458787"/>
+          </a:xfrm>
+          <a:prstGeom prst="rect">
+            <a:avLst/>
+          </a:prstGeom>
+        </p:spPr>
+        <p:txBody>
+          <a:bodyPr vert="horz" lIns="91440" tIns="45720" rIns="91440" bIns="45720" rtlCol="0" anchor="b"/>
+          <a:lstStyle>
+            <a:lvl1pPr algn="r">
+              <a:defRPr sz="1200"/>
+            </a:lvl1pPr>
+          </a:lstStyle>
+          <a:p>
+            <a:fld id="{8625F167-1A5A-1F47-AD07-62EDEB68B7B3}" type="slidenum">
+              <a:rPr lang="en-US" smtClean="0"/>
+              <a:t>‹#›</a:t>
+            </a:fld>
+            <a:endParaRPr lang="en-US"/>
+          </a:p>
+        </p:txBody>
+      </p:sp>
+    </p:spTree>
+    <p:extLst>
+      <p:ext uri="{BB962C8B-B14F-4D97-AF65-F5344CB8AC3E}">
+        <p14:creationId xmlns:p14="http://schemas.microsoft.com/office/powerpoint/2010/main" val="266519903"/>
+      </p:ext>
+    </p:extLst>
+  </p:cSld>
+  <p:clrMap bg1="lt1" tx1="dk1" bg2="lt2" tx2="dk2" accent1="accent1" accent2="accent2" accent3="accent3" accent4="accent4" accent5="accent5" accent6="accent6" hlink="hlink" folHlink="folHlink"/>
+  <p:notesStyle>
+    <a:lvl1pPr marL="0" algn="l" defTabSz="914400" rtl="0" eaLnBrk="1" latinLnBrk="0" hangingPunct="1">
+      <a:defRPr sz="1200" kern="1200">
+        <a:solidFill>
+          <a:schemeClr val="tx1"/>
+        </a:solidFill>
+        <a:latin typeface="+mn-lt"/>
+        <a:ea typeface="+mn-ea"/>
+        <a:cs typeface="+mn-cs"/>
+      </a:defRPr>
+    </a:lvl1pPr>
+    <a:lvl2pPr marL="457200" algn="l" defTabSz="914400" rtl="0" eaLnBrk="1" latinLnBrk="0" hangingPunct="1">
+      <a:defRPr sz="1200" kern="1200">
+        <a:solidFill>
+          <a:schemeClr val="tx1"/>
+        </a:solidFill>
+        <a:latin typeface="+mn-lt"/>
+        <a:ea typeface="+mn-ea"/>
+        <a:cs typeface="+mn-cs"/>
+      </a:defRPr>
+    </a:lvl2pPr>
+    <a:lvl3pPr marL="914400" algn="l" defTabSz="914400" rtl="0" eaLnBrk="1" latinLnBrk="0" hangingPunct="1">
+      <a:defRPr sz="1200" kern="1200">
+        <a:solidFill>
+          <a:schemeClr val="tx1"/>
+        </a:solidFill>
+        <a:latin typeface="+mn-lt"/>
+        <a:ea typeface="+mn-ea"/>
+        <a:cs typeface="+mn-cs"/>
+      </a:defRPr>
+    </a:lvl3pPr>
+    <a:lvl4pPr marL="1371600" algn="l" defTabSz="914400" rtl="0" eaLnBrk="1" latinLnBrk="0" hangingPunct="1">
+      <a:defRPr sz="1200" kern="1200">
+        <a:solidFill>
+          <a:schemeClr val="tx1"/>
+        </a:solidFill>
+        <a:latin typeface="+mn-lt"/>
+        <a:ea typeface="+mn-ea"/>
+        <a:cs typeface="+mn-cs"/>
+      </a:defRPr>
+    </a:lvl4pPr>
+    <a:lvl5pPr marL="1828800" algn="l" defTabSz="914400" rtl="0" eaLnBrk="1" latinLnBrk="0" hangingPunct="1">
+      <a:defRPr sz="1200" kern="1200">
+        <a:solidFill>
+          <a:schemeClr val="tx1"/>
+        </a:solidFill>
+        <a:latin typeface="+mn-lt"/>
+        <a:ea typeface="+mn-ea"/>
+        <a:cs typeface="+mn-cs"/>
+      </a:defRPr>
+    </a:lvl5pPr>
+    <a:lvl6pPr marL="2286000" algn="l" defTabSz="914400" rtl="0" eaLnBrk="1" latinLnBrk="0" hangingPunct="1">
+      <a:defRPr sz="1200" kern="1200">
+        <a:solidFill>
+          <a:schemeClr val="tx1"/>
+        </a:solidFill>
+        <a:latin typeface="+mn-lt"/>
+        <a:ea typeface="+mn-ea"/>
+        <a:cs typeface="+mn-cs"/>
+      </a:defRPr>
+    </a:lvl6pPr>
+    <a:lvl7pPr marL="2743200" algn="l" defTabSz="914400" rtl="0" eaLnBrk="1" latinLnBrk="0" hangingPunct="1">
+      <a:defRPr sz="1200" kern="1200">
+        <a:solidFill>
+          <a:schemeClr val="tx1"/>
+        </a:solidFill>
+        <a:latin typeface="+mn-lt"/>
+        <a:ea typeface="+mn-ea"/>
+        <a:cs typeface="+mn-cs"/>
+      </a:defRPr>
+    </a:lvl7pPr>
+    <a:lvl8pPr marL="3200400" algn="l" defTabSz="914400" rtl="0" eaLnBrk="1" latinLnBrk="0" hangingPunct="1">
+      <a:defRPr sz="1200" kern="1200">
+        <a:solidFill>
+          <a:schemeClr val="tx1"/>
+        </a:solidFill>
+        <a:latin typeface="+mn-lt"/>
+        <a:ea typeface="+mn-ea"/>
+        <a:cs typeface="+mn-cs"/>
+      </a:defRPr>
+    </a:lvl8pPr>
+    <a:lvl9pPr marL="3657600" algn="l" defTabSz="914400" rtl="0" eaLnBrk="1" latinLnBrk="0" hangingPunct="1">
+      <a:defRPr sz="1200" kern="1200">
+        <a:solidFill>
+          <a:schemeClr val="tx1"/>
+        </a:solidFill>
+        <a:latin typeface="+mn-lt"/>
+        <a:ea typeface="+mn-ea"/>
+        <a:cs typeface="+mn-cs"/>
+      </a:defRPr>
+    </a:lvl9pPr>
+  </p:notesStyle>
+</p:notesMaster>
+</file>
+
+<file path=ppt/notesSlides/notesSlide1.xml><?xml version="1.0" encoding="utf-8"?>
+<p:notes xmlns:a="http://schemas.openxmlformats.org/drawingml/2006/main" xmlns:r="http://schemas.openxmlformats.org/officeDocument/2006/relationships" xmlns:p="http://schemas.openxmlformats.org/presentationml/2006/main">
+  <p:cSld>
+    <p:spTree>
+      <p:nvGrpSpPr>
+        <p:cNvPr id="1" name=""/>
+        <p:cNvGrpSpPr/>
+        <p:nvPr/>
+      </p:nvGrpSpPr>
+      <p:grpSpPr>
+        <a:xfrm>
+          <a:off x="0" y="0"/>
+          <a:ext cx="0" cy="0"/>
+          <a:chOff x="0" y="0"/>
+          <a:chExt cx="0" cy="0"/>
+        </a:xfrm>
+      </p:grpSpPr>
+      <p:sp>
+        <p:nvSpPr>
+          <p:cNvPr id="2" name="Slide Image Placeholder 1"/>
+          <p:cNvSpPr>
+            <a:spLocks noGrp="1" noRot="1" noChangeAspect="1"/>
+          </p:cNvSpPr>
+          <p:nvPr>
+            <p:ph type="sldImg"/>
+          </p:nvPr>
+        </p:nvSpPr>
+        <p:spPr/>
+      </p:sp>
+      <p:sp>
+        <p:nvSpPr>
+          <p:cNvPr id="3" name="Notes Placeholder 2"/>
+          <p:cNvSpPr>
+            <a:spLocks noGrp="1"/>
+          </p:cNvSpPr>
+          <p:nvPr>
+            <p:ph type="body" idx="1"/>
+          </p:nvPr>
+        </p:nvSpPr>
+        <p:spPr/>
+        <p:txBody>
+          <a:bodyPr/>
+          <a:lstStyle/>
+          <a:p>
+            <a:r>
+              <a:rPr lang="en-US" dirty="0"/>
+              <a:t>It’s “the way” you do things more complicated putting the </a:t>
+            </a:r>
+            <a:r>
+              <a:rPr lang="en-US" dirty="0" err="1"/>
+              <a:t>user_id</a:t>
+            </a:r>
+            <a:r>
+              <a:rPr lang="en-US" dirty="0"/>
+              <a:t> in the session</a:t>
+            </a:r>
+          </a:p>
+        </p:txBody>
+      </p:sp>
+      <p:sp>
+        <p:nvSpPr>
+          <p:cNvPr id="4" name="Slide Number Placeholder 3"/>
+          <p:cNvSpPr>
+            <a:spLocks noGrp="1"/>
+          </p:cNvSpPr>
+          <p:nvPr>
+            <p:ph type="sldNum" sz="quarter" idx="5"/>
+          </p:nvPr>
+        </p:nvSpPr>
+        <p:spPr/>
+        <p:txBody>
+          <a:bodyPr/>
+          <a:lstStyle/>
+          <a:p>
+            <a:fld id="{8625F167-1A5A-1F47-AD07-62EDEB68B7B3}" type="slidenum">
+              <a:rPr lang="en-US" smtClean="0"/>
+              <a:t>4</a:t>
+            </a:fld>
+            <a:endParaRPr lang="en-US"/>
+          </a:p>
+        </p:txBody>
+      </p:sp>
+    </p:spTree>
+    <p:extLst>
+      <p:ext uri="{BB962C8B-B14F-4D97-AF65-F5344CB8AC3E}">
+        <p14:creationId xmlns:p14="http://schemas.microsoft.com/office/powerpoint/2010/main" val="20901982"/>
+      </p:ext>
+    </p:extLst>
+  </p:cSld>
+  <p:clrMapOvr>
+    <a:masterClrMapping/>
+  </p:clrMapOvr>
+</p:notes>
+</file>
+
+<file path=ppt/notesSlides/notesSlide2.xml><?xml version="1.0" encoding="utf-8"?>
+<p:notes xmlns:a="http://schemas.openxmlformats.org/drawingml/2006/main" xmlns:r="http://schemas.openxmlformats.org/officeDocument/2006/relationships" xmlns:p="http://schemas.openxmlformats.org/presentationml/2006/main">
+  <p:cSld>
+    <p:spTree>
+      <p:nvGrpSpPr>
+        <p:cNvPr id="1" name=""/>
+        <p:cNvGrpSpPr/>
+        <p:nvPr/>
+      </p:nvGrpSpPr>
+      <p:grpSpPr>
+        <a:xfrm>
+          <a:off x="0" y="0"/>
+          <a:ext cx="0" cy="0"/>
+          <a:chOff x="0" y="0"/>
+          <a:chExt cx="0" cy="0"/>
+        </a:xfrm>
+      </p:grpSpPr>
+      <p:sp>
+        <p:nvSpPr>
+          <p:cNvPr id="2" name="Slide Image Placeholder 1"/>
+          <p:cNvSpPr>
+            <a:spLocks noGrp="1" noRot="1" noChangeAspect="1"/>
+          </p:cNvSpPr>
+          <p:nvPr>
+            <p:ph type="sldImg"/>
+          </p:nvPr>
+        </p:nvSpPr>
+        <p:spPr/>
+      </p:sp>
+      <p:sp>
+        <p:nvSpPr>
+          <p:cNvPr id="3" name="Notes Placeholder 2"/>
+          <p:cNvSpPr>
+            <a:spLocks noGrp="1"/>
+          </p:cNvSpPr>
+          <p:nvPr>
+            <p:ph type="body" idx="1"/>
+          </p:nvPr>
+        </p:nvSpPr>
+        <p:spPr/>
+        <p:txBody>
+          <a:bodyPr/>
+          <a:lstStyle/>
+          <a:p>
+            <a:r>
+              <a:rPr lang="en-US" dirty="0"/>
+              <a:t>JOSE = JSON Object Signing and Encryption</a:t>
+            </a:r>
+          </a:p>
+        </p:txBody>
+      </p:sp>
+      <p:sp>
+        <p:nvSpPr>
+          <p:cNvPr id="4" name="Slide Number Placeholder 3"/>
+          <p:cNvSpPr>
+            <a:spLocks noGrp="1"/>
+          </p:cNvSpPr>
+          <p:nvPr>
+            <p:ph type="sldNum" sz="quarter" idx="5"/>
+          </p:nvPr>
+        </p:nvSpPr>
+        <p:spPr/>
+        <p:txBody>
+          <a:bodyPr/>
+          <a:lstStyle/>
+          <a:p>
+            <a:fld id="{8625F167-1A5A-1F47-AD07-62EDEB68B7B3}" type="slidenum">
+              <a:rPr lang="en-US" smtClean="0"/>
+              <a:t>6</a:t>
+            </a:fld>
+            <a:endParaRPr lang="en-US"/>
+          </a:p>
+        </p:txBody>
+      </p:sp>
+    </p:spTree>
+    <p:extLst>
+      <p:ext uri="{BB962C8B-B14F-4D97-AF65-F5344CB8AC3E}">
+        <p14:creationId xmlns:p14="http://schemas.microsoft.com/office/powerpoint/2010/main" val="2541504736"/>
+      </p:ext>
+    </p:extLst>
+  </p:cSld>
+  <p:clrMapOvr>
+    <a:masterClrMapping/>
+  </p:clrMapOvr>
+</p:notes>
 </file>
 
 <file path=ppt/slideLayouts/slideLayout1.xml><?xml version="1.0" encoding="utf-8"?>
@@ -8803,7 +9342,7 @@
             <a:pPr lvl="1"/>
             <a:r>
               <a:rPr lang="en-US" dirty="0">
-                <a:hlinkClick r:id="rId2"/>
+                <a:hlinkClick r:id="rId3"/>
               </a:rPr>
               <a:t>IETF RFC 7519</a:t>
             </a:r>
@@ -8813,7 +9352,7 @@
             </a:r>
             <a:r>
               <a:rPr lang="en-US" dirty="0">
-                <a:hlinkClick r:id="rId3"/>
+                <a:hlinkClick r:id="rId4"/>
               </a:rPr>
               <a:t>IETF RFC 7520</a:t>
             </a:r>
@@ -11668,6 +12207,2958 @@
             <a:r>
               <a:rPr lang="en-US" dirty="0"/>
               <a:t>aka “JOSE Header”</a:t>
+            </a:r>
+          </a:p>
+        </p:txBody>
+      </p:sp>
+      <p:pic>
+        <p:nvPicPr>
+          <p:cNvPr id="8" name="Content Placeholder 7" descr="Graphical user interface, text, application, email&#10;&#10;Description automatically generated">
+            <a:extLst>
+              <a:ext uri="{FF2B5EF4-FFF2-40B4-BE49-F238E27FC236}">
+                <a16:creationId xmlns:a16="http://schemas.microsoft.com/office/drawing/2014/main" id="{959D4409-EA75-0B40-9F68-4FDC39EAA670}"/>
+              </a:ext>
+            </a:extLst>
+          </p:cNvPr>
+          <p:cNvPicPr>
+            <a:picLocks noGrp="1" noChangeAspect="1"/>
+          </p:cNvPicPr>
+          <p:nvPr>
+            <p:ph sz="half" idx="1"/>
+          </p:nvPr>
+        </p:nvPicPr>
+        <p:blipFill>
+          <a:blip r:embed="rId3"/>
+          <a:stretch>
+            <a:fillRect/>
+          </a:stretch>
+        </p:blipFill>
+        <p:spPr>
+          <a:xfrm>
+            <a:off x="6756613" y="867302"/>
+            <a:ext cx="4461662" cy="4283196"/>
+          </a:xfrm>
+          <a:prstGeom prst="rect">
+            <a:avLst/>
+          </a:prstGeom>
+        </p:spPr>
+      </p:pic>
+      <p:pic>
+        <p:nvPicPr>
+          <p:cNvPr id="6" name="Content Placeholder 5" descr="Text&#10;&#10;Description automatically generated">
+            <a:extLst>
+              <a:ext uri="{FF2B5EF4-FFF2-40B4-BE49-F238E27FC236}">
+                <a16:creationId xmlns:a16="http://schemas.microsoft.com/office/drawing/2014/main" id="{84D838BB-67CE-1F4E-B8A9-6ABDF3065390}"/>
+              </a:ext>
+            </a:extLst>
+          </p:cNvPr>
+          <p:cNvPicPr>
+            <a:picLocks noChangeAspect="1"/>
+          </p:cNvPicPr>
+          <p:nvPr/>
+        </p:nvPicPr>
+        <p:blipFill>
+          <a:blip r:embed="rId4"/>
+          <a:stretch>
+            <a:fillRect/>
+          </a:stretch>
+        </p:blipFill>
+        <p:spPr>
+          <a:xfrm>
+            <a:off x="7576297" y="5336882"/>
+            <a:ext cx="2811282" cy="871497"/>
+          </a:xfrm>
+          <a:prstGeom prst="rect">
+            <a:avLst/>
+          </a:prstGeom>
+        </p:spPr>
+      </p:pic>
+      <p:sp>
+        <p:nvSpPr>
+          <p:cNvPr id="51" name="Freeform 12">
+            <a:extLst>
+              <a:ext uri="{FF2B5EF4-FFF2-40B4-BE49-F238E27FC236}">
+                <a16:creationId xmlns:a16="http://schemas.microsoft.com/office/drawing/2014/main" id="{55D72A3F-A083-4502-838A-2C32C980026F}"/>
+              </a:ext>
+              <a:ext uri="{C183D7F6-B498-43B3-948B-1728B52AA6E4}">
+                <adec:decorative xmlns:adec="http://schemas.microsoft.com/office/drawing/2017/decorative" val="1"/>
+              </a:ext>
+            </a:extLst>
+          </p:cNvPr>
+          <p:cNvSpPr>
+            <a:spLocks noGrp="1" noRot="1" noChangeAspect="1" noMove="1" noResize="1" noEditPoints="1" noAdjustHandles="1" noChangeArrowheads="1" noChangeShapeType="1" noTextEdit="1"/>
+          </p:cNvSpPr>
+          <p:nvPr>
+            <p:extLst>
+              <p:ext uri="{386F3935-93C4-4BCD-93E2-E3B085C9AB24}">
+                <p16:designElem xmlns:p16="http://schemas.microsoft.com/office/powerpoint/2015/main" val="1"/>
+              </p:ext>
+            </p:extLst>
+          </p:nvPr>
+        </p:nvSpPr>
+        <p:spPr>
+          <a:xfrm>
+            <a:off x="-1" y="6061223"/>
+            <a:ext cx="1038036" cy="506277"/>
+          </a:xfrm>
+          <a:custGeom>
+            <a:avLst/>
+            <a:gdLst>
+              <a:gd name="connsiteX0" fmla="*/ 0 w 1038036"/>
+              <a:gd name="connsiteY0" fmla="*/ 0 h 506277"/>
+              <a:gd name="connsiteX1" fmla="*/ 182880 w 1038036"/>
+              <a:gd name="connsiteY1" fmla="*/ 0 h 506277"/>
+              <a:gd name="connsiteX2" fmla="*/ 291705 w 1038036"/>
+              <a:gd name="connsiteY2" fmla="*/ 0 h 506277"/>
+              <a:gd name="connsiteX3" fmla="*/ 291705 w 1038036"/>
+              <a:gd name="connsiteY3" fmla="*/ 151 h 506277"/>
+              <a:gd name="connsiteX4" fmla="*/ 692049 w 1038036"/>
+              <a:gd name="connsiteY4" fmla="*/ 705 h 506277"/>
+              <a:gd name="connsiteX5" fmla="*/ 782744 w 1038036"/>
+              <a:gd name="connsiteY5" fmla="*/ 705 h 506277"/>
+              <a:gd name="connsiteX6" fmla="*/ 797001 w 1038036"/>
+              <a:gd name="connsiteY6" fmla="*/ 5473 h 506277"/>
+              <a:gd name="connsiteX7" fmla="*/ 801982 w 1038036"/>
+              <a:gd name="connsiteY7" fmla="*/ 10242 h 506277"/>
+              <a:gd name="connsiteX8" fmla="*/ 1030951 w 1038036"/>
+              <a:gd name="connsiteY8" fmla="*/ 239185 h 506277"/>
+              <a:gd name="connsiteX9" fmla="*/ 1030951 w 1038036"/>
+              <a:gd name="connsiteY9" fmla="*/ 267797 h 506277"/>
+              <a:gd name="connsiteX10" fmla="*/ 801982 w 1038036"/>
+              <a:gd name="connsiteY10" fmla="*/ 496740 h 506277"/>
+              <a:gd name="connsiteX11" fmla="*/ 797001 w 1038036"/>
+              <a:gd name="connsiteY11" fmla="*/ 501508 h 506277"/>
+              <a:gd name="connsiteX12" fmla="*/ 782744 w 1038036"/>
+              <a:gd name="connsiteY12" fmla="*/ 506277 h 506277"/>
+              <a:gd name="connsiteX13" fmla="*/ 692049 w 1038036"/>
+              <a:gd name="connsiteY13" fmla="*/ 506277 h 506277"/>
+              <a:gd name="connsiteX14" fmla="*/ 291705 w 1038036"/>
+              <a:gd name="connsiteY14" fmla="*/ 505140 h 506277"/>
+              <a:gd name="connsiteX15" fmla="*/ 291705 w 1038036"/>
+              <a:gd name="connsiteY15" fmla="*/ 506277 h 506277"/>
+              <a:gd name="connsiteX16" fmla="*/ 0 w 1038036"/>
+              <a:gd name="connsiteY16" fmla="*/ 506277 h 506277"/>
+            </a:gdLst>
+            <a:ahLst/>
+            <a:cxnLst>
+              <a:cxn ang="0">
+                <a:pos x="connsiteX0" y="connsiteY0"/>
+              </a:cxn>
+              <a:cxn ang="0">
+                <a:pos x="connsiteX1" y="connsiteY1"/>
+              </a:cxn>
+              <a:cxn ang="0">
+                <a:pos x="connsiteX2" y="connsiteY2"/>
+              </a:cxn>
+              <a:cxn ang="0">
+                <a:pos x="connsiteX3" y="connsiteY3"/>
+              </a:cxn>
+              <a:cxn ang="0">
+                <a:pos x="connsiteX4" y="connsiteY4"/>
+              </a:cxn>
+              <a:cxn ang="0">
+                <a:pos x="connsiteX5" y="connsiteY5"/>
+              </a:cxn>
+              <a:cxn ang="0">
+                <a:pos x="connsiteX6" y="connsiteY6"/>
+              </a:cxn>
+              <a:cxn ang="0">
+                <a:pos x="connsiteX7" y="connsiteY7"/>
+              </a:cxn>
+              <a:cxn ang="0">
+                <a:pos x="connsiteX8" y="connsiteY8"/>
+              </a:cxn>
+              <a:cxn ang="0">
+                <a:pos x="connsiteX9" y="connsiteY9"/>
+              </a:cxn>
+              <a:cxn ang="0">
+                <a:pos x="connsiteX10" y="connsiteY10"/>
+              </a:cxn>
+              <a:cxn ang="0">
+                <a:pos x="connsiteX11" y="connsiteY11"/>
+              </a:cxn>
+              <a:cxn ang="0">
+                <a:pos x="connsiteX12" y="connsiteY12"/>
+              </a:cxn>
+              <a:cxn ang="0">
+                <a:pos x="connsiteX13" y="connsiteY13"/>
+              </a:cxn>
+              <a:cxn ang="0">
+                <a:pos x="connsiteX14" y="connsiteY14"/>
+              </a:cxn>
+              <a:cxn ang="0">
+                <a:pos x="connsiteX15" y="connsiteY15"/>
+              </a:cxn>
+              <a:cxn ang="0">
+                <a:pos x="connsiteX16" y="connsiteY16"/>
+              </a:cxn>
+            </a:cxnLst>
+            <a:rect l="l" t="t" r="r" b="b"/>
+            <a:pathLst>
+              <a:path w="1038036" h="506277">
+                <a:moveTo>
+                  <a:pt x="0" y="0"/>
+                </a:moveTo>
+                <a:lnTo>
+                  <a:pt x="182880" y="0"/>
+                </a:lnTo>
+                <a:lnTo>
+                  <a:pt x="291705" y="0"/>
+                </a:lnTo>
+                <a:lnTo>
+                  <a:pt x="291705" y="151"/>
+                </a:lnTo>
+                <a:lnTo>
+                  <a:pt x="692049" y="705"/>
+                </a:lnTo>
+                <a:lnTo>
+                  <a:pt x="782744" y="705"/>
+                </a:lnTo>
+                <a:cubicBezTo>
+                  <a:pt x="787553" y="705"/>
+                  <a:pt x="792363" y="5473"/>
+                  <a:pt x="797001" y="5473"/>
+                </a:cubicBezTo>
+                <a:cubicBezTo>
+                  <a:pt x="797001" y="10242"/>
+                  <a:pt x="801982" y="10242"/>
+                  <a:pt x="801982" y="10242"/>
+                </a:cubicBezTo>
+                <a:lnTo>
+                  <a:pt x="1030951" y="239185"/>
+                </a:lnTo>
+                <a:cubicBezTo>
+                  <a:pt x="1040398" y="248722"/>
+                  <a:pt x="1040398" y="258259"/>
+                  <a:pt x="1030951" y="267797"/>
+                </a:cubicBezTo>
+                <a:lnTo>
+                  <a:pt x="801982" y="496740"/>
+                </a:lnTo>
+                <a:cubicBezTo>
+                  <a:pt x="800436" y="498363"/>
+                  <a:pt x="798547" y="499885"/>
+                  <a:pt x="797001" y="501508"/>
+                </a:cubicBezTo>
+                <a:cubicBezTo>
+                  <a:pt x="792363" y="506277"/>
+                  <a:pt x="787553" y="506277"/>
+                  <a:pt x="782744" y="506277"/>
+                </a:cubicBezTo>
+                <a:lnTo>
+                  <a:pt x="692049" y="506277"/>
+                </a:lnTo>
+                <a:lnTo>
+                  <a:pt x="291705" y="505140"/>
+                </a:lnTo>
+                <a:lnTo>
+                  <a:pt x="291705" y="506277"/>
+                </a:lnTo>
+                <a:lnTo>
+                  <a:pt x="0" y="506277"/>
+                </a:lnTo>
+                <a:close/>
+              </a:path>
+            </a:pathLst>
+          </a:custGeom>
+          <a:ln>
+            <a:noFill/>
+          </a:ln>
+        </p:spPr>
+        <p:style>
+          <a:lnRef idx="2">
+            <a:schemeClr val="accent1">
+              <a:shade val="50000"/>
+            </a:schemeClr>
+          </a:lnRef>
+          <a:fillRef idx="1">
+            <a:schemeClr val="accent1"/>
+          </a:fillRef>
+          <a:effectRef idx="0">
+            <a:schemeClr val="accent1"/>
+          </a:effectRef>
+          <a:fontRef idx="minor">
+            <a:schemeClr val="lt1"/>
+          </a:fontRef>
+        </p:style>
+        <p:txBody>
+          <a:bodyPr rtlCol="0" anchor="ctr"/>
+          <a:lstStyle/>
+          <a:p>
+            <a:pPr algn="ctr"/>
+            <a:endParaRPr lang="en-US"/>
+          </a:p>
+        </p:txBody>
+      </p:sp>
+      <p:sp>
+        <p:nvSpPr>
+          <p:cNvPr id="42" name="TextBox 41">
+            <a:extLst>
+              <a:ext uri="{FF2B5EF4-FFF2-40B4-BE49-F238E27FC236}">
+                <a16:creationId xmlns:a16="http://schemas.microsoft.com/office/drawing/2014/main" id="{A1073472-112C-3E4D-8C56-EBA8B48B5C62}"/>
+              </a:ext>
+            </a:extLst>
+          </p:cNvPr>
+          <p:cNvSpPr txBox="1"/>
+          <p:nvPr/>
+        </p:nvSpPr>
+        <p:spPr>
+          <a:xfrm>
+            <a:off x="9610531" y="6234386"/>
+            <a:ext cx="1073020" cy="246221"/>
+          </a:xfrm>
+          <a:prstGeom prst="rect">
+            <a:avLst/>
+          </a:prstGeom>
+          <a:noFill/>
+        </p:spPr>
+        <p:txBody>
+          <a:bodyPr wrap="square" rtlCol="0">
+            <a:spAutoFit/>
+          </a:bodyPr>
+          <a:lstStyle/>
+          <a:p>
+            <a:r>
+              <a:rPr lang="en-US" sz="1000" dirty="0"/>
+              <a:t>from </a:t>
+            </a:r>
+            <a:r>
+              <a:rPr lang="en-US" sz="1000" dirty="0" err="1"/>
+              <a:t>jwt.io</a:t>
+            </a:r>
+            <a:endParaRPr lang="en-US" sz="1000" dirty="0"/>
+          </a:p>
+        </p:txBody>
+      </p:sp>
+      <p:sp>
+        <p:nvSpPr>
+          <p:cNvPr id="44" name="Right Arrow 43">
+            <a:extLst>
+              <a:ext uri="{FF2B5EF4-FFF2-40B4-BE49-F238E27FC236}">
+                <a16:creationId xmlns:a16="http://schemas.microsoft.com/office/drawing/2014/main" id="{99E81316-ACFC-614A-9076-0EB3063D7F76}"/>
+              </a:ext>
+            </a:extLst>
+          </p:cNvPr>
+          <p:cNvSpPr/>
+          <p:nvPr/>
+        </p:nvSpPr>
+        <p:spPr>
+          <a:xfrm>
+            <a:off x="5913505" y="1471143"/>
+            <a:ext cx="690466" cy="433857"/>
+          </a:xfrm>
+          <a:prstGeom prst="rightArrow">
+            <a:avLst/>
+          </a:prstGeom>
+        </p:spPr>
+        <p:style>
+          <a:lnRef idx="2">
+            <a:schemeClr val="accent1">
+              <a:shade val="50000"/>
+            </a:schemeClr>
+          </a:lnRef>
+          <a:fillRef idx="1">
+            <a:schemeClr val="accent1"/>
+          </a:fillRef>
+          <a:effectRef idx="0">
+            <a:schemeClr val="accent1"/>
+          </a:effectRef>
+          <a:fontRef idx="minor">
+            <a:schemeClr val="lt1"/>
+          </a:fontRef>
+        </p:style>
+        <p:txBody>
+          <a:bodyPr rtlCol="0" anchor="ctr"/>
+          <a:lstStyle/>
+          <a:p>
+            <a:pPr algn="ctr"/>
+            <a:endParaRPr lang="en-US"/>
+          </a:p>
+        </p:txBody>
+      </p:sp>
+    </p:spTree>
+    <p:extLst>
+      <p:ext uri="{BB962C8B-B14F-4D97-AF65-F5344CB8AC3E}">
+        <p14:creationId xmlns:p14="http://schemas.microsoft.com/office/powerpoint/2010/main" val="791360321"/>
+      </p:ext>
+    </p:extLst>
+  </p:cSld>
+  <p:clrMapOvr>
+    <a:masterClrMapping/>
+  </p:clrMapOvr>
+</p:sld>
+</file>
+
+<file path=ppt/slides/slide7.xml><?xml version="1.0" encoding="utf-8"?>
+<p:sld xmlns:a="http://schemas.openxmlformats.org/drawingml/2006/main" xmlns:r="http://schemas.openxmlformats.org/officeDocument/2006/relationships" xmlns:p="http://schemas.openxmlformats.org/presentationml/2006/main">
+  <p:cSld>
+    <p:bg>
+      <p:bgPr>
+        <a:gradFill rotWithShape="1">
+          <a:gsLst>
+            <a:gs pos="0">
+              <a:schemeClr val="bg2">
+                <a:tint val="90000"/>
+                <a:satMod val="92000"/>
+                <a:lumMod val="120000"/>
+              </a:schemeClr>
+            </a:gs>
+            <a:gs pos="100000">
+              <a:schemeClr val="bg2">
+                <a:shade val="98000"/>
+                <a:satMod val="120000"/>
+                <a:lumMod val="98000"/>
+              </a:schemeClr>
+            </a:gs>
+          </a:gsLst>
+          <a:path path="circle">
+            <a:fillToRect l="50000" t="50000" r="100000" b="100000"/>
+          </a:path>
+        </a:gradFill>
+        <a:effectLst/>
+      </p:bgPr>
+    </p:bg>
+    <p:spTree>
+      <p:nvGrpSpPr>
+        <p:cNvPr id="1" name=""/>
+        <p:cNvGrpSpPr/>
+        <p:nvPr/>
+      </p:nvGrpSpPr>
+      <p:grpSpPr>
+        <a:xfrm>
+          <a:off x="0" y="0"/>
+          <a:ext cx="0" cy="0"/>
+          <a:chOff x="0" y="0"/>
+          <a:chExt cx="0" cy="0"/>
+        </a:xfrm>
+      </p:grpSpPr>
+      <p:grpSp>
+        <p:nvGrpSpPr>
+          <p:cNvPr id="15" name="Group 14">
+            <a:extLst>
+              <a:ext uri="{FF2B5EF4-FFF2-40B4-BE49-F238E27FC236}">
+                <a16:creationId xmlns:a16="http://schemas.microsoft.com/office/drawing/2014/main" id="{EB9B5B69-A297-4D2F-8B89-529DA8A273B2}"/>
+              </a:ext>
+              <a:ext uri="{C183D7F6-B498-43B3-948B-1728B52AA6E4}">
+                <adec:decorative xmlns:adec="http://schemas.microsoft.com/office/drawing/2017/decorative" val="1"/>
+              </a:ext>
+            </a:extLst>
+          </p:cNvPr>
+          <p:cNvGrpSpPr>
+            <a:grpSpLocks noGrp="1" noUngrp="1" noRot="1" noChangeAspect="1" noMove="1" noResize="1"/>
+          </p:cNvGrpSpPr>
+          <p:nvPr>
+            <p:extLst>
+              <p:ext uri="{386F3935-93C4-4BCD-93E2-E3B085C9AB24}">
+                <p16:designElem xmlns:p16="http://schemas.microsoft.com/office/powerpoint/2015/main" val="1"/>
+              </p:ext>
+            </p:extLst>
+          </p:nvPr>
+        </p:nvGrpSpPr>
+        <p:grpSpPr>
+          <a:xfrm>
+            <a:off x="9" y="228600"/>
+            <a:ext cx="2851523" cy="6638625"/>
+            <a:chOff x="2487613" y="285750"/>
+            <a:chExt cx="2428875" cy="5654676"/>
+          </a:xfrm>
+        </p:grpSpPr>
+        <p:sp>
+          <p:nvSpPr>
+            <p:cNvPr id="16" name="Freeform 11">
+              <a:extLst>
+                <a:ext uri="{FF2B5EF4-FFF2-40B4-BE49-F238E27FC236}">
+                  <a16:creationId xmlns:a16="http://schemas.microsoft.com/office/drawing/2014/main" id="{3E39D215-BF38-4094-82D7-61DED114527F}"/>
+                </a:ext>
+                <a:ext uri="{C183D7F6-B498-43B3-948B-1728B52AA6E4}">
+                  <adec:decorative xmlns:adec="http://schemas.microsoft.com/office/drawing/2017/decorative" val="1"/>
+                </a:ext>
+              </a:extLst>
+            </p:cNvPr>
+            <p:cNvSpPr/>
+            <p:nvPr>
+              <p:extLst>
+                <p:ext uri="{386F3935-93C4-4BCD-93E2-E3B085C9AB24}">
+                  <p16:designElem xmlns:p16="http://schemas.microsoft.com/office/powerpoint/2015/main" val="1"/>
+                </p:ext>
+              </p:extLst>
+            </p:nvPr>
+          </p:nvSpPr>
+          <p:spPr bwMode="auto">
+            <a:xfrm>
+              <a:off x="2487613" y="2284413"/>
+              <a:ext cx="85725" cy="533400"/>
+            </a:xfrm>
+            <a:custGeom>
+              <a:avLst/>
+              <a:gdLst/>
+              <a:ahLst/>
+              <a:cxnLst/>
+              <a:rect l="0" t="0" r="r" b="b"/>
+              <a:pathLst>
+                <a:path w="22" h="136">
+                  <a:moveTo>
+                    <a:pt x="22" y="136"/>
+                  </a:moveTo>
+                  <a:cubicBezTo>
+                    <a:pt x="20" y="117"/>
+                    <a:pt x="19" y="99"/>
+                    <a:pt x="17" y="80"/>
+                  </a:cubicBezTo>
+                  <a:cubicBezTo>
+                    <a:pt x="11" y="54"/>
+                    <a:pt x="6" y="27"/>
+                    <a:pt x="0" y="0"/>
+                  </a:cubicBezTo>
+                  <a:cubicBezTo>
+                    <a:pt x="0" y="35"/>
+                    <a:pt x="0" y="35"/>
+                    <a:pt x="0" y="35"/>
+                  </a:cubicBezTo>
+                  <a:cubicBezTo>
+                    <a:pt x="6" y="64"/>
+                    <a:pt x="13" y="94"/>
+                    <a:pt x="20" y="124"/>
+                  </a:cubicBezTo>
+                  <a:cubicBezTo>
+                    <a:pt x="20" y="128"/>
+                    <a:pt x="21" y="132"/>
+                    <a:pt x="22" y="136"/>
+                  </a:cubicBezTo>
+                  <a:close/>
+                </a:path>
+              </a:pathLst>
+            </a:custGeom>
+            <a:solidFill>
+              <a:schemeClr val="tx2">
+                <a:alpha val="20000"/>
+              </a:schemeClr>
+            </a:solidFill>
+            <a:ln>
+              <a:noFill/>
+            </a:ln>
+          </p:spPr>
+        </p:sp>
+        <p:sp>
+          <p:nvSpPr>
+            <p:cNvPr id="17" name="Freeform 12">
+              <a:extLst>
+                <a:ext uri="{FF2B5EF4-FFF2-40B4-BE49-F238E27FC236}">
+                  <a16:creationId xmlns:a16="http://schemas.microsoft.com/office/drawing/2014/main" id="{7412700A-91C4-4126-8F17-3B9449DBB38D}"/>
+                </a:ext>
+                <a:ext uri="{C183D7F6-B498-43B3-948B-1728B52AA6E4}">
+                  <adec:decorative xmlns:adec="http://schemas.microsoft.com/office/drawing/2017/decorative" val="1"/>
+                </a:ext>
+              </a:extLst>
+            </p:cNvPr>
+            <p:cNvSpPr/>
+            <p:nvPr>
+              <p:extLst>
+                <p:ext uri="{386F3935-93C4-4BCD-93E2-E3B085C9AB24}">
+                  <p16:designElem xmlns:p16="http://schemas.microsoft.com/office/powerpoint/2015/main" val="1"/>
+                </p:ext>
+              </p:extLst>
+            </p:nvPr>
+          </p:nvSpPr>
+          <p:spPr bwMode="auto">
+            <a:xfrm>
+              <a:off x="2597151" y="2779713"/>
+              <a:ext cx="550863" cy="1978025"/>
+            </a:xfrm>
+            <a:custGeom>
+              <a:avLst/>
+              <a:gdLst/>
+              <a:ahLst/>
+              <a:cxnLst/>
+              <a:rect l="0" t="0" r="r" b="b"/>
+              <a:pathLst>
+                <a:path w="140" h="504">
+                  <a:moveTo>
+                    <a:pt x="86" y="350"/>
+                  </a:moveTo>
+                  <a:cubicBezTo>
+                    <a:pt x="103" y="402"/>
+                    <a:pt x="120" y="453"/>
+                    <a:pt x="139" y="504"/>
+                  </a:cubicBezTo>
+                  <a:cubicBezTo>
+                    <a:pt x="139" y="495"/>
+                    <a:pt x="139" y="487"/>
+                    <a:pt x="140" y="478"/>
+                  </a:cubicBezTo>
+                  <a:cubicBezTo>
+                    <a:pt x="124" y="435"/>
+                    <a:pt x="109" y="391"/>
+                    <a:pt x="95" y="347"/>
+                  </a:cubicBezTo>
+                  <a:cubicBezTo>
+                    <a:pt x="58" y="233"/>
+                    <a:pt x="27" y="117"/>
+                    <a:pt x="0" y="0"/>
+                  </a:cubicBezTo>
+                  <a:cubicBezTo>
+                    <a:pt x="2" y="20"/>
+                    <a:pt x="4" y="41"/>
+                    <a:pt x="6" y="61"/>
+                  </a:cubicBezTo>
+                  <a:cubicBezTo>
+                    <a:pt x="30" y="158"/>
+                    <a:pt x="56" y="255"/>
+                    <a:pt x="86" y="350"/>
+                  </a:cubicBezTo>
+                  <a:close/>
+                </a:path>
+              </a:pathLst>
+            </a:custGeom>
+            <a:solidFill>
+              <a:schemeClr val="tx2">
+                <a:alpha val="20000"/>
+              </a:schemeClr>
+            </a:solidFill>
+            <a:ln>
+              <a:noFill/>
+            </a:ln>
+          </p:spPr>
+        </p:sp>
+        <p:sp>
+          <p:nvSpPr>
+            <p:cNvPr id="18" name="Freeform 13">
+              <a:extLst>
+                <a:ext uri="{FF2B5EF4-FFF2-40B4-BE49-F238E27FC236}">
+                  <a16:creationId xmlns:a16="http://schemas.microsoft.com/office/drawing/2014/main" id="{DF985802-25A8-4B99-89F0-2A42EC325FE3}"/>
+                </a:ext>
+                <a:ext uri="{C183D7F6-B498-43B3-948B-1728B52AA6E4}">
+                  <adec:decorative xmlns:adec="http://schemas.microsoft.com/office/drawing/2017/decorative" val="1"/>
+                </a:ext>
+              </a:extLst>
+            </p:cNvPr>
+            <p:cNvSpPr/>
+            <p:nvPr>
+              <p:extLst>
+                <p:ext uri="{386F3935-93C4-4BCD-93E2-E3B085C9AB24}">
+                  <p16:designElem xmlns:p16="http://schemas.microsoft.com/office/powerpoint/2015/main" val="1"/>
+                </p:ext>
+              </p:extLst>
+            </p:nvPr>
+          </p:nvSpPr>
+          <p:spPr bwMode="auto">
+            <a:xfrm>
+              <a:off x="3175001" y="4730750"/>
+              <a:ext cx="519113" cy="1209675"/>
+            </a:xfrm>
+            <a:custGeom>
+              <a:avLst/>
+              <a:gdLst/>
+              <a:ahLst/>
+              <a:cxnLst/>
+              <a:rect l="0" t="0" r="r" b="b"/>
+              <a:pathLst>
+                <a:path w="132" h="308">
+                  <a:moveTo>
+                    <a:pt x="8" y="22"/>
+                  </a:moveTo>
+                  <a:cubicBezTo>
+                    <a:pt x="5" y="15"/>
+                    <a:pt x="2" y="8"/>
+                    <a:pt x="0" y="0"/>
+                  </a:cubicBezTo>
+                  <a:cubicBezTo>
+                    <a:pt x="0" y="10"/>
+                    <a:pt x="0" y="19"/>
+                    <a:pt x="0" y="29"/>
+                  </a:cubicBezTo>
+                  <a:cubicBezTo>
+                    <a:pt x="21" y="85"/>
+                    <a:pt x="44" y="140"/>
+                    <a:pt x="68" y="194"/>
+                  </a:cubicBezTo>
+                  <a:cubicBezTo>
+                    <a:pt x="85" y="232"/>
+                    <a:pt x="104" y="270"/>
+                    <a:pt x="123" y="308"/>
+                  </a:cubicBezTo>
+                  <a:cubicBezTo>
+                    <a:pt x="132" y="308"/>
+                    <a:pt x="132" y="308"/>
+                    <a:pt x="132" y="308"/>
+                  </a:cubicBezTo>
+                  <a:cubicBezTo>
+                    <a:pt x="113" y="269"/>
+                    <a:pt x="94" y="230"/>
+                    <a:pt x="77" y="190"/>
+                  </a:cubicBezTo>
+                  <a:cubicBezTo>
+                    <a:pt x="52" y="135"/>
+                    <a:pt x="29" y="79"/>
+                    <a:pt x="8" y="22"/>
+                  </a:cubicBezTo>
+                  <a:close/>
+                </a:path>
+              </a:pathLst>
+            </a:custGeom>
+            <a:solidFill>
+              <a:schemeClr val="tx2">
+                <a:alpha val="20000"/>
+              </a:schemeClr>
+            </a:solidFill>
+            <a:ln>
+              <a:noFill/>
+            </a:ln>
+          </p:spPr>
+        </p:sp>
+        <p:sp>
+          <p:nvSpPr>
+            <p:cNvPr id="19" name="Freeform 14">
+              <a:extLst>
+                <a:ext uri="{FF2B5EF4-FFF2-40B4-BE49-F238E27FC236}">
+                  <a16:creationId xmlns:a16="http://schemas.microsoft.com/office/drawing/2014/main" id="{F54C35AF-DB92-4205-A779-2A385B71433A}"/>
+                </a:ext>
+                <a:ext uri="{C183D7F6-B498-43B3-948B-1728B52AA6E4}">
+                  <adec:decorative xmlns:adec="http://schemas.microsoft.com/office/drawing/2017/decorative" val="1"/>
+                </a:ext>
+              </a:extLst>
+            </p:cNvPr>
+            <p:cNvSpPr/>
+            <p:nvPr>
+              <p:extLst>
+                <p:ext uri="{386F3935-93C4-4BCD-93E2-E3B085C9AB24}">
+                  <p16:designElem xmlns:p16="http://schemas.microsoft.com/office/powerpoint/2015/main" val="1"/>
+                </p:ext>
+              </p:extLst>
+            </p:nvPr>
+          </p:nvSpPr>
+          <p:spPr bwMode="auto">
+            <a:xfrm>
+              <a:off x="3305176" y="5630863"/>
+              <a:ext cx="146050" cy="309563"/>
+            </a:xfrm>
+            <a:custGeom>
+              <a:avLst/>
+              <a:gdLst/>
+              <a:ahLst/>
+              <a:cxnLst/>
+              <a:rect l="0" t="0" r="r" b="b"/>
+              <a:pathLst>
+                <a:path w="37" h="79">
+                  <a:moveTo>
+                    <a:pt x="28" y="79"/>
+                  </a:moveTo>
+                  <a:cubicBezTo>
+                    <a:pt x="37" y="79"/>
+                    <a:pt x="37" y="79"/>
+                    <a:pt x="37" y="79"/>
+                  </a:cubicBezTo>
+                  <a:cubicBezTo>
+                    <a:pt x="24" y="53"/>
+                    <a:pt x="12" y="27"/>
+                    <a:pt x="0" y="0"/>
+                  </a:cubicBezTo>
+                  <a:cubicBezTo>
+                    <a:pt x="8" y="27"/>
+                    <a:pt x="17" y="53"/>
+                    <a:pt x="28" y="79"/>
+                  </a:cubicBezTo>
+                  <a:close/>
+                </a:path>
+              </a:pathLst>
+            </a:custGeom>
+            <a:solidFill>
+              <a:schemeClr val="tx2">
+                <a:alpha val="20000"/>
+              </a:schemeClr>
+            </a:solidFill>
+            <a:ln>
+              <a:noFill/>
+            </a:ln>
+          </p:spPr>
+        </p:sp>
+        <p:sp>
+          <p:nvSpPr>
+            <p:cNvPr id="20" name="Freeform 15">
+              <a:extLst>
+                <a:ext uri="{FF2B5EF4-FFF2-40B4-BE49-F238E27FC236}">
+                  <a16:creationId xmlns:a16="http://schemas.microsoft.com/office/drawing/2014/main" id="{9F845211-1F53-4E0A-891E-B78A206F078F}"/>
+                </a:ext>
+                <a:ext uri="{C183D7F6-B498-43B3-948B-1728B52AA6E4}">
+                  <adec:decorative xmlns:adec="http://schemas.microsoft.com/office/drawing/2017/decorative" val="1"/>
+                </a:ext>
+              </a:extLst>
+            </p:cNvPr>
+            <p:cNvSpPr/>
+            <p:nvPr>
+              <p:extLst>
+                <p:ext uri="{386F3935-93C4-4BCD-93E2-E3B085C9AB24}">
+                  <p16:designElem xmlns:p16="http://schemas.microsoft.com/office/powerpoint/2015/main" val="1"/>
+                </p:ext>
+              </p:extLst>
+            </p:nvPr>
+          </p:nvSpPr>
+          <p:spPr bwMode="auto">
+            <a:xfrm>
+              <a:off x="2573338" y="2817813"/>
+              <a:ext cx="700088" cy="2835275"/>
+            </a:xfrm>
+            <a:custGeom>
+              <a:avLst/>
+              <a:gdLst/>
+              <a:ahLst/>
+              <a:cxnLst/>
+              <a:rect l="0" t="0" r="r" b="b"/>
+              <a:pathLst>
+                <a:path w="178" h="722">
+                  <a:moveTo>
+                    <a:pt x="162" y="660"/>
+                  </a:moveTo>
+                  <a:cubicBezTo>
+                    <a:pt x="145" y="618"/>
+                    <a:pt x="130" y="576"/>
+                    <a:pt x="116" y="534"/>
+                  </a:cubicBezTo>
+                  <a:cubicBezTo>
+                    <a:pt x="84" y="437"/>
+                    <a:pt x="59" y="337"/>
+                    <a:pt x="40" y="236"/>
+                  </a:cubicBezTo>
+                  <a:cubicBezTo>
+                    <a:pt x="29" y="175"/>
+                    <a:pt x="20" y="113"/>
+                    <a:pt x="12" y="51"/>
+                  </a:cubicBezTo>
+                  <a:cubicBezTo>
+                    <a:pt x="8" y="34"/>
+                    <a:pt x="4" y="17"/>
+                    <a:pt x="0" y="0"/>
+                  </a:cubicBezTo>
+                  <a:cubicBezTo>
+                    <a:pt x="8" y="79"/>
+                    <a:pt x="19" y="159"/>
+                    <a:pt x="33" y="237"/>
+                  </a:cubicBezTo>
+                  <a:cubicBezTo>
+                    <a:pt x="51" y="339"/>
+                    <a:pt x="76" y="439"/>
+                    <a:pt x="107" y="537"/>
+                  </a:cubicBezTo>
+                  <a:cubicBezTo>
+                    <a:pt x="123" y="586"/>
+                    <a:pt x="141" y="634"/>
+                    <a:pt x="160" y="681"/>
+                  </a:cubicBezTo>
+                  <a:cubicBezTo>
+                    <a:pt x="166" y="695"/>
+                    <a:pt x="172" y="708"/>
+                    <a:pt x="178" y="722"/>
+                  </a:cubicBezTo>
+                  <a:cubicBezTo>
+                    <a:pt x="176" y="717"/>
+                    <a:pt x="175" y="713"/>
+                    <a:pt x="174" y="708"/>
+                  </a:cubicBezTo>
+                  <a:cubicBezTo>
+                    <a:pt x="169" y="692"/>
+                    <a:pt x="165" y="676"/>
+                    <a:pt x="162" y="660"/>
+                  </a:cubicBezTo>
+                  <a:close/>
+                </a:path>
+              </a:pathLst>
+            </a:custGeom>
+            <a:solidFill>
+              <a:schemeClr val="tx2">
+                <a:alpha val="20000"/>
+              </a:schemeClr>
+            </a:solidFill>
+            <a:ln>
+              <a:noFill/>
+            </a:ln>
+          </p:spPr>
+        </p:sp>
+        <p:sp>
+          <p:nvSpPr>
+            <p:cNvPr id="21" name="Freeform 16">
+              <a:extLst>
+                <a:ext uri="{FF2B5EF4-FFF2-40B4-BE49-F238E27FC236}">
+                  <a16:creationId xmlns:a16="http://schemas.microsoft.com/office/drawing/2014/main" id="{9149C7DD-9998-4805-BFC8-CEF5F5DF31AD}"/>
+                </a:ext>
+                <a:ext uri="{C183D7F6-B498-43B3-948B-1728B52AA6E4}">
+                  <adec:decorative xmlns:adec="http://schemas.microsoft.com/office/drawing/2017/decorative" val="1"/>
+                </a:ext>
+              </a:extLst>
+            </p:cNvPr>
+            <p:cNvSpPr/>
+            <p:nvPr>
+              <p:extLst>
+                <p:ext uri="{386F3935-93C4-4BCD-93E2-E3B085C9AB24}">
+                  <p16:designElem xmlns:p16="http://schemas.microsoft.com/office/powerpoint/2015/main" val="1"/>
+                </p:ext>
+              </p:extLst>
+            </p:nvPr>
+          </p:nvSpPr>
+          <p:spPr bwMode="auto">
+            <a:xfrm>
+              <a:off x="2506663" y="285750"/>
+              <a:ext cx="90488" cy="2493963"/>
+            </a:xfrm>
+            <a:custGeom>
+              <a:avLst/>
+              <a:gdLst/>
+              <a:ahLst/>
+              <a:cxnLst/>
+              <a:rect l="0" t="0" r="r" b="b"/>
+              <a:pathLst>
+                <a:path w="23" h="635">
+                  <a:moveTo>
+                    <a:pt x="11" y="577"/>
+                  </a:moveTo>
+                  <a:cubicBezTo>
+                    <a:pt x="12" y="581"/>
+                    <a:pt x="12" y="585"/>
+                    <a:pt x="12" y="589"/>
+                  </a:cubicBezTo>
+                  <a:cubicBezTo>
+                    <a:pt x="15" y="603"/>
+                    <a:pt x="19" y="617"/>
+                    <a:pt x="22" y="632"/>
+                  </a:cubicBezTo>
+                  <a:cubicBezTo>
+                    <a:pt x="22" y="633"/>
+                    <a:pt x="22" y="634"/>
+                    <a:pt x="23" y="635"/>
+                  </a:cubicBezTo>
+                  <a:cubicBezTo>
+                    <a:pt x="21" y="615"/>
+                    <a:pt x="19" y="596"/>
+                    <a:pt x="17" y="576"/>
+                  </a:cubicBezTo>
+                  <a:cubicBezTo>
+                    <a:pt x="9" y="474"/>
+                    <a:pt x="5" y="372"/>
+                    <a:pt x="5" y="269"/>
+                  </a:cubicBezTo>
+                  <a:cubicBezTo>
+                    <a:pt x="6" y="179"/>
+                    <a:pt x="9" y="90"/>
+                    <a:pt x="15" y="0"/>
+                  </a:cubicBezTo>
+                  <a:cubicBezTo>
+                    <a:pt x="12" y="0"/>
+                    <a:pt x="12" y="0"/>
+                    <a:pt x="12" y="0"/>
+                  </a:cubicBezTo>
+                  <a:cubicBezTo>
+                    <a:pt x="5" y="89"/>
+                    <a:pt x="2" y="179"/>
+                    <a:pt x="1" y="269"/>
+                  </a:cubicBezTo>
+                  <a:cubicBezTo>
+                    <a:pt x="0" y="372"/>
+                    <a:pt x="3" y="474"/>
+                    <a:pt x="11" y="577"/>
+                  </a:cubicBezTo>
+                  <a:close/>
+                </a:path>
+              </a:pathLst>
+            </a:custGeom>
+            <a:solidFill>
+              <a:schemeClr val="tx2">
+                <a:alpha val="20000"/>
+              </a:schemeClr>
+            </a:solidFill>
+            <a:ln>
+              <a:noFill/>
+            </a:ln>
+          </p:spPr>
+        </p:sp>
+        <p:sp>
+          <p:nvSpPr>
+            <p:cNvPr id="22" name="Freeform 17">
+              <a:extLst>
+                <a:ext uri="{FF2B5EF4-FFF2-40B4-BE49-F238E27FC236}">
+                  <a16:creationId xmlns:a16="http://schemas.microsoft.com/office/drawing/2014/main" id="{47C8036D-3ECA-43DA-BAF5-3C65CF4112FA}"/>
+                </a:ext>
+                <a:ext uri="{C183D7F6-B498-43B3-948B-1728B52AA6E4}">
+                  <adec:decorative xmlns:adec="http://schemas.microsoft.com/office/drawing/2017/decorative" val="1"/>
+                </a:ext>
+              </a:extLst>
+            </p:cNvPr>
+            <p:cNvSpPr/>
+            <p:nvPr>
+              <p:extLst>
+                <p:ext uri="{386F3935-93C4-4BCD-93E2-E3B085C9AB24}">
+                  <p16:designElem xmlns:p16="http://schemas.microsoft.com/office/powerpoint/2015/main" val="1"/>
+                </p:ext>
+              </p:extLst>
+            </p:nvPr>
+          </p:nvSpPr>
+          <p:spPr bwMode="auto">
+            <a:xfrm>
+              <a:off x="2554288" y="2598738"/>
+              <a:ext cx="66675" cy="420688"/>
+            </a:xfrm>
+            <a:custGeom>
+              <a:avLst/>
+              <a:gdLst/>
+              <a:ahLst/>
+              <a:cxnLst/>
+              <a:rect l="0" t="0" r="r" b="b"/>
+              <a:pathLst>
+                <a:path w="17" h="107">
+                  <a:moveTo>
+                    <a:pt x="0" y="0"/>
+                  </a:moveTo>
+                  <a:cubicBezTo>
+                    <a:pt x="2" y="19"/>
+                    <a:pt x="3" y="37"/>
+                    <a:pt x="5" y="56"/>
+                  </a:cubicBezTo>
+                  <a:cubicBezTo>
+                    <a:pt x="9" y="73"/>
+                    <a:pt x="13" y="90"/>
+                    <a:pt x="17" y="107"/>
+                  </a:cubicBezTo>
+                  <a:cubicBezTo>
+                    <a:pt x="15" y="87"/>
+                    <a:pt x="13" y="66"/>
+                    <a:pt x="11" y="46"/>
+                  </a:cubicBezTo>
+                  <a:cubicBezTo>
+                    <a:pt x="10" y="45"/>
+                    <a:pt x="10" y="44"/>
+                    <a:pt x="10" y="43"/>
+                  </a:cubicBezTo>
+                  <a:cubicBezTo>
+                    <a:pt x="7" y="28"/>
+                    <a:pt x="3" y="14"/>
+                    <a:pt x="0" y="0"/>
+                  </a:cubicBezTo>
+                  <a:close/>
+                </a:path>
+              </a:pathLst>
+            </a:custGeom>
+            <a:solidFill>
+              <a:schemeClr val="tx2">
+                <a:alpha val="20000"/>
+              </a:schemeClr>
+            </a:solidFill>
+            <a:ln>
+              <a:noFill/>
+            </a:ln>
+          </p:spPr>
+        </p:sp>
+        <p:sp>
+          <p:nvSpPr>
+            <p:cNvPr id="23" name="Freeform 18">
+              <a:extLst>
+                <a:ext uri="{FF2B5EF4-FFF2-40B4-BE49-F238E27FC236}">
+                  <a16:creationId xmlns:a16="http://schemas.microsoft.com/office/drawing/2014/main" id="{29C15912-CDE8-4DF3-9324-273FB4C86DC1}"/>
+                </a:ext>
+                <a:ext uri="{C183D7F6-B498-43B3-948B-1728B52AA6E4}">
+                  <adec:decorative xmlns:adec="http://schemas.microsoft.com/office/drawing/2017/decorative" val="1"/>
+                </a:ext>
+              </a:extLst>
+            </p:cNvPr>
+            <p:cNvSpPr/>
+            <p:nvPr>
+              <p:extLst>
+                <p:ext uri="{386F3935-93C4-4BCD-93E2-E3B085C9AB24}">
+                  <p16:designElem xmlns:p16="http://schemas.microsoft.com/office/powerpoint/2015/main" val="1"/>
+                </p:ext>
+              </p:extLst>
+            </p:nvPr>
+          </p:nvSpPr>
+          <p:spPr bwMode="auto">
+            <a:xfrm>
+              <a:off x="3143251" y="4757738"/>
+              <a:ext cx="161925" cy="873125"/>
+            </a:xfrm>
+            <a:custGeom>
+              <a:avLst/>
+              <a:gdLst/>
+              <a:ahLst/>
+              <a:cxnLst/>
+              <a:rect l="0" t="0" r="r" b="b"/>
+              <a:pathLst>
+                <a:path w="41" h="222">
+                  <a:moveTo>
+                    <a:pt x="0" y="0"/>
+                  </a:moveTo>
+                  <a:cubicBezTo>
+                    <a:pt x="0" y="31"/>
+                    <a:pt x="2" y="62"/>
+                    <a:pt x="5" y="93"/>
+                  </a:cubicBezTo>
+                  <a:cubicBezTo>
+                    <a:pt x="8" y="117"/>
+                    <a:pt x="12" y="142"/>
+                    <a:pt x="17" y="166"/>
+                  </a:cubicBezTo>
+                  <a:cubicBezTo>
+                    <a:pt x="19" y="172"/>
+                    <a:pt x="22" y="178"/>
+                    <a:pt x="24" y="184"/>
+                  </a:cubicBezTo>
+                  <a:cubicBezTo>
+                    <a:pt x="30" y="197"/>
+                    <a:pt x="35" y="209"/>
+                    <a:pt x="41" y="222"/>
+                  </a:cubicBezTo>
+                  <a:cubicBezTo>
+                    <a:pt x="40" y="219"/>
+                    <a:pt x="39" y="215"/>
+                    <a:pt x="38" y="212"/>
+                  </a:cubicBezTo>
+                  <a:cubicBezTo>
+                    <a:pt x="26" y="172"/>
+                    <a:pt x="18" y="132"/>
+                    <a:pt x="13" y="92"/>
+                  </a:cubicBezTo>
+                  <a:cubicBezTo>
+                    <a:pt x="11" y="68"/>
+                    <a:pt x="9" y="45"/>
+                    <a:pt x="8" y="22"/>
+                  </a:cubicBezTo>
+                  <a:cubicBezTo>
+                    <a:pt x="8" y="21"/>
+                    <a:pt x="7" y="20"/>
+                    <a:pt x="7" y="18"/>
+                  </a:cubicBezTo>
+                  <a:cubicBezTo>
+                    <a:pt x="5" y="12"/>
+                    <a:pt x="2" y="6"/>
+                    <a:pt x="0" y="0"/>
+                  </a:cubicBezTo>
+                  <a:close/>
+                </a:path>
+              </a:pathLst>
+            </a:custGeom>
+            <a:solidFill>
+              <a:schemeClr val="tx2">
+                <a:alpha val="20000"/>
+              </a:schemeClr>
+            </a:solidFill>
+            <a:ln>
+              <a:noFill/>
+            </a:ln>
+          </p:spPr>
+        </p:sp>
+        <p:sp>
+          <p:nvSpPr>
+            <p:cNvPr id="24" name="Freeform 19">
+              <a:extLst>
+                <a:ext uri="{FF2B5EF4-FFF2-40B4-BE49-F238E27FC236}">
+                  <a16:creationId xmlns:a16="http://schemas.microsoft.com/office/drawing/2014/main" id="{37C68D51-B7DA-4572-AB7E-708540B3C66A}"/>
+                </a:ext>
+                <a:ext uri="{C183D7F6-B498-43B3-948B-1728B52AA6E4}">
+                  <adec:decorative xmlns:adec="http://schemas.microsoft.com/office/drawing/2017/decorative" val="1"/>
+                </a:ext>
+              </a:extLst>
+            </p:cNvPr>
+            <p:cNvSpPr/>
+            <p:nvPr>
+              <p:extLst>
+                <p:ext uri="{386F3935-93C4-4BCD-93E2-E3B085C9AB24}">
+                  <p16:designElem xmlns:p16="http://schemas.microsoft.com/office/powerpoint/2015/main" val="1"/>
+                </p:ext>
+              </p:extLst>
+            </p:nvPr>
+          </p:nvSpPr>
+          <p:spPr bwMode="auto">
+            <a:xfrm>
+              <a:off x="3148013" y="1282700"/>
+              <a:ext cx="1768475" cy="3448050"/>
+            </a:xfrm>
+            <a:custGeom>
+              <a:avLst/>
+              <a:gdLst/>
+              <a:ahLst/>
+              <a:cxnLst/>
+              <a:rect l="0" t="0" r="r" b="b"/>
+              <a:pathLst>
+                <a:path w="450" h="878">
+                  <a:moveTo>
+                    <a:pt x="7" y="854"/>
+                  </a:moveTo>
+                  <a:cubicBezTo>
+                    <a:pt x="10" y="772"/>
+                    <a:pt x="26" y="691"/>
+                    <a:pt x="50" y="613"/>
+                  </a:cubicBezTo>
+                  <a:cubicBezTo>
+                    <a:pt x="75" y="535"/>
+                    <a:pt x="109" y="460"/>
+                    <a:pt x="149" y="388"/>
+                  </a:cubicBezTo>
+                  <a:cubicBezTo>
+                    <a:pt x="189" y="316"/>
+                    <a:pt x="235" y="248"/>
+                    <a:pt x="285" y="183"/>
+                  </a:cubicBezTo>
+                  <a:cubicBezTo>
+                    <a:pt x="310" y="151"/>
+                    <a:pt x="337" y="119"/>
+                    <a:pt x="364" y="89"/>
+                  </a:cubicBezTo>
+                  <a:cubicBezTo>
+                    <a:pt x="378" y="74"/>
+                    <a:pt x="392" y="58"/>
+                    <a:pt x="406" y="44"/>
+                  </a:cubicBezTo>
+                  <a:cubicBezTo>
+                    <a:pt x="421" y="29"/>
+                    <a:pt x="435" y="15"/>
+                    <a:pt x="450" y="1"/>
+                  </a:cubicBezTo>
+                  <a:cubicBezTo>
+                    <a:pt x="450" y="0"/>
+                    <a:pt x="450" y="0"/>
+                    <a:pt x="450" y="0"/>
+                  </a:cubicBezTo>
+                  <a:cubicBezTo>
+                    <a:pt x="434" y="14"/>
+                    <a:pt x="420" y="28"/>
+                    <a:pt x="405" y="43"/>
+                  </a:cubicBezTo>
+                  <a:cubicBezTo>
+                    <a:pt x="391" y="57"/>
+                    <a:pt x="377" y="72"/>
+                    <a:pt x="363" y="88"/>
+                  </a:cubicBezTo>
+                  <a:cubicBezTo>
+                    <a:pt x="335" y="118"/>
+                    <a:pt x="308" y="149"/>
+                    <a:pt x="283" y="181"/>
+                  </a:cubicBezTo>
+                  <a:cubicBezTo>
+                    <a:pt x="232" y="246"/>
+                    <a:pt x="185" y="314"/>
+                    <a:pt x="145" y="386"/>
+                  </a:cubicBezTo>
+                  <a:cubicBezTo>
+                    <a:pt x="104" y="457"/>
+                    <a:pt x="70" y="533"/>
+                    <a:pt x="45" y="611"/>
+                  </a:cubicBezTo>
+                  <a:cubicBezTo>
+                    <a:pt x="19" y="690"/>
+                    <a:pt x="3" y="771"/>
+                    <a:pt x="0" y="854"/>
+                  </a:cubicBezTo>
+                  <a:cubicBezTo>
+                    <a:pt x="0" y="856"/>
+                    <a:pt x="0" y="857"/>
+                    <a:pt x="0" y="859"/>
+                  </a:cubicBezTo>
+                  <a:cubicBezTo>
+                    <a:pt x="2" y="865"/>
+                    <a:pt x="4" y="872"/>
+                    <a:pt x="7" y="878"/>
+                  </a:cubicBezTo>
+                  <a:cubicBezTo>
+                    <a:pt x="7" y="870"/>
+                    <a:pt x="7" y="862"/>
+                    <a:pt x="7" y="854"/>
+                  </a:cubicBezTo>
+                  <a:close/>
+                </a:path>
+              </a:pathLst>
+            </a:custGeom>
+            <a:solidFill>
+              <a:schemeClr val="tx2">
+                <a:alpha val="20000"/>
+              </a:schemeClr>
+            </a:solidFill>
+            <a:ln>
+              <a:noFill/>
+            </a:ln>
+          </p:spPr>
+        </p:sp>
+        <p:sp>
+          <p:nvSpPr>
+            <p:cNvPr id="25" name="Freeform 20">
+              <a:extLst>
+                <a:ext uri="{FF2B5EF4-FFF2-40B4-BE49-F238E27FC236}">
+                  <a16:creationId xmlns:a16="http://schemas.microsoft.com/office/drawing/2014/main" id="{1AF802CB-4E9E-4895-9363-C119914909A0}"/>
+                </a:ext>
+                <a:ext uri="{C183D7F6-B498-43B3-948B-1728B52AA6E4}">
+                  <adec:decorative xmlns:adec="http://schemas.microsoft.com/office/drawing/2017/decorative" val="1"/>
+                </a:ext>
+              </a:extLst>
+            </p:cNvPr>
+            <p:cNvSpPr/>
+            <p:nvPr>
+              <p:extLst>
+                <p:ext uri="{386F3935-93C4-4BCD-93E2-E3B085C9AB24}">
+                  <p16:designElem xmlns:p16="http://schemas.microsoft.com/office/powerpoint/2015/main" val="1"/>
+                </p:ext>
+              </p:extLst>
+            </p:nvPr>
+          </p:nvSpPr>
+          <p:spPr bwMode="auto">
+            <a:xfrm>
+              <a:off x="3273426" y="5653088"/>
+              <a:ext cx="138113" cy="287338"/>
+            </a:xfrm>
+            <a:custGeom>
+              <a:avLst/>
+              <a:gdLst/>
+              <a:ahLst/>
+              <a:cxnLst/>
+              <a:rect l="0" t="0" r="r" b="b"/>
+              <a:pathLst>
+                <a:path w="35" h="73">
+                  <a:moveTo>
+                    <a:pt x="0" y="0"/>
+                  </a:moveTo>
+                  <a:cubicBezTo>
+                    <a:pt x="7" y="24"/>
+                    <a:pt x="16" y="49"/>
+                    <a:pt x="26" y="73"/>
+                  </a:cubicBezTo>
+                  <a:cubicBezTo>
+                    <a:pt x="35" y="73"/>
+                    <a:pt x="35" y="73"/>
+                    <a:pt x="35" y="73"/>
+                  </a:cubicBezTo>
+                  <a:cubicBezTo>
+                    <a:pt x="23" y="49"/>
+                    <a:pt x="11" y="24"/>
+                    <a:pt x="0" y="0"/>
+                  </a:cubicBezTo>
+                  <a:close/>
+                </a:path>
+              </a:pathLst>
+            </a:custGeom>
+            <a:solidFill>
+              <a:schemeClr val="tx2">
+                <a:alpha val="20000"/>
+              </a:schemeClr>
+            </a:solidFill>
+            <a:ln>
+              <a:noFill/>
+            </a:ln>
+          </p:spPr>
+        </p:sp>
+        <p:sp>
+          <p:nvSpPr>
+            <p:cNvPr id="26" name="Freeform 21">
+              <a:extLst>
+                <a:ext uri="{FF2B5EF4-FFF2-40B4-BE49-F238E27FC236}">
+                  <a16:creationId xmlns:a16="http://schemas.microsoft.com/office/drawing/2014/main" id="{615760E5-5F27-4735-B01C-78E05F3FBB56}"/>
+                </a:ext>
+                <a:ext uri="{C183D7F6-B498-43B3-948B-1728B52AA6E4}">
+                  <adec:decorative xmlns:adec="http://schemas.microsoft.com/office/drawing/2017/decorative" val="1"/>
+                </a:ext>
+              </a:extLst>
+            </p:cNvPr>
+            <p:cNvSpPr/>
+            <p:nvPr>
+              <p:extLst>
+                <p:ext uri="{386F3935-93C4-4BCD-93E2-E3B085C9AB24}">
+                  <p16:designElem xmlns:p16="http://schemas.microsoft.com/office/powerpoint/2015/main" val="1"/>
+                </p:ext>
+              </p:extLst>
+            </p:nvPr>
+          </p:nvSpPr>
+          <p:spPr bwMode="auto">
+            <a:xfrm>
+              <a:off x="3143251" y="4656138"/>
+              <a:ext cx="31750" cy="188913"/>
+            </a:xfrm>
+            <a:custGeom>
+              <a:avLst/>
+              <a:gdLst/>
+              <a:ahLst/>
+              <a:cxnLst/>
+              <a:rect l="0" t="0" r="r" b="b"/>
+              <a:pathLst>
+                <a:path w="8" h="48">
+                  <a:moveTo>
+                    <a:pt x="7" y="44"/>
+                  </a:moveTo>
+                  <a:cubicBezTo>
+                    <a:pt x="7" y="46"/>
+                    <a:pt x="8" y="47"/>
+                    <a:pt x="8" y="48"/>
+                  </a:cubicBezTo>
+                  <a:cubicBezTo>
+                    <a:pt x="8" y="38"/>
+                    <a:pt x="8" y="29"/>
+                    <a:pt x="8" y="19"/>
+                  </a:cubicBezTo>
+                  <a:cubicBezTo>
+                    <a:pt x="5" y="13"/>
+                    <a:pt x="3" y="6"/>
+                    <a:pt x="1" y="0"/>
+                  </a:cubicBezTo>
+                  <a:cubicBezTo>
+                    <a:pt x="0" y="9"/>
+                    <a:pt x="0" y="17"/>
+                    <a:pt x="0" y="26"/>
+                  </a:cubicBezTo>
+                  <a:cubicBezTo>
+                    <a:pt x="2" y="32"/>
+                    <a:pt x="5" y="38"/>
+                    <a:pt x="7" y="44"/>
+                  </a:cubicBezTo>
+                  <a:close/>
+                </a:path>
+              </a:pathLst>
+            </a:custGeom>
+            <a:solidFill>
+              <a:schemeClr val="tx2">
+                <a:alpha val="20000"/>
+              </a:schemeClr>
+            </a:solidFill>
+            <a:ln>
+              <a:noFill/>
+            </a:ln>
+          </p:spPr>
+        </p:sp>
+        <p:sp>
+          <p:nvSpPr>
+            <p:cNvPr id="27" name="Freeform 22">
+              <a:extLst>
+                <a:ext uri="{FF2B5EF4-FFF2-40B4-BE49-F238E27FC236}">
+                  <a16:creationId xmlns:a16="http://schemas.microsoft.com/office/drawing/2014/main" id="{DB9C6516-B2DB-432F-BD3A-A1792BD46F89}"/>
+                </a:ext>
+                <a:ext uri="{C183D7F6-B498-43B3-948B-1728B52AA6E4}">
+                  <adec:decorative xmlns:adec="http://schemas.microsoft.com/office/drawing/2017/decorative" val="1"/>
+                </a:ext>
+              </a:extLst>
+            </p:cNvPr>
+            <p:cNvSpPr/>
+            <p:nvPr>
+              <p:extLst>
+                <p:ext uri="{386F3935-93C4-4BCD-93E2-E3B085C9AB24}">
+                  <p16:designElem xmlns:p16="http://schemas.microsoft.com/office/powerpoint/2015/main" val="1"/>
+                </p:ext>
+              </p:extLst>
+            </p:nvPr>
+          </p:nvSpPr>
+          <p:spPr bwMode="auto">
+            <a:xfrm>
+              <a:off x="3211513" y="5410200"/>
+              <a:ext cx="203200" cy="530225"/>
+            </a:xfrm>
+            <a:custGeom>
+              <a:avLst/>
+              <a:gdLst/>
+              <a:ahLst/>
+              <a:cxnLst/>
+              <a:rect l="0" t="0" r="r" b="b"/>
+              <a:pathLst>
+                <a:path w="52" h="135">
+                  <a:moveTo>
+                    <a:pt x="7" y="18"/>
+                  </a:moveTo>
+                  <a:cubicBezTo>
+                    <a:pt x="5" y="12"/>
+                    <a:pt x="2" y="6"/>
+                    <a:pt x="0" y="0"/>
+                  </a:cubicBezTo>
+                  <a:cubicBezTo>
+                    <a:pt x="3" y="16"/>
+                    <a:pt x="7" y="32"/>
+                    <a:pt x="12" y="48"/>
+                  </a:cubicBezTo>
+                  <a:cubicBezTo>
+                    <a:pt x="13" y="53"/>
+                    <a:pt x="14" y="57"/>
+                    <a:pt x="16" y="62"/>
+                  </a:cubicBezTo>
+                  <a:cubicBezTo>
+                    <a:pt x="27" y="86"/>
+                    <a:pt x="39" y="111"/>
+                    <a:pt x="51" y="135"/>
+                  </a:cubicBezTo>
+                  <a:cubicBezTo>
+                    <a:pt x="52" y="135"/>
+                    <a:pt x="52" y="135"/>
+                    <a:pt x="52" y="135"/>
+                  </a:cubicBezTo>
+                  <a:cubicBezTo>
+                    <a:pt x="41" y="109"/>
+                    <a:pt x="32" y="83"/>
+                    <a:pt x="24" y="56"/>
+                  </a:cubicBezTo>
+                  <a:cubicBezTo>
+                    <a:pt x="18" y="43"/>
+                    <a:pt x="13" y="31"/>
+                    <a:pt x="7" y="18"/>
+                  </a:cubicBezTo>
+                  <a:close/>
+                </a:path>
+              </a:pathLst>
+            </a:custGeom>
+            <a:solidFill>
+              <a:schemeClr val="tx2">
+                <a:alpha val="20000"/>
+              </a:schemeClr>
+            </a:solidFill>
+            <a:ln>
+              <a:noFill/>
+            </a:ln>
+          </p:spPr>
+        </p:sp>
+      </p:grpSp>
+      <p:grpSp>
+        <p:nvGrpSpPr>
+          <p:cNvPr id="29" name="Group 28">
+            <a:extLst>
+              <a:ext uri="{FF2B5EF4-FFF2-40B4-BE49-F238E27FC236}">
+                <a16:creationId xmlns:a16="http://schemas.microsoft.com/office/drawing/2014/main" id="{BC9C8D0D-644B-4B97-B83C-CC8E64361D44}"/>
+              </a:ext>
+              <a:ext uri="{C183D7F6-B498-43B3-948B-1728B52AA6E4}">
+                <adec:decorative xmlns:adec="http://schemas.microsoft.com/office/drawing/2017/decorative" val="1"/>
+              </a:ext>
+            </a:extLst>
+          </p:cNvPr>
+          <p:cNvGrpSpPr>
+            <a:grpSpLocks noGrp="1" noUngrp="1" noRot="1" noChangeAspect="1" noMove="1" noResize="1"/>
+          </p:cNvGrpSpPr>
+          <p:nvPr>
+            <p:extLst>
+              <p:ext uri="{386F3935-93C4-4BCD-93E2-E3B085C9AB24}">
+                <p16:designElem xmlns:p16="http://schemas.microsoft.com/office/powerpoint/2015/main" val="1"/>
+              </p:ext>
+            </p:extLst>
+          </p:nvPr>
+        </p:nvGrpSpPr>
+        <p:grpSpPr>
+          <a:xfrm>
+            <a:off x="27224" y="-786"/>
+            <a:ext cx="2356675" cy="6854040"/>
+            <a:chOff x="6627813" y="194833"/>
+            <a:chExt cx="1952625" cy="5678918"/>
+          </a:xfrm>
+        </p:grpSpPr>
+        <p:sp>
+          <p:nvSpPr>
+            <p:cNvPr id="30" name="Freeform 27">
+              <a:extLst>
+                <a:ext uri="{FF2B5EF4-FFF2-40B4-BE49-F238E27FC236}">
+                  <a16:creationId xmlns:a16="http://schemas.microsoft.com/office/drawing/2014/main" id="{F8BE1EA6-80CF-446B-A4FE-3F935A51C0E5}"/>
+                </a:ext>
+                <a:ext uri="{C183D7F6-B498-43B3-948B-1728B52AA6E4}">
+                  <adec:decorative xmlns:adec="http://schemas.microsoft.com/office/drawing/2017/decorative" val="1"/>
+                </a:ext>
+              </a:extLst>
+            </p:cNvPr>
+            <p:cNvSpPr/>
+            <p:nvPr>
+              <p:extLst>
+                <p:ext uri="{386F3935-93C4-4BCD-93E2-E3B085C9AB24}">
+                  <p16:designElem xmlns:p16="http://schemas.microsoft.com/office/powerpoint/2015/main" val="1"/>
+                </p:ext>
+              </p:extLst>
+            </p:nvPr>
+          </p:nvSpPr>
+          <p:spPr bwMode="auto">
+            <a:xfrm>
+              <a:off x="6627813" y="194833"/>
+              <a:ext cx="409575" cy="3646488"/>
+            </a:xfrm>
+            <a:custGeom>
+              <a:avLst/>
+              <a:gdLst/>
+              <a:ahLst/>
+              <a:cxnLst/>
+              <a:rect l="0" t="0" r="r" b="b"/>
+              <a:pathLst>
+                <a:path w="103" h="920">
+                  <a:moveTo>
+                    <a:pt x="7" y="210"/>
+                  </a:moveTo>
+                  <a:cubicBezTo>
+                    <a:pt x="11" y="288"/>
+                    <a:pt x="17" y="367"/>
+                    <a:pt x="26" y="445"/>
+                  </a:cubicBezTo>
+                  <a:cubicBezTo>
+                    <a:pt x="34" y="523"/>
+                    <a:pt x="44" y="601"/>
+                    <a:pt x="57" y="679"/>
+                  </a:cubicBezTo>
+                  <a:cubicBezTo>
+                    <a:pt x="69" y="757"/>
+                    <a:pt x="84" y="834"/>
+                    <a:pt x="101" y="911"/>
+                  </a:cubicBezTo>
+                  <a:cubicBezTo>
+                    <a:pt x="102" y="914"/>
+                    <a:pt x="103" y="917"/>
+                    <a:pt x="103" y="920"/>
+                  </a:cubicBezTo>
+                  <a:cubicBezTo>
+                    <a:pt x="102" y="905"/>
+                    <a:pt x="100" y="889"/>
+                    <a:pt x="99" y="874"/>
+                  </a:cubicBezTo>
+                  <a:cubicBezTo>
+                    <a:pt x="99" y="871"/>
+                    <a:pt x="99" y="868"/>
+                    <a:pt x="99" y="866"/>
+                  </a:cubicBezTo>
+                  <a:cubicBezTo>
+                    <a:pt x="85" y="803"/>
+                    <a:pt x="73" y="741"/>
+                    <a:pt x="63" y="678"/>
+                  </a:cubicBezTo>
+                  <a:cubicBezTo>
+                    <a:pt x="50" y="600"/>
+                    <a:pt x="39" y="523"/>
+                    <a:pt x="30" y="444"/>
+                  </a:cubicBezTo>
+                  <a:cubicBezTo>
+                    <a:pt x="21" y="366"/>
+                    <a:pt x="14" y="288"/>
+                    <a:pt x="9" y="209"/>
+                  </a:cubicBezTo>
+                  <a:cubicBezTo>
+                    <a:pt x="7" y="170"/>
+                    <a:pt x="5" y="131"/>
+                    <a:pt x="3" y="92"/>
+                  </a:cubicBezTo>
+                  <a:cubicBezTo>
+                    <a:pt x="2" y="61"/>
+                    <a:pt x="1" y="31"/>
+                    <a:pt x="1" y="0"/>
+                  </a:cubicBezTo>
+                  <a:cubicBezTo>
+                    <a:pt x="0" y="0"/>
+                    <a:pt x="0" y="0"/>
+                    <a:pt x="0" y="0"/>
+                  </a:cubicBezTo>
+                  <a:cubicBezTo>
+                    <a:pt x="0" y="31"/>
+                    <a:pt x="1" y="61"/>
+                    <a:pt x="1" y="92"/>
+                  </a:cubicBezTo>
+                  <a:cubicBezTo>
+                    <a:pt x="3" y="131"/>
+                    <a:pt x="4" y="170"/>
+                    <a:pt x="7" y="210"/>
+                  </a:cubicBezTo>
+                  <a:close/>
+                </a:path>
+              </a:pathLst>
+            </a:custGeom>
+            <a:solidFill>
+              <a:schemeClr val="tx2"/>
+            </a:solidFill>
+            <a:ln>
+              <a:noFill/>
+            </a:ln>
+          </p:spPr>
+        </p:sp>
+        <p:sp>
+          <p:nvSpPr>
+            <p:cNvPr id="31" name="Freeform 28">
+              <a:extLst>
+                <a:ext uri="{FF2B5EF4-FFF2-40B4-BE49-F238E27FC236}">
+                  <a16:creationId xmlns:a16="http://schemas.microsoft.com/office/drawing/2014/main" id="{10E39808-F4F7-43DE-AB53-82B7B55EA476}"/>
+                </a:ext>
+                <a:ext uri="{C183D7F6-B498-43B3-948B-1728B52AA6E4}">
+                  <adec:decorative xmlns:adec="http://schemas.microsoft.com/office/drawing/2017/decorative" val="1"/>
+                </a:ext>
+              </a:extLst>
+            </p:cNvPr>
+            <p:cNvSpPr/>
+            <p:nvPr>
+              <p:extLst>
+                <p:ext uri="{386F3935-93C4-4BCD-93E2-E3B085C9AB24}">
+                  <p16:designElem xmlns:p16="http://schemas.microsoft.com/office/powerpoint/2015/main" val="1"/>
+                </p:ext>
+              </p:extLst>
+            </p:nvPr>
+          </p:nvSpPr>
+          <p:spPr bwMode="auto">
+            <a:xfrm>
+              <a:off x="7061201" y="3771900"/>
+              <a:ext cx="350838" cy="1309688"/>
+            </a:xfrm>
+            <a:custGeom>
+              <a:avLst/>
+              <a:gdLst/>
+              <a:ahLst/>
+              <a:cxnLst/>
+              <a:rect l="0" t="0" r="r" b="b"/>
+              <a:pathLst>
+                <a:path w="88" h="330">
+                  <a:moveTo>
+                    <a:pt x="53" y="229"/>
+                  </a:moveTo>
+                  <a:cubicBezTo>
+                    <a:pt x="64" y="263"/>
+                    <a:pt x="75" y="297"/>
+                    <a:pt x="88" y="330"/>
+                  </a:cubicBezTo>
+                  <a:cubicBezTo>
+                    <a:pt x="88" y="323"/>
+                    <a:pt x="88" y="315"/>
+                    <a:pt x="88" y="308"/>
+                  </a:cubicBezTo>
+                  <a:cubicBezTo>
+                    <a:pt x="88" y="307"/>
+                    <a:pt x="88" y="305"/>
+                    <a:pt x="88" y="304"/>
+                  </a:cubicBezTo>
+                  <a:cubicBezTo>
+                    <a:pt x="79" y="278"/>
+                    <a:pt x="70" y="252"/>
+                    <a:pt x="62" y="226"/>
+                  </a:cubicBezTo>
+                  <a:cubicBezTo>
+                    <a:pt x="38" y="152"/>
+                    <a:pt x="17" y="76"/>
+                    <a:pt x="0" y="0"/>
+                  </a:cubicBezTo>
+                  <a:cubicBezTo>
+                    <a:pt x="2" y="21"/>
+                    <a:pt x="4" y="42"/>
+                    <a:pt x="7" y="63"/>
+                  </a:cubicBezTo>
+                  <a:cubicBezTo>
+                    <a:pt x="21" y="119"/>
+                    <a:pt x="36" y="174"/>
+                    <a:pt x="53" y="229"/>
+                  </a:cubicBezTo>
+                  <a:close/>
+                </a:path>
+              </a:pathLst>
+            </a:custGeom>
+            <a:solidFill>
+              <a:schemeClr val="tx2"/>
+            </a:solidFill>
+            <a:ln>
+              <a:noFill/>
+            </a:ln>
+          </p:spPr>
+        </p:sp>
+        <p:sp>
+          <p:nvSpPr>
+            <p:cNvPr id="32" name="Freeform 29">
+              <a:extLst>
+                <a:ext uri="{FF2B5EF4-FFF2-40B4-BE49-F238E27FC236}">
+                  <a16:creationId xmlns:a16="http://schemas.microsoft.com/office/drawing/2014/main" id="{6ED5109A-600A-4C23-9BB3-C4C19C2D9FF1}"/>
+                </a:ext>
+                <a:ext uri="{C183D7F6-B498-43B3-948B-1728B52AA6E4}">
+                  <adec:decorative xmlns:adec="http://schemas.microsoft.com/office/drawing/2017/decorative" val="1"/>
+                </a:ext>
+              </a:extLst>
+            </p:cNvPr>
+            <p:cNvSpPr/>
+            <p:nvPr>
+              <p:extLst>
+                <p:ext uri="{386F3935-93C4-4BCD-93E2-E3B085C9AB24}">
+                  <p16:designElem xmlns:p16="http://schemas.microsoft.com/office/powerpoint/2015/main" val="1"/>
+                </p:ext>
+              </p:extLst>
+            </p:nvPr>
+          </p:nvSpPr>
+          <p:spPr bwMode="auto">
+            <a:xfrm>
+              <a:off x="7439026" y="5053013"/>
+              <a:ext cx="357188" cy="820738"/>
+            </a:xfrm>
+            <a:custGeom>
+              <a:avLst/>
+              <a:gdLst/>
+              <a:ahLst/>
+              <a:cxnLst/>
+              <a:rect l="0" t="0" r="r" b="b"/>
+              <a:pathLst>
+                <a:path w="90" h="207">
+                  <a:moveTo>
+                    <a:pt x="6" y="15"/>
+                  </a:moveTo>
+                  <a:cubicBezTo>
+                    <a:pt x="4" y="10"/>
+                    <a:pt x="2" y="5"/>
+                    <a:pt x="0" y="0"/>
+                  </a:cubicBezTo>
+                  <a:cubicBezTo>
+                    <a:pt x="0" y="9"/>
+                    <a:pt x="0" y="19"/>
+                    <a:pt x="1" y="29"/>
+                  </a:cubicBezTo>
+                  <a:cubicBezTo>
+                    <a:pt x="14" y="62"/>
+                    <a:pt x="27" y="95"/>
+                    <a:pt x="42" y="127"/>
+                  </a:cubicBezTo>
+                  <a:cubicBezTo>
+                    <a:pt x="54" y="154"/>
+                    <a:pt x="67" y="181"/>
+                    <a:pt x="80" y="207"/>
+                  </a:cubicBezTo>
+                  <a:cubicBezTo>
+                    <a:pt x="90" y="207"/>
+                    <a:pt x="90" y="207"/>
+                    <a:pt x="90" y="207"/>
+                  </a:cubicBezTo>
+                  <a:cubicBezTo>
+                    <a:pt x="76" y="180"/>
+                    <a:pt x="63" y="152"/>
+                    <a:pt x="50" y="123"/>
+                  </a:cubicBezTo>
+                  <a:cubicBezTo>
+                    <a:pt x="34" y="88"/>
+                    <a:pt x="20" y="51"/>
+                    <a:pt x="6" y="15"/>
+                  </a:cubicBezTo>
+                  <a:close/>
+                </a:path>
+              </a:pathLst>
+            </a:custGeom>
+            <a:solidFill>
+              <a:schemeClr val="tx2"/>
+            </a:solidFill>
+            <a:ln>
+              <a:noFill/>
+            </a:ln>
+          </p:spPr>
+        </p:sp>
+        <p:sp>
+          <p:nvSpPr>
+            <p:cNvPr id="33" name="Freeform 30">
+              <a:extLst>
+                <a:ext uri="{FF2B5EF4-FFF2-40B4-BE49-F238E27FC236}">
+                  <a16:creationId xmlns:a16="http://schemas.microsoft.com/office/drawing/2014/main" id="{D76FF73F-8CA3-42B0-A680-353805CD2A5E}"/>
+                </a:ext>
+                <a:ext uri="{C183D7F6-B498-43B3-948B-1728B52AA6E4}">
+                  <adec:decorative xmlns:adec="http://schemas.microsoft.com/office/drawing/2017/decorative" val="1"/>
+                </a:ext>
+              </a:extLst>
+            </p:cNvPr>
+            <p:cNvSpPr/>
+            <p:nvPr>
+              <p:extLst>
+                <p:ext uri="{386F3935-93C4-4BCD-93E2-E3B085C9AB24}">
+                  <p16:designElem xmlns:p16="http://schemas.microsoft.com/office/powerpoint/2015/main" val="1"/>
+                </p:ext>
+              </p:extLst>
+            </p:nvPr>
+          </p:nvSpPr>
+          <p:spPr bwMode="auto">
+            <a:xfrm>
+              <a:off x="7037388" y="3811588"/>
+              <a:ext cx="457200" cy="1852613"/>
+            </a:xfrm>
+            <a:custGeom>
+              <a:avLst/>
+              <a:gdLst/>
+              <a:ahLst/>
+              <a:cxnLst/>
+              <a:rect l="0" t="0" r="r" b="b"/>
+              <a:pathLst>
+                <a:path w="115" h="467">
+                  <a:moveTo>
+                    <a:pt x="101" y="409"/>
+                  </a:moveTo>
+                  <a:cubicBezTo>
+                    <a:pt x="93" y="388"/>
+                    <a:pt x="85" y="366"/>
+                    <a:pt x="78" y="344"/>
+                  </a:cubicBezTo>
+                  <a:cubicBezTo>
+                    <a:pt x="57" y="281"/>
+                    <a:pt x="41" y="216"/>
+                    <a:pt x="29" y="151"/>
+                  </a:cubicBezTo>
+                  <a:cubicBezTo>
+                    <a:pt x="22" y="119"/>
+                    <a:pt x="17" y="86"/>
+                    <a:pt x="13" y="53"/>
+                  </a:cubicBezTo>
+                  <a:cubicBezTo>
+                    <a:pt x="9" y="35"/>
+                    <a:pt x="4" y="18"/>
+                    <a:pt x="0" y="0"/>
+                  </a:cubicBezTo>
+                  <a:cubicBezTo>
+                    <a:pt x="5" y="51"/>
+                    <a:pt x="12" y="102"/>
+                    <a:pt x="21" y="152"/>
+                  </a:cubicBezTo>
+                  <a:cubicBezTo>
+                    <a:pt x="33" y="218"/>
+                    <a:pt x="49" y="283"/>
+                    <a:pt x="69" y="347"/>
+                  </a:cubicBezTo>
+                  <a:cubicBezTo>
+                    <a:pt x="79" y="378"/>
+                    <a:pt x="90" y="410"/>
+                    <a:pt x="103" y="441"/>
+                  </a:cubicBezTo>
+                  <a:cubicBezTo>
+                    <a:pt x="107" y="449"/>
+                    <a:pt x="111" y="458"/>
+                    <a:pt x="115" y="467"/>
+                  </a:cubicBezTo>
+                  <a:cubicBezTo>
+                    <a:pt x="114" y="464"/>
+                    <a:pt x="113" y="461"/>
+                    <a:pt x="112" y="458"/>
+                  </a:cubicBezTo>
+                  <a:cubicBezTo>
+                    <a:pt x="108" y="442"/>
+                    <a:pt x="104" y="425"/>
+                    <a:pt x="101" y="409"/>
+                  </a:cubicBezTo>
+                  <a:close/>
+                </a:path>
+              </a:pathLst>
+            </a:custGeom>
+            <a:solidFill>
+              <a:schemeClr val="tx2"/>
+            </a:solidFill>
+            <a:ln>
+              <a:noFill/>
+            </a:ln>
+          </p:spPr>
+        </p:sp>
+        <p:sp>
+          <p:nvSpPr>
+            <p:cNvPr id="34" name="Freeform 31">
+              <a:extLst>
+                <a:ext uri="{FF2B5EF4-FFF2-40B4-BE49-F238E27FC236}">
+                  <a16:creationId xmlns:a16="http://schemas.microsoft.com/office/drawing/2014/main" id="{B26A6949-3BEB-422A-854C-D4E26E4CF1D9}"/>
+                </a:ext>
+                <a:ext uri="{C183D7F6-B498-43B3-948B-1728B52AA6E4}">
+                  <adec:decorative xmlns:adec="http://schemas.microsoft.com/office/drawing/2017/decorative" val="1"/>
+                </a:ext>
+              </a:extLst>
+            </p:cNvPr>
+            <p:cNvSpPr/>
+            <p:nvPr>
+              <p:extLst>
+                <p:ext uri="{386F3935-93C4-4BCD-93E2-E3B085C9AB24}">
+                  <p16:designElem xmlns:p16="http://schemas.microsoft.com/office/powerpoint/2015/main" val="1"/>
+                </p:ext>
+              </p:extLst>
+            </p:nvPr>
+          </p:nvSpPr>
+          <p:spPr bwMode="auto">
+            <a:xfrm>
+              <a:off x="6992938" y="1263650"/>
+              <a:ext cx="144463" cy="2508250"/>
+            </a:xfrm>
+            <a:custGeom>
+              <a:avLst/>
+              <a:gdLst/>
+              <a:ahLst/>
+              <a:cxnLst/>
+              <a:rect l="0" t="0" r="r" b="b"/>
+              <a:pathLst>
+                <a:path w="36" h="633">
+                  <a:moveTo>
+                    <a:pt x="17" y="633"/>
+                  </a:moveTo>
+                  <a:cubicBezTo>
+                    <a:pt x="15" y="621"/>
+                    <a:pt x="14" y="609"/>
+                    <a:pt x="13" y="597"/>
+                  </a:cubicBezTo>
+                  <a:cubicBezTo>
+                    <a:pt x="8" y="530"/>
+                    <a:pt x="5" y="464"/>
+                    <a:pt x="5" y="398"/>
+                  </a:cubicBezTo>
+                  <a:cubicBezTo>
+                    <a:pt x="5" y="331"/>
+                    <a:pt x="8" y="265"/>
+                    <a:pt x="13" y="198"/>
+                  </a:cubicBezTo>
+                  <a:cubicBezTo>
+                    <a:pt x="15" y="165"/>
+                    <a:pt x="18" y="132"/>
+                    <a:pt x="22" y="99"/>
+                  </a:cubicBezTo>
+                  <a:cubicBezTo>
+                    <a:pt x="26" y="66"/>
+                    <a:pt x="30" y="33"/>
+                    <a:pt x="36" y="0"/>
+                  </a:cubicBezTo>
+                  <a:cubicBezTo>
+                    <a:pt x="35" y="0"/>
+                    <a:pt x="35" y="0"/>
+                    <a:pt x="35" y="0"/>
+                  </a:cubicBezTo>
+                  <a:cubicBezTo>
+                    <a:pt x="29" y="33"/>
+                    <a:pt x="24" y="66"/>
+                    <a:pt x="20" y="99"/>
+                  </a:cubicBezTo>
+                  <a:cubicBezTo>
+                    <a:pt x="16" y="132"/>
+                    <a:pt x="13" y="165"/>
+                    <a:pt x="10" y="198"/>
+                  </a:cubicBezTo>
+                  <a:cubicBezTo>
+                    <a:pt x="4" y="264"/>
+                    <a:pt x="1" y="331"/>
+                    <a:pt x="1" y="398"/>
+                  </a:cubicBezTo>
+                  <a:cubicBezTo>
+                    <a:pt x="0" y="461"/>
+                    <a:pt x="2" y="525"/>
+                    <a:pt x="7" y="589"/>
+                  </a:cubicBezTo>
+                  <a:cubicBezTo>
+                    <a:pt x="10" y="603"/>
+                    <a:pt x="13" y="618"/>
+                    <a:pt x="16" y="632"/>
+                  </a:cubicBezTo>
+                  <a:cubicBezTo>
+                    <a:pt x="16" y="632"/>
+                    <a:pt x="17" y="633"/>
+                    <a:pt x="17" y="633"/>
+                  </a:cubicBezTo>
+                  <a:close/>
+                </a:path>
+              </a:pathLst>
+            </a:custGeom>
+            <a:solidFill>
+              <a:schemeClr val="tx2"/>
+            </a:solidFill>
+            <a:ln>
+              <a:noFill/>
+            </a:ln>
+          </p:spPr>
+        </p:sp>
+        <p:sp>
+          <p:nvSpPr>
+            <p:cNvPr id="35" name="Freeform 32">
+              <a:extLst>
+                <a:ext uri="{FF2B5EF4-FFF2-40B4-BE49-F238E27FC236}">
+                  <a16:creationId xmlns:a16="http://schemas.microsoft.com/office/drawing/2014/main" id="{FE07AD25-30AF-40CD-B901-DF1EDBD68201}"/>
+                </a:ext>
+                <a:ext uri="{C183D7F6-B498-43B3-948B-1728B52AA6E4}">
+                  <adec:decorative xmlns:adec="http://schemas.microsoft.com/office/drawing/2017/decorative" val="1"/>
+                </a:ext>
+              </a:extLst>
+            </p:cNvPr>
+            <p:cNvSpPr/>
+            <p:nvPr>
+              <p:extLst>
+                <p:ext uri="{386F3935-93C4-4BCD-93E2-E3B085C9AB24}">
+                  <p16:designElem xmlns:p16="http://schemas.microsoft.com/office/powerpoint/2015/main" val="1"/>
+                </p:ext>
+              </p:extLst>
+            </p:nvPr>
+          </p:nvSpPr>
+          <p:spPr bwMode="auto">
+            <a:xfrm>
+              <a:off x="7526338" y="5640388"/>
+              <a:ext cx="111125" cy="233363"/>
+            </a:xfrm>
+            <a:custGeom>
+              <a:avLst/>
+              <a:gdLst/>
+              <a:ahLst/>
+              <a:cxnLst/>
+              <a:rect l="0" t="0" r="r" b="b"/>
+              <a:pathLst>
+                <a:path w="28" h="59">
+                  <a:moveTo>
+                    <a:pt x="22" y="59"/>
+                  </a:moveTo>
+                  <a:cubicBezTo>
+                    <a:pt x="28" y="59"/>
+                    <a:pt x="28" y="59"/>
+                    <a:pt x="28" y="59"/>
+                  </a:cubicBezTo>
+                  <a:cubicBezTo>
+                    <a:pt x="18" y="40"/>
+                    <a:pt x="9" y="20"/>
+                    <a:pt x="0" y="0"/>
+                  </a:cubicBezTo>
+                  <a:cubicBezTo>
+                    <a:pt x="6" y="20"/>
+                    <a:pt x="13" y="40"/>
+                    <a:pt x="22" y="59"/>
+                  </a:cubicBezTo>
+                  <a:close/>
+                </a:path>
+              </a:pathLst>
+            </a:custGeom>
+            <a:solidFill>
+              <a:schemeClr val="tx2"/>
+            </a:solidFill>
+            <a:ln>
+              <a:noFill/>
+            </a:ln>
+          </p:spPr>
+        </p:sp>
+        <p:sp>
+          <p:nvSpPr>
+            <p:cNvPr id="36" name="Freeform 33">
+              <a:extLst>
+                <a:ext uri="{FF2B5EF4-FFF2-40B4-BE49-F238E27FC236}">
+                  <a16:creationId xmlns:a16="http://schemas.microsoft.com/office/drawing/2014/main" id="{5AA460AF-7760-4F15-881A-6F0BFDBCDF44}"/>
+                </a:ext>
+                <a:ext uri="{C183D7F6-B498-43B3-948B-1728B52AA6E4}">
+                  <adec:decorative xmlns:adec="http://schemas.microsoft.com/office/drawing/2017/decorative" val="1"/>
+                </a:ext>
+              </a:extLst>
+            </p:cNvPr>
+            <p:cNvSpPr/>
+            <p:nvPr>
+              <p:extLst>
+                <p:ext uri="{386F3935-93C4-4BCD-93E2-E3B085C9AB24}">
+                  <p16:designElem xmlns:p16="http://schemas.microsoft.com/office/powerpoint/2015/main" val="1"/>
+                </p:ext>
+              </p:extLst>
+            </p:nvPr>
+          </p:nvSpPr>
+          <p:spPr bwMode="auto">
+            <a:xfrm>
+              <a:off x="7021513" y="3598863"/>
+              <a:ext cx="68263" cy="423863"/>
+            </a:xfrm>
+            <a:custGeom>
+              <a:avLst/>
+              <a:gdLst/>
+              <a:ahLst/>
+              <a:cxnLst/>
+              <a:rect l="0" t="0" r="r" b="b"/>
+              <a:pathLst>
+                <a:path w="17" h="107">
+                  <a:moveTo>
+                    <a:pt x="4" y="54"/>
+                  </a:moveTo>
+                  <a:cubicBezTo>
+                    <a:pt x="8" y="72"/>
+                    <a:pt x="13" y="89"/>
+                    <a:pt x="17" y="107"/>
+                  </a:cubicBezTo>
+                  <a:cubicBezTo>
+                    <a:pt x="14" y="86"/>
+                    <a:pt x="12" y="65"/>
+                    <a:pt x="10" y="44"/>
+                  </a:cubicBezTo>
+                  <a:cubicBezTo>
+                    <a:pt x="10" y="44"/>
+                    <a:pt x="9" y="43"/>
+                    <a:pt x="9" y="43"/>
+                  </a:cubicBezTo>
+                  <a:cubicBezTo>
+                    <a:pt x="6" y="29"/>
+                    <a:pt x="3" y="14"/>
+                    <a:pt x="0" y="0"/>
+                  </a:cubicBezTo>
+                  <a:cubicBezTo>
+                    <a:pt x="0" y="2"/>
+                    <a:pt x="0" y="5"/>
+                    <a:pt x="0" y="8"/>
+                  </a:cubicBezTo>
+                  <a:cubicBezTo>
+                    <a:pt x="1" y="23"/>
+                    <a:pt x="3" y="39"/>
+                    <a:pt x="4" y="54"/>
+                  </a:cubicBezTo>
+                  <a:close/>
+                </a:path>
+              </a:pathLst>
+            </a:custGeom>
+            <a:solidFill>
+              <a:schemeClr val="tx2"/>
+            </a:solidFill>
+            <a:ln>
+              <a:noFill/>
+            </a:ln>
+          </p:spPr>
+        </p:sp>
+        <p:sp>
+          <p:nvSpPr>
+            <p:cNvPr id="37" name="Freeform 34">
+              <a:extLst>
+                <a:ext uri="{FF2B5EF4-FFF2-40B4-BE49-F238E27FC236}">
+                  <a16:creationId xmlns:a16="http://schemas.microsoft.com/office/drawing/2014/main" id="{EE53C70E-5D92-4C42-A34F-9F7D16006BB7}"/>
+                </a:ext>
+                <a:ext uri="{C183D7F6-B498-43B3-948B-1728B52AA6E4}">
+                  <adec:decorative xmlns:adec="http://schemas.microsoft.com/office/drawing/2017/decorative" val="1"/>
+                </a:ext>
+              </a:extLst>
+            </p:cNvPr>
+            <p:cNvSpPr/>
+            <p:nvPr>
+              <p:extLst>
+                <p:ext uri="{386F3935-93C4-4BCD-93E2-E3B085C9AB24}">
+                  <p16:designElem xmlns:p16="http://schemas.microsoft.com/office/powerpoint/2015/main" val="1"/>
+                </p:ext>
+              </p:extLst>
+            </p:nvPr>
+          </p:nvSpPr>
+          <p:spPr bwMode="auto">
+            <a:xfrm>
+              <a:off x="7412038" y="2801938"/>
+              <a:ext cx="1168400" cy="2251075"/>
+            </a:xfrm>
+            <a:custGeom>
+              <a:avLst/>
+              <a:gdLst/>
+              <a:ahLst/>
+              <a:cxnLst/>
+              <a:rect l="0" t="0" r="r" b="b"/>
+              <a:pathLst>
+                <a:path w="294" h="568">
+                  <a:moveTo>
+                    <a:pt x="8" y="553"/>
+                  </a:moveTo>
+                  <a:cubicBezTo>
+                    <a:pt x="9" y="501"/>
+                    <a:pt x="19" y="448"/>
+                    <a:pt x="35" y="397"/>
+                  </a:cubicBezTo>
+                  <a:cubicBezTo>
+                    <a:pt x="51" y="347"/>
+                    <a:pt x="73" y="298"/>
+                    <a:pt x="99" y="252"/>
+                  </a:cubicBezTo>
+                  <a:cubicBezTo>
+                    <a:pt x="124" y="205"/>
+                    <a:pt x="154" y="161"/>
+                    <a:pt x="187" y="119"/>
+                  </a:cubicBezTo>
+                  <a:cubicBezTo>
+                    <a:pt x="203" y="98"/>
+                    <a:pt x="220" y="77"/>
+                    <a:pt x="238" y="58"/>
+                  </a:cubicBezTo>
+                  <a:cubicBezTo>
+                    <a:pt x="247" y="48"/>
+                    <a:pt x="256" y="38"/>
+                    <a:pt x="265" y="28"/>
+                  </a:cubicBezTo>
+                  <a:cubicBezTo>
+                    <a:pt x="274" y="19"/>
+                    <a:pt x="284" y="9"/>
+                    <a:pt x="294" y="0"/>
+                  </a:cubicBezTo>
+                  <a:cubicBezTo>
+                    <a:pt x="293" y="0"/>
+                    <a:pt x="293" y="0"/>
+                    <a:pt x="293" y="0"/>
+                  </a:cubicBezTo>
+                  <a:cubicBezTo>
+                    <a:pt x="283" y="9"/>
+                    <a:pt x="273" y="18"/>
+                    <a:pt x="264" y="27"/>
+                  </a:cubicBezTo>
+                  <a:cubicBezTo>
+                    <a:pt x="255" y="37"/>
+                    <a:pt x="246" y="47"/>
+                    <a:pt x="237" y="56"/>
+                  </a:cubicBezTo>
+                  <a:cubicBezTo>
+                    <a:pt x="218" y="76"/>
+                    <a:pt x="201" y="96"/>
+                    <a:pt x="185" y="117"/>
+                  </a:cubicBezTo>
+                  <a:cubicBezTo>
+                    <a:pt x="151" y="159"/>
+                    <a:pt x="121" y="203"/>
+                    <a:pt x="95" y="249"/>
+                  </a:cubicBezTo>
+                  <a:cubicBezTo>
+                    <a:pt x="68" y="296"/>
+                    <a:pt x="46" y="345"/>
+                    <a:pt x="30" y="396"/>
+                  </a:cubicBezTo>
+                  <a:cubicBezTo>
+                    <a:pt x="13" y="445"/>
+                    <a:pt x="3" y="497"/>
+                    <a:pt x="0" y="549"/>
+                  </a:cubicBezTo>
+                  <a:cubicBezTo>
+                    <a:pt x="3" y="555"/>
+                    <a:pt x="5" y="561"/>
+                    <a:pt x="7" y="568"/>
+                  </a:cubicBezTo>
+                  <a:cubicBezTo>
+                    <a:pt x="7" y="563"/>
+                    <a:pt x="7" y="558"/>
+                    <a:pt x="8" y="553"/>
+                  </a:cubicBezTo>
+                  <a:close/>
+                </a:path>
+              </a:pathLst>
+            </a:custGeom>
+            <a:solidFill>
+              <a:schemeClr val="tx2"/>
+            </a:solidFill>
+            <a:ln>
+              <a:noFill/>
+            </a:ln>
+          </p:spPr>
+        </p:sp>
+        <p:sp>
+          <p:nvSpPr>
+            <p:cNvPr id="38" name="Freeform 35">
+              <a:extLst>
+                <a:ext uri="{FF2B5EF4-FFF2-40B4-BE49-F238E27FC236}">
+                  <a16:creationId xmlns:a16="http://schemas.microsoft.com/office/drawing/2014/main" id="{C27614EE-0086-4D34-99BD-52F03708DC49}"/>
+                </a:ext>
+                <a:ext uri="{C183D7F6-B498-43B3-948B-1728B52AA6E4}">
+                  <adec:decorative xmlns:adec="http://schemas.microsoft.com/office/drawing/2017/decorative" val="1"/>
+                </a:ext>
+              </a:extLst>
+            </p:cNvPr>
+            <p:cNvSpPr/>
+            <p:nvPr>
+              <p:extLst>
+                <p:ext uri="{386F3935-93C4-4BCD-93E2-E3B085C9AB24}">
+                  <p16:designElem xmlns:p16="http://schemas.microsoft.com/office/powerpoint/2015/main" val="1"/>
+                </p:ext>
+              </p:extLst>
+            </p:nvPr>
+          </p:nvSpPr>
+          <p:spPr bwMode="auto">
+            <a:xfrm>
+              <a:off x="7494588" y="5664200"/>
+              <a:ext cx="100013" cy="209550"/>
+            </a:xfrm>
+            <a:custGeom>
+              <a:avLst/>
+              <a:gdLst/>
+              <a:ahLst/>
+              <a:cxnLst/>
+              <a:rect l="0" t="0" r="r" b="b"/>
+              <a:pathLst>
+                <a:path w="25" h="53">
+                  <a:moveTo>
+                    <a:pt x="0" y="0"/>
+                  </a:moveTo>
+                  <a:cubicBezTo>
+                    <a:pt x="5" y="18"/>
+                    <a:pt x="12" y="36"/>
+                    <a:pt x="19" y="53"/>
+                  </a:cubicBezTo>
+                  <a:cubicBezTo>
+                    <a:pt x="25" y="53"/>
+                    <a:pt x="25" y="53"/>
+                    <a:pt x="25" y="53"/>
+                  </a:cubicBezTo>
+                  <a:cubicBezTo>
+                    <a:pt x="16" y="36"/>
+                    <a:pt x="8" y="18"/>
+                    <a:pt x="0" y="0"/>
+                  </a:cubicBezTo>
+                  <a:close/>
+                </a:path>
+              </a:pathLst>
+            </a:custGeom>
+            <a:solidFill>
+              <a:schemeClr val="tx2"/>
+            </a:solidFill>
+            <a:ln>
+              <a:noFill/>
+            </a:ln>
+          </p:spPr>
+        </p:sp>
+        <p:sp>
+          <p:nvSpPr>
+            <p:cNvPr id="39" name="Freeform 36">
+              <a:extLst>
+                <a:ext uri="{FF2B5EF4-FFF2-40B4-BE49-F238E27FC236}">
+                  <a16:creationId xmlns:a16="http://schemas.microsoft.com/office/drawing/2014/main" id="{326919B9-3ED4-4744-A713-326B3BAF6284}"/>
+                </a:ext>
+                <a:ext uri="{C183D7F6-B498-43B3-948B-1728B52AA6E4}">
+                  <adec:decorative xmlns:adec="http://schemas.microsoft.com/office/drawing/2017/decorative" val="1"/>
+                </a:ext>
+              </a:extLst>
+            </p:cNvPr>
+            <p:cNvSpPr/>
+            <p:nvPr>
+              <p:extLst>
+                <p:ext uri="{386F3935-93C4-4BCD-93E2-E3B085C9AB24}">
+                  <p16:designElem xmlns:p16="http://schemas.microsoft.com/office/powerpoint/2015/main" val="1"/>
+                </p:ext>
+              </p:extLst>
+            </p:nvPr>
+          </p:nvSpPr>
+          <p:spPr bwMode="auto">
+            <a:xfrm>
+              <a:off x="7412038" y="5081588"/>
+              <a:ext cx="114300" cy="558800"/>
+            </a:xfrm>
+            <a:custGeom>
+              <a:avLst/>
+              <a:gdLst/>
+              <a:ahLst/>
+              <a:cxnLst/>
+              <a:rect l="0" t="0" r="r" b="b"/>
+              <a:pathLst>
+                <a:path w="29" h="141">
+                  <a:moveTo>
+                    <a:pt x="0" y="0"/>
+                  </a:moveTo>
+                  <a:cubicBezTo>
+                    <a:pt x="0" y="30"/>
+                    <a:pt x="2" y="60"/>
+                    <a:pt x="7" y="89"/>
+                  </a:cubicBezTo>
+                  <a:cubicBezTo>
+                    <a:pt x="11" y="98"/>
+                    <a:pt x="14" y="108"/>
+                    <a:pt x="18" y="117"/>
+                  </a:cubicBezTo>
+                  <a:cubicBezTo>
+                    <a:pt x="22" y="125"/>
+                    <a:pt x="25" y="133"/>
+                    <a:pt x="29" y="141"/>
+                  </a:cubicBezTo>
+                  <a:cubicBezTo>
+                    <a:pt x="28" y="139"/>
+                    <a:pt x="28" y="137"/>
+                    <a:pt x="27" y="135"/>
+                  </a:cubicBezTo>
+                  <a:cubicBezTo>
+                    <a:pt x="16" y="98"/>
+                    <a:pt x="10" y="60"/>
+                    <a:pt x="8" y="22"/>
+                  </a:cubicBezTo>
+                  <a:cubicBezTo>
+                    <a:pt x="7" y="18"/>
+                    <a:pt x="5" y="15"/>
+                    <a:pt x="4" y="11"/>
+                  </a:cubicBezTo>
+                  <a:cubicBezTo>
+                    <a:pt x="2" y="7"/>
+                    <a:pt x="1" y="3"/>
+                    <a:pt x="0" y="0"/>
+                  </a:cubicBezTo>
+                  <a:close/>
+                </a:path>
+              </a:pathLst>
+            </a:custGeom>
+            <a:solidFill>
+              <a:schemeClr val="tx2"/>
+            </a:solidFill>
+            <a:ln>
+              <a:noFill/>
+            </a:ln>
+          </p:spPr>
+        </p:sp>
+        <p:sp>
+          <p:nvSpPr>
+            <p:cNvPr id="40" name="Freeform 37">
+              <a:extLst>
+                <a:ext uri="{FF2B5EF4-FFF2-40B4-BE49-F238E27FC236}">
+                  <a16:creationId xmlns:a16="http://schemas.microsoft.com/office/drawing/2014/main" id="{898BDBF5-8AA3-49CD-999A-ABA1F7AE34A1}"/>
+                </a:ext>
+                <a:ext uri="{C183D7F6-B498-43B3-948B-1728B52AA6E4}">
+                  <adec:decorative xmlns:adec="http://schemas.microsoft.com/office/drawing/2017/decorative" val="1"/>
+                </a:ext>
+              </a:extLst>
+            </p:cNvPr>
+            <p:cNvSpPr/>
+            <p:nvPr>
+              <p:extLst>
+                <p:ext uri="{386F3935-93C4-4BCD-93E2-E3B085C9AB24}">
+                  <p16:designElem xmlns:p16="http://schemas.microsoft.com/office/powerpoint/2015/main" val="1"/>
+                </p:ext>
+              </p:extLst>
+            </p:nvPr>
+          </p:nvSpPr>
+          <p:spPr bwMode="auto">
+            <a:xfrm>
+              <a:off x="7412038" y="4978400"/>
+              <a:ext cx="31750" cy="188913"/>
+            </a:xfrm>
+            <a:custGeom>
+              <a:avLst/>
+              <a:gdLst/>
+              <a:ahLst/>
+              <a:cxnLst/>
+              <a:rect l="0" t="0" r="r" b="b"/>
+              <a:pathLst>
+                <a:path w="8" h="48">
+                  <a:moveTo>
+                    <a:pt x="0" y="26"/>
+                  </a:moveTo>
+                  <a:cubicBezTo>
+                    <a:pt x="1" y="29"/>
+                    <a:pt x="2" y="33"/>
+                    <a:pt x="4" y="37"/>
+                  </a:cubicBezTo>
+                  <a:cubicBezTo>
+                    <a:pt x="5" y="41"/>
+                    <a:pt x="7" y="44"/>
+                    <a:pt x="8" y="48"/>
+                  </a:cubicBezTo>
+                  <a:cubicBezTo>
+                    <a:pt x="7" y="38"/>
+                    <a:pt x="7" y="28"/>
+                    <a:pt x="7" y="19"/>
+                  </a:cubicBezTo>
+                  <a:cubicBezTo>
+                    <a:pt x="5" y="12"/>
+                    <a:pt x="3" y="6"/>
+                    <a:pt x="0" y="0"/>
+                  </a:cubicBezTo>
+                  <a:cubicBezTo>
+                    <a:pt x="0" y="1"/>
+                    <a:pt x="0" y="3"/>
+                    <a:pt x="0" y="4"/>
+                  </a:cubicBezTo>
+                  <a:cubicBezTo>
+                    <a:pt x="0" y="11"/>
+                    <a:pt x="0" y="19"/>
+                    <a:pt x="0" y="26"/>
+                  </a:cubicBezTo>
+                  <a:close/>
+                </a:path>
+              </a:pathLst>
+            </a:custGeom>
+            <a:solidFill>
+              <a:schemeClr val="tx2"/>
+            </a:solidFill>
+            <a:ln>
+              <a:noFill/>
+            </a:ln>
+          </p:spPr>
+        </p:sp>
+        <p:sp>
+          <p:nvSpPr>
+            <p:cNvPr id="41" name="Freeform 38">
+              <a:extLst>
+                <a:ext uri="{FF2B5EF4-FFF2-40B4-BE49-F238E27FC236}">
+                  <a16:creationId xmlns:a16="http://schemas.microsoft.com/office/drawing/2014/main" id="{AF8ED3E0-CBE7-48C4-8F9E-FF98079CDBDD}"/>
+                </a:ext>
+                <a:ext uri="{C183D7F6-B498-43B3-948B-1728B52AA6E4}">
+                  <adec:decorative xmlns:adec="http://schemas.microsoft.com/office/drawing/2017/decorative" val="1"/>
+                </a:ext>
+              </a:extLst>
+            </p:cNvPr>
+            <p:cNvSpPr/>
+            <p:nvPr>
+              <p:extLst>
+                <p:ext uri="{386F3935-93C4-4BCD-93E2-E3B085C9AB24}">
+                  <p16:designElem xmlns:p16="http://schemas.microsoft.com/office/powerpoint/2015/main" val="1"/>
+                </p:ext>
+              </p:extLst>
+            </p:nvPr>
+          </p:nvSpPr>
+          <p:spPr bwMode="auto">
+            <a:xfrm>
+              <a:off x="7439026" y="5434013"/>
+              <a:ext cx="174625" cy="439738"/>
+            </a:xfrm>
+            <a:custGeom>
+              <a:avLst/>
+              <a:gdLst/>
+              <a:ahLst/>
+              <a:cxnLst/>
+              <a:rect l="0" t="0" r="r" b="b"/>
+              <a:pathLst>
+                <a:path w="44" h="111">
+                  <a:moveTo>
+                    <a:pt x="11" y="28"/>
+                  </a:moveTo>
+                  <a:cubicBezTo>
+                    <a:pt x="7" y="19"/>
+                    <a:pt x="4" y="9"/>
+                    <a:pt x="0" y="0"/>
+                  </a:cubicBezTo>
+                  <a:cubicBezTo>
+                    <a:pt x="3" y="16"/>
+                    <a:pt x="7" y="33"/>
+                    <a:pt x="11" y="49"/>
+                  </a:cubicBezTo>
+                  <a:cubicBezTo>
+                    <a:pt x="12" y="52"/>
+                    <a:pt x="13" y="55"/>
+                    <a:pt x="14" y="58"/>
+                  </a:cubicBezTo>
+                  <a:cubicBezTo>
+                    <a:pt x="22" y="76"/>
+                    <a:pt x="30" y="94"/>
+                    <a:pt x="39" y="111"/>
+                  </a:cubicBezTo>
+                  <a:cubicBezTo>
+                    <a:pt x="44" y="111"/>
+                    <a:pt x="44" y="111"/>
+                    <a:pt x="44" y="111"/>
+                  </a:cubicBezTo>
+                  <a:cubicBezTo>
+                    <a:pt x="35" y="92"/>
+                    <a:pt x="28" y="72"/>
+                    <a:pt x="22" y="52"/>
+                  </a:cubicBezTo>
+                  <a:cubicBezTo>
+                    <a:pt x="18" y="44"/>
+                    <a:pt x="15" y="36"/>
+                    <a:pt x="11" y="28"/>
+                  </a:cubicBezTo>
+                  <a:close/>
+                </a:path>
+              </a:pathLst>
+            </a:custGeom>
+            <a:solidFill>
+              <a:schemeClr val="tx2"/>
+            </a:solidFill>
+            <a:ln>
+              <a:noFill/>
+            </a:ln>
+          </p:spPr>
+        </p:sp>
+      </p:grpSp>
+      <p:sp>
+        <p:nvSpPr>
+          <p:cNvPr id="43" name="Rectangle 42">
+            <a:extLst>
+              <a:ext uri="{FF2B5EF4-FFF2-40B4-BE49-F238E27FC236}">
+                <a16:creationId xmlns:a16="http://schemas.microsoft.com/office/drawing/2014/main" id="{A84F153B-2093-4171-BD2D-1631695C9B80}"/>
+              </a:ext>
+              <a:ext uri="{C183D7F6-B498-43B3-948B-1728B52AA6E4}">
+                <adec:decorative xmlns:adec="http://schemas.microsoft.com/office/drawing/2017/decorative" val="1"/>
+              </a:ext>
+            </a:extLst>
+          </p:cNvPr>
+          <p:cNvSpPr>
+            <a:spLocks noGrp="1" noRot="1" noChangeAspect="1" noMove="1" noResize="1" noEditPoints="1" noAdjustHandles="1" noChangeArrowheads="1" noChangeShapeType="1" noTextEdit="1"/>
+          </p:cNvSpPr>
+          <p:nvPr>
+            <p:extLst>
+              <p:ext uri="{386F3935-93C4-4BCD-93E2-E3B085C9AB24}">
+                <p16:designElem xmlns:p16="http://schemas.microsoft.com/office/powerpoint/2015/main" val="1"/>
+              </p:ext>
+            </p:extLst>
+          </p:nvPr>
+        </p:nvSpPr>
+        <p:spPr>
+          <a:xfrm>
+            <a:off x="0" y="0"/>
+            <a:ext cx="182880" cy="6858000"/>
+          </a:xfrm>
+          <a:prstGeom prst="rect">
+            <a:avLst/>
+          </a:prstGeom>
+          <a:solidFill>
+            <a:schemeClr val="tx2"/>
+          </a:solidFill>
+          <a:ln>
+            <a:noFill/>
+          </a:ln>
+          <a:effectLst/>
+        </p:spPr>
+        <p:style>
+          <a:lnRef idx="1">
+            <a:schemeClr val="accent1"/>
+          </a:lnRef>
+          <a:fillRef idx="3">
+            <a:schemeClr val="accent1"/>
+          </a:fillRef>
+          <a:effectRef idx="2">
+            <a:schemeClr val="accent1"/>
+          </a:effectRef>
+          <a:fontRef idx="minor">
+            <a:schemeClr val="lt1"/>
+          </a:fontRef>
+        </p:style>
+      </p:sp>
+      <p:sp>
+        <p:nvSpPr>
+          <p:cNvPr id="45" name="Freeform 11">
+            <a:extLst>
+              <a:ext uri="{FF2B5EF4-FFF2-40B4-BE49-F238E27FC236}">
+                <a16:creationId xmlns:a16="http://schemas.microsoft.com/office/drawing/2014/main" id="{99499096-7355-478E-8CCB-A47EA1B7970A}"/>
+              </a:ext>
+              <a:ext uri="{C183D7F6-B498-43B3-948B-1728B52AA6E4}">
+                <adec:decorative xmlns:adec="http://schemas.microsoft.com/office/drawing/2017/decorative" val="1"/>
+              </a:ext>
+            </a:extLst>
+          </p:cNvPr>
+          <p:cNvSpPr>
+            <a:spLocks noGrp="1" noRot="1" noChangeAspect="1" noMove="1" noResize="1" noEditPoints="1" noAdjustHandles="1" noChangeArrowheads="1" noChangeShapeType="1" noTextEdit="1"/>
+          </p:cNvSpPr>
+          <p:nvPr>
+            <p:extLst>
+              <p:ext uri="{386F3935-93C4-4BCD-93E2-E3B085C9AB24}">
+                <p16:designElem xmlns:p16="http://schemas.microsoft.com/office/powerpoint/2015/main" val="1"/>
+              </p:ext>
+            </p:extLst>
+          </p:nvPr>
+        </p:nvSpPr>
+        <p:spPr bwMode="auto">
+          <a:xfrm flipV="1">
+            <a:off x="-4189" y="714375"/>
+            <a:ext cx="1588527" cy="507297"/>
+          </a:xfrm>
+          <a:custGeom>
+            <a:avLst/>
+            <a:gdLst/>
+            <a:ahLst/>
+            <a:cxnLst/>
+            <a:rect l="l" t="t" r="r" b="b"/>
+            <a:pathLst>
+              <a:path w="9248" h="10000">
+                <a:moveTo>
+                  <a:pt x="9248" y="4701"/>
+                </a:moveTo>
+                <a:lnTo>
+                  <a:pt x="7915" y="188"/>
+                </a:lnTo>
+                <a:cubicBezTo>
+                  <a:pt x="7906" y="156"/>
+                  <a:pt x="7895" y="126"/>
+                  <a:pt x="7886" y="94"/>
+                </a:cubicBezTo>
+                <a:cubicBezTo>
+                  <a:pt x="7859" y="0"/>
+                  <a:pt x="7831" y="0"/>
+                  <a:pt x="7803" y="0"/>
+                </a:cubicBezTo>
+                <a:lnTo>
+                  <a:pt x="7275" y="0"/>
+                </a:lnTo>
+                <a:lnTo>
+                  <a:pt x="0" y="70"/>
+                </a:lnTo>
+                <a:cubicBezTo>
+                  <a:pt x="8" y="3380"/>
+                  <a:pt x="17" y="6690"/>
+                  <a:pt x="25" y="10000"/>
+                </a:cubicBezTo>
+                <a:lnTo>
+                  <a:pt x="7275" y="9966"/>
+                </a:lnTo>
+                <a:lnTo>
+                  <a:pt x="7803" y="9966"/>
+                </a:lnTo>
+                <a:cubicBezTo>
+                  <a:pt x="7831" y="9966"/>
+                  <a:pt x="7859" y="9872"/>
+                  <a:pt x="7886" y="9872"/>
+                </a:cubicBezTo>
+                <a:cubicBezTo>
+                  <a:pt x="7886" y="9778"/>
+                  <a:pt x="7915" y="9778"/>
+                  <a:pt x="7915" y="9778"/>
+                </a:cubicBezTo>
+                <a:lnTo>
+                  <a:pt x="9248" y="5265"/>
+                </a:lnTo>
+                <a:cubicBezTo>
+                  <a:pt x="9303" y="5077"/>
+                  <a:pt x="9303" y="4889"/>
+                  <a:pt x="9248" y="4701"/>
+                </a:cubicBezTo>
+                <a:close/>
+              </a:path>
+            </a:pathLst>
+          </a:custGeom>
+          <a:solidFill>
+            <a:schemeClr val="accent1"/>
+          </a:solidFill>
+          <a:ln>
+            <a:noFill/>
+          </a:ln>
+        </p:spPr>
+      </p:sp>
+      <p:sp useBgFill="1">
+        <p:nvSpPr>
+          <p:cNvPr id="47" name="Rectangle 46">
+            <a:extLst>
+              <a:ext uri="{FF2B5EF4-FFF2-40B4-BE49-F238E27FC236}">
+                <a16:creationId xmlns:a16="http://schemas.microsoft.com/office/drawing/2014/main" id="{B5898079-081F-4617-AC6B-4290266737B3}"/>
+              </a:ext>
+              <a:ext uri="{C183D7F6-B498-43B3-948B-1728B52AA6E4}">
+                <adec:decorative xmlns:adec="http://schemas.microsoft.com/office/drawing/2017/decorative" val="1"/>
+              </a:ext>
+            </a:extLst>
+          </p:cNvPr>
+          <p:cNvSpPr>
+            <a:spLocks noGrp="1" noRot="1" noChangeAspect="1" noMove="1" noResize="1" noEditPoints="1" noAdjustHandles="1" noChangeArrowheads="1" noChangeShapeType="1" noTextEdit="1"/>
+          </p:cNvSpPr>
+          <p:nvPr>
+            <p:extLst>
+              <p:ext uri="{386F3935-93C4-4BCD-93E2-E3B085C9AB24}">
+                <p16:designElem xmlns:p16="http://schemas.microsoft.com/office/powerpoint/2015/main" val="1"/>
+              </p:ext>
+            </p:extLst>
+          </p:nvPr>
+        </p:nvSpPr>
+        <p:spPr>
+          <a:xfrm>
+            <a:off x="0" y="-786"/>
+            <a:ext cx="12192000" cy="6854038"/>
+          </a:xfrm>
+          <a:prstGeom prst="rect">
+            <a:avLst/>
+          </a:prstGeom>
+          <a:ln>
+            <a:noFill/>
+          </a:ln>
+        </p:spPr>
+        <p:style>
+          <a:lnRef idx="2">
+            <a:schemeClr val="accent1">
+              <a:shade val="50000"/>
+            </a:schemeClr>
+          </a:lnRef>
+          <a:fillRef idx="1">
+            <a:schemeClr val="accent1"/>
+          </a:fillRef>
+          <a:effectRef idx="0">
+            <a:schemeClr val="accent1"/>
+          </a:effectRef>
+          <a:fontRef idx="minor">
+            <a:schemeClr val="lt1"/>
+          </a:fontRef>
+        </p:style>
+        <p:txBody>
+          <a:bodyPr rtlCol="0" anchor="ctr"/>
+          <a:lstStyle/>
+          <a:p>
+            <a:pPr algn="ctr"/>
+            <a:endParaRPr lang="en-US"/>
+          </a:p>
+        </p:txBody>
+      </p:sp>
+      <p:sp>
+        <p:nvSpPr>
+          <p:cNvPr id="2" name="Title 1">
+            <a:extLst>
+              <a:ext uri="{FF2B5EF4-FFF2-40B4-BE49-F238E27FC236}">
+                <a16:creationId xmlns:a16="http://schemas.microsoft.com/office/drawing/2014/main" id="{83CBDDD0-57C4-1945-AF2D-E9DAD338E282}"/>
+              </a:ext>
+            </a:extLst>
+          </p:cNvPr>
+          <p:cNvSpPr>
+            <a:spLocks noGrp="1"/>
+          </p:cNvSpPr>
+          <p:nvPr>
+            <p:ph type="title"/>
+          </p:nvPr>
+        </p:nvSpPr>
+        <p:spPr>
+          <a:xfrm>
+            <a:off x="649224" y="645106"/>
+            <a:ext cx="5122652" cy="1259894"/>
+          </a:xfrm>
+        </p:spPr>
+        <p:txBody>
+          <a:bodyPr vert="horz" lIns="91440" tIns="45720" rIns="91440" bIns="45720" rtlCol="0" anchor="t">
+            <a:normAutofit/>
+          </a:bodyPr>
+          <a:lstStyle/>
+          <a:p>
+            <a:r>
+              <a:rPr lang="en-US" dirty="0"/>
+              <a:t>What does a JWT look like?</a:t>
+            </a:r>
+          </a:p>
+        </p:txBody>
+      </p:sp>
+      <p:sp>
+        <p:nvSpPr>
+          <p:cNvPr id="49" name="Rectangle 48">
+            <a:extLst>
+              <a:ext uri="{FF2B5EF4-FFF2-40B4-BE49-F238E27FC236}">
+                <a16:creationId xmlns:a16="http://schemas.microsoft.com/office/drawing/2014/main" id="{BB829EC8-5B3D-469E-942E-5E6E569E5C9B}"/>
+              </a:ext>
+              <a:ext uri="{C183D7F6-B498-43B3-948B-1728B52AA6E4}">
+                <adec:decorative xmlns:adec="http://schemas.microsoft.com/office/drawing/2017/decorative" val="1"/>
+              </a:ext>
+            </a:extLst>
+          </p:cNvPr>
+          <p:cNvSpPr>
+            <a:spLocks noGrp="1" noRot="1" noChangeAspect="1" noMove="1" noResize="1" noEditPoints="1" noAdjustHandles="1" noChangeArrowheads="1" noChangeShapeType="1" noTextEdit="1"/>
+          </p:cNvSpPr>
+          <p:nvPr>
+            <p:extLst>
+              <p:ext uri="{386F3935-93C4-4BCD-93E2-E3B085C9AB24}">
+                <p16:designElem xmlns:p16="http://schemas.microsoft.com/office/powerpoint/2015/main" val="1"/>
+              </p:ext>
+            </p:extLst>
+          </p:nvPr>
+        </p:nvSpPr>
+        <p:spPr>
+          <a:xfrm>
+            <a:off x="0" y="0"/>
+            <a:ext cx="182880" cy="6858000"/>
+          </a:xfrm>
+          <a:prstGeom prst="rect">
+            <a:avLst/>
+          </a:prstGeom>
+          <a:solidFill>
+            <a:schemeClr val="tx2"/>
+          </a:solidFill>
+          <a:ln>
+            <a:noFill/>
+          </a:ln>
+          <a:effectLst/>
+        </p:spPr>
+        <p:style>
+          <a:lnRef idx="1">
+            <a:schemeClr val="accent1"/>
+          </a:lnRef>
+          <a:fillRef idx="3">
+            <a:schemeClr val="accent1"/>
+          </a:fillRef>
+          <a:effectRef idx="2">
+            <a:schemeClr val="accent1"/>
+          </a:effectRef>
+          <a:fontRef idx="minor">
+            <a:schemeClr val="lt1"/>
+          </a:fontRef>
+        </p:style>
+      </p:sp>
+      <p:sp>
+        <p:nvSpPr>
+          <p:cNvPr id="12" name="Content Placeholder 11">
+            <a:extLst>
+              <a:ext uri="{FF2B5EF4-FFF2-40B4-BE49-F238E27FC236}">
+                <a16:creationId xmlns:a16="http://schemas.microsoft.com/office/drawing/2014/main" id="{44F0C97E-33A8-4522-9D4D-862F762107E7}"/>
+              </a:ext>
+            </a:extLst>
+          </p:cNvPr>
+          <p:cNvSpPr>
+            <a:spLocks noGrp="1"/>
+          </p:cNvSpPr>
+          <p:nvPr>
+            <p:ph sz="half" idx="2"/>
+          </p:nvPr>
+        </p:nvSpPr>
+        <p:spPr>
+          <a:xfrm>
+            <a:off x="649225" y="2133601"/>
+            <a:ext cx="5122652" cy="1192304"/>
+          </a:xfrm>
+        </p:spPr>
+        <p:txBody>
+          <a:bodyPr vert="horz" lIns="91440" tIns="45720" rIns="91440" bIns="45720" rtlCol="0">
+            <a:normAutofit/>
+          </a:bodyPr>
+          <a:lstStyle/>
+          <a:p>
+            <a:r>
+              <a:rPr lang="en-US" dirty="0">
+                <a:solidFill>
+                  <a:srgbClr val="D32CFF"/>
+                </a:solidFill>
+              </a:rPr>
+              <a:t>Payload</a:t>
+            </a:r>
+            <a:r>
+              <a:rPr lang="en-US" dirty="0"/>
+              <a:t> (the data)</a:t>
+            </a:r>
+          </a:p>
+          <a:p>
+            <a:r>
+              <a:rPr lang="en-US" dirty="0"/>
+              <a:t>Base64Url encoded</a:t>
+            </a:r>
+          </a:p>
+          <a:p>
+            <a:r>
+              <a:rPr lang="en-US" dirty="0"/>
+              <a:t>”claims”</a:t>
             </a:r>
           </a:p>
         </p:txBody>
@@ -11956,7 +15447,7 @@
           <p:cNvPr id="42" name="TextBox 41">
             <a:extLst>
               <a:ext uri="{FF2B5EF4-FFF2-40B4-BE49-F238E27FC236}">
-                <a16:creationId xmlns:a16="http://schemas.microsoft.com/office/drawing/2014/main" id="{A1073472-112C-3E4D-8C56-EBA8B48B5C62}"/>
+                <a16:creationId xmlns:a16="http://schemas.microsoft.com/office/drawing/2014/main" id="{F4E6BA53-8A34-9049-B7B1-2EB45C0AE3BF}"/>
               </a:ext>
             </a:extLst>
           </p:cNvPr>
@@ -11993,10 +15484,606 @@
       </p:sp>
       <p:sp>
         <p:nvSpPr>
-          <p:cNvPr id="44" name="Right Arrow 43">
+          <p:cNvPr id="44" name="Content Placeholder 11">
             <a:extLst>
               <a:ext uri="{FF2B5EF4-FFF2-40B4-BE49-F238E27FC236}">
-                <a16:creationId xmlns:a16="http://schemas.microsoft.com/office/drawing/2014/main" id="{99E81316-ACFC-614A-9076-0EB3063D7F76}"/>
+                <a16:creationId xmlns:a16="http://schemas.microsoft.com/office/drawing/2014/main" id="{13599F0B-8E5E-E246-A277-CE4DCAC9C98E}"/>
+              </a:ext>
+            </a:extLst>
+          </p:cNvPr>
+          <p:cNvSpPr txBox="1">
+            <a:spLocks/>
+          </p:cNvSpPr>
+          <p:nvPr/>
+        </p:nvSpPr>
+        <p:spPr>
+          <a:xfrm>
+            <a:off x="661419" y="3256453"/>
+            <a:ext cx="5485029" cy="1192304"/>
+          </a:xfrm>
+          <a:prstGeom prst="rect">
+            <a:avLst/>
+          </a:prstGeom>
+        </p:spPr>
+        <p:txBody>
+          <a:bodyPr vert="horz" lIns="91440" tIns="45720" rIns="91440" bIns="45720" numCol="2" rtlCol="0">
+            <a:noAutofit/>
+          </a:bodyPr>
+          <a:lstStyle>
+            <a:lvl1pPr marL="342900" indent="-342900" algn="l" defTabSz="457200" rtl="0" eaLnBrk="1" latinLnBrk="0" hangingPunct="1">
+              <a:spcBef>
+                <a:spcPts val="1000"/>
+              </a:spcBef>
+              <a:spcAft>
+                <a:spcPts val="0"/>
+              </a:spcAft>
+              <a:buClr>
+                <a:schemeClr val="accent1"/>
+              </a:buClr>
+              <a:buFont typeface="Wingdings 3" charset="2"/>
+              <a:buChar char=""/>
+              <a:defRPr sz="1800" kern="1200">
+                <a:solidFill>
+                  <a:schemeClr val="tx1">
+                    <a:lumMod val="75000"/>
+                    <a:lumOff val="25000"/>
+                  </a:schemeClr>
+                </a:solidFill>
+                <a:latin typeface="+mn-lt"/>
+                <a:ea typeface="+mn-ea"/>
+                <a:cs typeface="+mn-cs"/>
+              </a:defRPr>
+            </a:lvl1pPr>
+            <a:lvl2pPr marL="742950" indent="-285750" algn="l" defTabSz="457200" rtl="0" eaLnBrk="1" latinLnBrk="0" hangingPunct="1">
+              <a:spcBef>
+                <a:spcPts val="1000"/>
+              </a:spcBef>
+              <a:spcAft>
+                <a:spcPts val="0"/>
+              </a:spcAft>
+              <a:buClr>
+                <a:schemeClr val="accent1"/>
+              </a:buClr>
+              <a:buFont typeface="Wingdings 3" charset="2"/>
+              <a:buChar char=""/>
+              <a:defRPr sz="1600" kern="1200">
+                <a:solidFill>
+                  <a:schemeClr val="tx1">
+                    <a:lumMod val="75000"/>
+                    <a:lumOff val="25000"/>
+                  </a:schemeClr>
+                </a:solidFill>
+                <a:latin typeface="+mn-lt"/>
+                <a:ea typeface="+mn-ea"/>
+                <a:cs typeface="+mn-cs"/>
+              </a:defRPr>
+            </a:lvl2pPr>
+            <a:lvl3pPr marL="1143000" indent="-228600" algn="l" defTabSz="457200" rtl="0" eaLnBrk="1" latinLnBrk="0" hangingPunct="1">
+              <a:spcBef>
+                <a:spcPts val="1000"/>
+              </a:spcBef>
+              <a:spcAft>
+                <a:spcPts val="0"/>
+              </a:spcAft>
+              <a:buClr>
+                <a:schemeClr val="accent1"/>
+              </a:buClr>
+              <a:buFont typeface="Wingdings 3" charset="2"/>
+              <a:buChar char=""/>
+              <a:defRPr sz="1400" kern="1200">
+                <a:solidFill>
+                  <a:schemeClr val="tx1">
+                    <a:lumMod val="75000"/>
+                    <a:lumOff val="25000"/>
+                  </a:schemeClr>
+                </a:solidFill>
+                <a:latin typeface="+mn-lt"/>
+                <a:ea typeface="+mn-ea"/>
+                <a:cs typeface="+mn-cs"/>
+              </a:defRPr>
+            </a:lvl3pPr>
+            <a:lvl4pPr marL="1600200" indent="-228600" algn="l" defTabSz="457200" rtl="0" eaLnBrk="1" latinLnBrk="0" hangingPunct="1">
+              <a:spcBef>
+                <a:spcPts val="1000"/>
+              </a:spcBef>
+              <a:spcAft>
+                <a:spcPts val="0"/>
+              </a:spcAft>
+              <a:buClr>
+                <a:schemeClr val="accent1"/>
+              </a:buClr>
+              <a:buFont typeface="Wingdings 3" charset="2"/>
+              <a:buChar char=""/>
+              <a:defRPr sz="1200" kern="1200">
+                <a:solidFill>
+                  <a:schemeClr val="tx1">
+                    <a:lumMod val="75000"/>
+                    <a:lumOff val="25000"/>
+                  </a:schemeClr>
+                </a:solidFill>
+                <a:latin typeface="+mn-lt"/>
+                <a:ea typeface="+mn-ea"/>
+                <a:cs typeface="+mn-cs"/>
+              </a:defRPr>
+            </a:lvl4pPr>
+            <a:lvl5pPr marL="2057400" indent="-228600" algn="l" defTabSz="457200" rtl="0" eaLnBrk="1" latinLnBrk="0" hangingPunct="1">
+              <a:spcBef>
+                <a:spcPts val="1000"/>
+              </a:spcBef>
+              <a:spcAft>
+                <a:spcPts val="0"/>
+              </a:spcAft>
+              <a:buClr>
+                <a:schemeClr val="accent1"/>
+              </a:buClr>
+              <a:buFont typeface="Wingdings 3" charset="2"/>
+              <a:buChar char=""/>
+              <a:defRPr sz="1200" kern="1200">
+                <a:solidFill>
+                  <a:schemeClr val="tx1">
+                    <a:lumMod val="75000"/>
+                    <a:lumOff val="25000"/>
+                  </a:schemeClr>
+                </a:solidFill>
+                <a:latin typeface="+mn-lt"/>
+                <a:ea typeface="+mn-ea"/>
+                <a:cs typeface="+mn-cs"/>
+              </a:defRPr>
+            </a:lvl5pPr>
+            <a:lvl6pPr marL="2514600" indent="-228600" algn="l" defTabSz="457200" rtl="0" eaLnBrk="1" latinLnBrk="0" hangingPunct="1">
+              <a:spcBef>
+                <a:spcPts val="1000"/>
+              </a:spcBef>
+              <a:spcAft>
+                <a:spcPts val="0"/>
+              </a:spcAft>
+              <a:buClr>
+                <a:schemeClr val="accent1"/>
+              </a:buClr>
+              <a:buFont typeface="Wingdings 3" charset="2"/>
+              <a:buChar char=""/>
+              <a:defRPr sz="1200" kern="1200">
+                <a:solidFill>
+                  <a:schemeClr val="tx1">
+                    <a:lumMod val="75000"/>
+                    <a:lumOff val="25000"/>
+                  </a:schemeClr>
+                </a:solidFill>
+                <a:latin typeface="+mn-lt"/>
+                <a:ea typeface="+mn-ea"/>
+                <a:cs typeface="+mn-cs"/>
+              </a:defRPr>
+            </a:lvl6pPr>
+            <a:lvl7pPr marL="2971800" indent="-228600" algn="l" defTabSz="457200" rtl="0" eaLnBrk="1" latinLnBrk="0" hangingPunct="1">
+              <a:spcBef>
+                <a:spcPts val="1000"/>
+              </a:spcBef>
+              <a:spcAft>
+                <a:spcPts val="0"/>
+              </a:spcAft>
+              <a:buClr>
+                <a:schemeClr val="accent1"/>
+              </a:buClr>
+              <a:buFont typeface="Wingdings 3" charset="2"/>
+              <a:buChar char=""/>
+              <a:defRPr sz="1200" kern="1200">
+                <a:solidFill>
+                  <a:schemeClr val="tx1">
+                    <a:lumMod val="75000"/>
+                    <a:lumOff val="25000"/>
+                  </a:schemeClr>
+                </a:solidFill>
+                <a:latin typeface="+mn-lt"/>
+                <a:ea typeface="+mn-ea"/>
+                <a:cs typeface="+mn-cs"/>
+              </a:defRPr>
+            </a:lvl7pPr>
+            <a:lvl8pPr marL="3429000" indent="-228600" algn="l" defTabSz="457200" rtl="0" eaLnBrk="1" latinLnBrk="0" hangingPunct="1">
+              <a:spcBef>
+                <a:spcPts val="1000"/>
+              </a:spcBef>
+              <a:spcAft>
+                <a:spcPts val="0"/>
+              </a:spcAft>
+              <a:buClr>
+                <a:schemeClr val="accent1"/>
+              </a:buClr>
+              <a:buFont typeface="Wingdings 3" charset="2"/>
+              <a:buChar char=""/>
+              <a:defRPr sz="1200" kern="1200">
+                <a:solidFill>
+                  <a:schemeClr val="tx1">
+                    <a:lumMod val="75000"/>
+                    <a:lumOff val="25000"/>
+                  </a:schemeClr>
+                </a:solidFill>
+                <a:latin typeface="+mn-lt"/>
+                <a:ea typeface="+mn-ea"/>
+                <a:cs typeface="+mn-cs"/>
+              </a:defRPr>
+            </a:lvl8pPr>
+            <a:lvl9pPr marL="3886200" indent="-228600" algn="l" defTabSz="457200" rtl="0" eaLnBrk="1" latinLnBrk="0" hangingPunct="1">
+              <a:spcBef>
+                <a:spcPts val="1000"/>
+              </a:spcBef>
+              <a:spcAft>
+                <a:spcPts val="0"/>
+              </a:spcAft>
+              <a:buClr>
+                <a:schemeClr val="accent1"/>
+              </a:buClr>
+              <a:buFont typeface="Wingdings 3" charset="2"/>
+              <a:buChar char=""/>
+              <a:defRPr sz="1200" kern="1200">
+                <a:solidFill>
+                  <a:schemeClr val="tx1">
+                    <a:lumMod val="75000"/>
+                    <a:lumOff val="25000"/>
+                  </a:schemeClr>
+                </a:solidFill>
+                <a:latin typeface="+mn-lt"/>
+                <a:ea typeface="+mn-ea"/>
+                <a:cs typeface="+mn-cs"/>
+              </a:defRPr>
+            </a:lvl9pPr>
+          </a:lstStyle>
+          <a:p>
+            <a:pPr lvl="1"/>
+            <a:r>
+              <a:rPr lang="en-US" sz="1200" dirty="0"/>
+              <a:t>"</a:t>
+            </a:r>
+            <a:r>
+              <a:rPr lang="en-US" sz="1200" dirty="0" err="1"/>
+              <a:t>iss</a:t>
+            </a:r>
+            <a:r>
+              <a:rPr lang="en-US" sz="1200" dirty="0"/>
+              <a:t>" (Issuer)</a:t>
+            </a:r>
+          </a:p>
+          <a:p>
+            <a:pPr lvl="1"/>
+            <a:r>
+              <a:rPr lang="en-US" sz="1200" dirty="0"/>
+              <a:t>"sub" (Subject)</a:t>
+            </a:r>
+          </a:p>
+          <a:p>
+            <a:pPr lvl="1"/>
+            <a:r>
+              <a:rPr lang="en-US" sz="1200" dirty="0"/>
+              <a:t>"</a:t>
+            </a:r>
+            <a:r>
+              <a:rPr lang="en-US" sz="1200" dirty="0" err="1"/>
+              <a:t>aud</a:t>
+            </a:r>
+            <a:r>
+              <a:rPr lang="en-US" sz="1200" dirty="0"/>
+              <a:t>" (Audience)</a:t>
+            </a:r>
+          </a:p>
+          <a:p>
+            <a:pPr lvl="1"/>
+            <a:r>
+              <a:rPr lang="en-US" sz="1200" dirty="0"/>
+              <a:t>"exp" (Expiration Time)</a:t>
+            </a:r>
+          </a:p>
+          <a:p>
+            <a:pPr lvl="1"/>
+            <a:r>
+              <a:rPr lang="en-US" sz="1200" dirty="0"/>
+              <a:t>"</a:t>
+            </a:r>
+            <a:r>
+              <a:rPr lang="en-US" sz="1200" dirty="0" err="1"/>
+              <a:t>nbf</a:t>
+            </a:r>
+            <a:r>
+              <a:rPr lang="en-US" sz="1200" dirty="0"/>
+              <a:t>" (Not Before)</a:t>
+            </a:r>
+          </a:p>
+          <a:p>
+            <a:pPr lvl="1"/>
+            <a:r>
+              <a:rPr lang="en-US" sz="1200" dirty="0"/>
+              <a:t>"</a:t>
+            </a:r>
+            <a:r>
+              <a:rPr lang="en-US" sz="1200" dirty="0" err="1"/>
+              <a:t>iat</a:t>
+            </a:r>
+            <a:r>
+              <a:rPr lang="en-US" sz="1200" dirty="0"/>
+              <a:t>" (Issued At)</a:t>
+            </a:r>
+          </a:p>
+          <a:p>
+            <a:pPr lvl="1"/>
+            <a:r>
+              <a:rPr lang="en-US" sz="1200" dirty="0"/>
+              <a:t>"</a:t>
+            </a:r>
+            <a:r>
+              <a:rPr lang="en-US" sz="1200" dirty="0" err="1"/>
+              <a:t>jti</a:t>
+            </a:r>
+            <a:r>
+              <a:rPr lang="en-US" sz="1200" dirty="0"/>
+              <a:t>" (JWT ID)</a:t>
+            </a:r>
+          </a:p>
+          <a:p>
+            <a:pPr lvl="1"/>
+            <a:r>
+              <a:rPr lang="en-US" sz="1200" dirty="0"/>
+              <a:t>Other and/or custom</a:t>
+            </a:r>
+          </a:p>
+        </p:txBody>
+      </p:sp>
+      <p:sp>
+        <p:nvSpPr>
+          <p:cNvPr id="46" name="Content Placeholder 11">
+            <a:extLst>
+              <a:ext uri="{FF2B5EF4-FFF2-40B4-BE49-F238E27FC236}">
+                <a16:creationId xmlns:a16="http://schemas.microsoft.com/office/drawing/2014/main" id="{66138054-786A-FC4D-B2C6-E5EFD41216E8}"/>
+              </a:ext>
+            </a:extLst>
+          </p:cNvPr>
+          <p:cNvSpPr txBox="1">
+            <a:spLocks/>
+          </p:cNvSpPr>
+          <p:nvPr/>
+        </p:nvSpPr>
+        <p:spPr>
+          <a:xfrm>
+            <a:off x="661419" y="4526543"/>
+            <a:ext cx="5122652" cy="1192304"/>
+          </a:xfrm>
+          <a:prstGeom prst="rect">
+            <a:avLst/>
+          </a:prstGeom>
+        </p:spPr>
+        <p:txBody>
+          <a:bodyPr vert="horz" lIns="91440" tIns="45720" rIns="91440" bIns="45720" rtlCol="0">
+            <a:normAutofit/>
+          </a:bodyPr>
+          <a:lstStyle>
+            <a:lvl1pPr marL="342900" indent="-342900" algn="l" defTabSz="457200" rtl="0" eaLnBrk="1" latinLnBrk="0" hangingPunct="1">
+              <a:spcBef>
+                <a:spcPts val="1000"/>
+              </a:spcBef>
+              <a:spcAft>
+                <a:spcPts val="0"/>
+              </a:spcAft>
+              <a:buClr>
+                <a:schemeClr val="accent1"/>
+              </a:buClr>
+              <a:buFont typeface="Wingdings 3" charset="2"/>
+              <a:buChar char=""/>
+              <a:defRPr sz="1800" kern="1200">
+                <a:solidFill>
+                  <a:schemeClr val="tx1">
+                    <a:lumMod val="75000"/>
+                    <a:lumOff val="25000"/>
+                  </a:schemeClr>
+                </a:solidFill>
+                <a:latin typeface="+mn-lt"/>
+                <a:ea typeface="+mn-ea"/>
+                <a:cs typeface="+mn-cs"/>
+              </a:defRPr>
+            </a:lvl1pPr>
+            <a:lvl2pPr marL="742950" indent="-285750" algn="l" defTabSz="457200" rtl="0" eaLnBrk="1" latinLnBrk="0" hangingPunct="1">
+              <a:spcBef>
+                <a:spcPts val="1000"/>
+              </a:spcBef>
+              <a:spcAft>
+                <a:spcPts val="0"/>
+              </a:spcAft>
+              <a:buClr>
+                <a:schemeClr val="accent1"/>
+              </a:buClr>
+              <a:buFont typeface="Wingdings 3" charset="2"/>
+              <a:buChar char=""/>
+              <a:defRPr sz="1600" kern="1200">
+                <a:solidFill>
+                  <a:schemeClr val="tx1">
+                    <a:lumMod val="75000"/>
+                    <a:lumOff val="25000"/>
+                  </a:schemeClr>
+                </a:solidFill>
+                <a:latin typeface="+mn-lt"/>
+                <a:ea typeface="+mn-ea"/>
+                <a:cs typeface="+mn-cs"/>
+              </a:defRPr>
+            </a:lvl2pPr>
+            <a:lvl3pPr marL="1143000" indent="-228600" algn="l" defTabSz="457200" rtl="0" eaLnBrk="1" latinLnBrk="0" hangingPunct="1">
+              <a:spcBef>
+                <a:spcPts val="1000"/>
+              </a:spcBef>
+              <a:spcAft>
+                <a:spcPts val="0"/>
+              </a:spcAft>
+              <a:buClr>
+                <a:schemeClr val="accent1"/>
+              </a:buClr>
+              <a:buFont typeface="Wingdings 3" charset="2"/>
+              <a:buChar char=""/>
+              <a:defRPr sz="1400" kern="1200">
+                <a:solidFill>
+                  <a:schemeClr val="tx1">
+                    <a:lumMod val="75000"/>
+                    <a:lumOff val="25000"/>
+                  </a:schemeClr>
+                </a:solidFill>
+                <a:latin typeface="+mn-lt"/>
+                <a:ea typeface="+mn-ea"/>
+                <a:cs typeface="+mn-cs"/>
+              </a:defRPr>
+            </a:lvl3pPr>
+            <a:lvl4pPr marL="1600200" indent="-228600" algn="l" defTabSz="457200" rtl="0" eaLnBrk="1" latinLnBrk="0" hangingPunct="1">
+              <a:spcBef>
+                <a:spcPts val="1000"/>
+              </a:spcBef>
+              <a:spcAft>
+                <a:spcPts val="0"/>
+              </a:spcAft>
+              <a:buClr>
+                <a:schemeClr val="accent1"/>
+              </a:buClr>
+              <a:buFont typeface="Wingdings 3" charset="2"/>
+              <a:buChar char=""/>
+              <a:defRPr sz="1200" kern="1200">
+                <a:solidFill>
+                  <a:schemeClr val="tx1">
+                    <a:lumMod val="75000"/>
+                    <a:lumOff val="25000"/>
+                  </a:schemeClr>
+                </a:solidFill>
+                <a:latin typeface="+mn-lt"/>
+                <a:ea typeface="+mn-ea"/>
+                <a:cs typeface="+mn-cs"/>
+              </a:defRPr>
+            </a:lvl4pPr>
+            <a:lvl5pPr marL="2057400" indent="-228600" algn="l" defTabSz="457200" rtl="0" eaLnBrk="1" latinLnBrk="0" hangingPunct="1">
+              <a:spcBef>
+                <a:spcPts val="1000"/>
+              </a:spcBef>
+              <a:spcAft>
+                <a:spcPts val="0"/>
+              </a:spcAft>
+              <a:buClr>
+                <a:schemeClr val="accent1"/>
+              </a:buClr>
+              <a:buFont typeface="Wingdings 3" charset="2"/>
+              <a:buChar char=""/>
+              <a:defRPr sz="1200" kern="1200">
+                <a:solidFill>
+                  <a:schemeClr val="tx1">
+                    <a:lumMod val="75000"/>
+                    <a:lumOff val="25000"/>
+                  </a:schemeClr>
+                </a:solidFill>
+                <a:latin typeface="+mn-lt"/>
+                <a:ea typeface="+mn-ea"/>
+                <a:cs typeface="+mn-cs"/>
+              </a:defRPr>
+            </a:lvl5pPr>
+            <a:lvl6pPr marL="2514600" indent="-228600" algn="l" defTabSz="457200" rtl="0" eaLnBrk="1" latinLnBrk="0" hangingPunct="1">
+              <a:spcBef>
+                <a:spcPts val="1000"/>
+              </a:spcBef>
+              <a:spcAft>
+                <a:spcPts val="0"/>
+              </a:spcAft>
+              <a:buClr>
+                <a:schemeClr val="accent1"/>
+              </a:buClr>
+              <a:buFont typeface="Wingdings 3" charset="2"/>
+              <a:buChar char=""/>
+              <a:defRPr sz="1200" kern="1200">
+                <a:solidFill>
+                  <a:schemeClr val="tx1">
+                    <a:lumMod val="75000"/>
+                    <a:lumOff val="25000"/>
+                  </a:schemeClr>
+                </a:solidFill>
+                <a:latin typeface="+mn-lt"/>
+                <a:ea typeface="+mn-ea"/>
+                <a:cs typeface="+mn-cs"/>
+              </a:defRPr>
+            </a:lvl6pPr>
+            <a:lvl7pPr marL="2971800" indent="-228600" algn="l" defTabSz="457200" rtl="0" eaLnBrk="1" latinLnBrk="0" hangingPunct="1">
+              <a:spcBef>
+                <a:spcPts val="1000"/>
+              </a:spcBef>
+              <a:spcAft>
+                <a:spcPts val="0"/>
+              </a:spcAft>
+              <a:buClr>
+                <a:schemeClr val="accent1"/>
+              </a:buClr>
+              <a:buFont typeface="Wingdings 3" charset="2"/>
+              <a:buChar char=""/>
+              <a:defRPr sz="1200" kern="1200">
+                <a:solidFill>
+                  <a:schemeClr val="tx1">
+                    <a:lumMod val="75000"/>
+                    <a:lumOff val="25000"/>
+                  </a:schemeClr>
+                </a:solidFill>
+                <a:latin typeface="+mn-lt"/>
+                <a:ea typeface="+mn-ea"/>
+                <a:cs typeface="+mn-cs"/>
+              </a:defRPr>
+            </a:lvl7pPr>
+            <a:lvl8pPr marL="3429000" indent="-228600" algn="l" defTabSz="457200" rtl="0" eaLnBrk="1" latinLnBrk="0" hangingPunct="1">
+              <a:spcBef>
+                <a:spcPts val="1000"/>
+              </a:spcBef>
+              <a:spcAft>
+                <a:spcPts val="0"/>
+              </a:spcAft>
+              <a:buClr>
+                <a:schemeClr val="accent1"/>
+              </a:buClr>
+              <a:buFont typeface="Wingdings 3" charset="2"/>
+              <a:buChar char=""/>
+              <a:defRPr sz="1200" kern="1200">
+                <a:solidFill>
+                  <a:schemeClr val="tx1">
+                    <a:lumMod val="75000"/>
+                    <a:lumOff val="25000"/>
+                  </a:schemeClr>
+                </a:solidFill>
+                <a:latin typeface="+mn-lt"/>
+                <a:ea typeface="+mn-ea"/>
+                <a:cs typeface="+mn-cs"/>
+              </a:defRPr>
+            </a:lvl8pPr>
+            <a:lvl9pPr marL="3886200" indent="-228600" algn="l" defTabSz="457200" rtl="0" eaLnBrk="1" latinLnBrk="0" hangingPunct="1">
+              <a:spcBef>
+                <a:spcPts val="1000"/>
+              </a:spcBef>
+              <a:spcAft>
+                <a:spcPts val="0"/>
+              </a:spcAft>
+              <a:buClr>
+                <a:schemeClr val="accent1"/>
+              </a:buClr>
+              <a:buFont typeface="Wingdings 3" charset="2"/>
+              <a:buChar char=""/>
+              <a:defRPr sz="1200" kern="1200">
+                <a:solidFill>
+                  <a:schemeClr val="tx1">
+                    <a:lumMod val="75000"/>
+                    <a:lumOff val="25000"/>
+                  </a:schemeClr>
+                </a:solidFill>
+                <a:latin typeface="+mn-lt"/>
+                <a:ea typeface="+mn-ea"/>
+                <a:cs typeface="+mn-cs"/>
+              </a:defRPr>
+            </a:lvl9pPr>
+          </a:lstStyle>
+          <a:p>
+            <a:r>
+              <a:rPr lang="en-US" dirty="0"/>
+              <a:t>Readable by everyone unless encrypted</a:t>
+            </a:r>
+          </a:p>
+        </p:txBody>
+      </p:sp>
+      <p:sp>
+        <p:nvSpPr>
+          <p:cNvPr id="5" name="Right Arrow 4">
+            <a:extLst>
+              <a:ext uri="{FF2B5EF4-FFF2-40B4-BE49-F238E27FC236}">
+                <a16:creationId xmlns:a16="http://schemas.microsoft.com/office/drawing/2014/main" id="{C0B10EA6-A9D8-7F41-A97F-9F36BDABBCD0}"/>
               </a:ext>
             </a:extLst>
           </p:cNvPr>
@@ -12005,7 +16092,7 @@
         </p:nvSpPr>
         <p:spPr>
           <a:xfrm>
-            <a:off x="5913505" y="1471143"/>
+            <a:off x="6011542" y="2729800"/>
             <a:ext cx="690466" cy="433857"/>
           </a:xfrm>
           <a:prstGeom prst="rightArrow">
@@ -12040,7 +16127,7 @@
     </p:spTree>
     <p:extLst>
       <p:ext uri="{BB962C8B-B14F-4D97-AF65-F5344CB8AC3E}">
-        <p14:creationId xmlns:p14="http://schemas.microsoft.com/office/powerpoint/2010/main" val="791360321"/>
+        <p14:creationId xmlns:p14="http://schemas.microsoft.com/office/powerpoint/2010/main" val="3596075882"/>
       </p:ext>
     </p:extLst>
   </p:cSld>
@@ -12050,7 +16137,7 @@
 </p:sld>
 </file>
 
-<file path=ppt/slides/slide7.xml><?xml version="1.0" encoding="utf-8"?>
+<file path=ppt/slides/slide8.xml><?xml version="1.0" encoding="utf-8"?>
 <p:sld xmlns:a="http://schemas.openxmlformats.org/drawingml/2006/main" xmlns:r="http://schemas.openxmlformats.org/officeDocument/2006/relationships" xmlns:p="http://schemas.openxmlformats.org/presentationml/2006/main">
   <p:cSld>
     <p:bg>
@@ -14587,8 +18674,8 @@
         </p:nvSpPr>
         <p:spPr>
           <a:xfrm>
-            <a:off x="649225" y="2133601"/>
-            <a:ext cx="5122652" cy="1192304"/>
+            <a:off x="649224" y="2133600"/>
+            <a:ext cx="5362317" cy="3299485"/>
           </a:xfrm>
         </p:spPr>
         <p:txBody>
@@ -14600,26 +18687,45 @@
             <a:r>
               <a:rPr lang="en-US" dirty="0">
                 <a:solidFill>
-                  <a:srgbClr val="D32CFF"/>
+                  <a:srgbClr val="00B9F1"/>
                 </a:solidFill>
               </a:rPr>
-              <a:t>Payload</a:t>
+              <a:t>Signature</a:t>
             </a:r>
             <a:r>
               <a:rPr lang="en-US" dirty="0"/>
-              <a:t> (the data)</a:t>
+              <a:t> (for security)</a:t>
             </a:r>
           </a:p>
           <a:p>
             <a:r>
               <a:rPr lang="en-US" dirty="0"/>
-              <a:t>Base64Url encoded</a:t>
+              <a:t>Generated by the “Issuer” w/ a key</a:t>
             </a:r>
           </a:p>
           <a:p>
             <a:r>
               <a:rPr lang="en-US" dirty="0"/>
-              <a:t>”claims”</a:t>
+              <a:t>“digest” of header &amp; payload</a:t>
+            </a:r>
+          </a:p>
+          <a:p>
+            <a:r>
+              <a:rPr lang="en-US" dirty="0"/>
+              <a:t>Tamper-resistant</a:t>
+            </a:r>
+          </a:p>
+          <a:p>
+            <a:r>
+              <a:rPr lang="en-US" dirty="0"/>
+              <a:t>Can be verified by others if using certain key-signing algorithms</a:t>
+            </a:r>
+          </a:p>
+          <a:p>
+            <a:pPr lvl="1"/>
+            <a:r>
+              <a:rPr lang="en-US" dirty="0"/>
+              <a:t>Guardian does not do as the default</a:t>
             </a:r>
           </a:p>
         </p:txBody>
@@ -14945,3573 +19051,6 @@
       </p:sp>
       <p:sp>
         <p:nvSpPr>
-          <p:cNvPr id="44" name="Content Placeholder 11">
-            <a:extLst>
-              <a:ext uri="{FF2B5EF4-FFF2-40B4-BE49-F238E27FC236}">
-                <a16:creationId xmlns:a16="http://schemas.microsoft.com/office/drawing/2014/main" id="{13599F0B-8E5E-E246-A277-CE4DCAC9C98E}"/>
-              </a:ext>
-            </a:extLst>
-          </p:cNvPr>
-          <p:cNvSpPr txBox="1">
-            <a:spLocks/>
-          </p:cNvSpPr>
-          <p:nvPr/>
-        </p:nvSpPr>
-        <p:spPr>
-          <a:xfrm>
-            <a:off x="661419" y="3256453"/>
-            <a:ext cx="5485029" cy="1192304"/>
-          </a:xfrm>
-          <a:prstGeom prst="rect">
-            <a:avLst/>
-          </a:prstGeom>
-        </p:spPr>
-        <p:txBody>
-          <a:bodyPr vert="horz" lIns="91440" tIns="45720" rIns="91440" bIns="45720" numCol="2" rtlCol="0">
-            <a:noAutofit/>
-          </a:bodyPr>
-          <a:lstStyle>
-            <a:lvl1pPr marL="342900" indent="-342900" algn="l" defTabSz="457200" rtl="0" eaLnBrk="1" latinLnBrk="0" hangingPunct="1">
-              <a:spcBef>
-                <a:spcPts val="1000"/>
-              </a:spcBef>
-              <a:spcAft>
-                <a:spcPts val="0"/>
-              </a:spcAft>
-              <a:buClr>
-                <a:schemeClr val="accent1"/>
-              </a:buClr>
-              <a:buFont typeface="Wingdings 3" charset="2"/>
-              <a:buChar char=""/>
-              <a:defRPr sz="1800" kern="1200">
-                <a:solidFill>
-                  <a:schemeClr val="tx1">
-                    <a:lumMod val="75000"/>
-                    <a:lumOff val="25000"/>
-                  </a:schemeClr>
-                </a:solidFill>
-                <a:latin typeface="+mn-lt"/>
-                <a:ea typeface="+mn-ea"/>
-                <a:cs typeface="+mn-cs"/>
-              </a:defRPr>
-            </a:lvl1pPr>
-            <a:lvl2pPr marL="742950" indent="-285750" algn="l" defTabSz="457200" rtl="0" eaLnBrk="1" latinLnBrk="0" hangingPunct="1">
-              <a:spcBef>
-                <a:spcPts val="1000"/>
-              </a:spcBef>
-              <a:spcAft>
-                <a:spcPts val="0"/>
-              </a:spcAft>
-              <a:buClr>
-                <a:schemeClr val="accent1"/>
-              </a:buClr>
-              <a:buFont typeface="Wingdings 3" charset="2"/>
-              <a:buChar char=""/>
-              <a:defRPr sz="1600" kern="1200">
-                <a:solidFill>
-                  <a:schemeClr val="tx1">
-                    <a:lumMod val="75000"/>
-                    <a:lumOff val="25000"/>
-                  </a:schemeClr>
-                </a:solidFill>
-                <a:latin typeface="+mn-lt"/>
-                <a:ea typeface="+mn-ea"/>
-                <a:cs typeface="+mn-cs"/>
-              </a:defRPr>
-            </a:lvl2pPr>
-            <a:lvl3pPr marL="1143000" indent="-228600" algn="l" defTabSz="457200" rtl="0" eaLnBrk="1" latinLnBrk="0" hangingPunct="1">
-              <a:spcBef>
-                <a:spcPts val="1000"/>
-              </a:spcBef>
-              <a:spcAft>
-                <a:spcPts val="0"/>
-              </a:spcAft>
-              <a:buClr>
-                <a:schemeClr val="accent1"/>
-              </a:buClr>
-              <a:buFont typeface="Wingdings 3" charset="2"/>
-              <a:buChar char=""/>
-              <a:defRPr sz="1400" kern="1200">
-                <a:solidFill>
-                  <a:schemeClr val="tx1">
-                    <a:lumMod val="75000"/>
-                    <a:lumOff val="25000"/>
-                  </a:schemeClr>
-                </a:solidFill>
-                <a:latin typeface="+mn-lt"/>
-                <a:ea typeface="+mn-ea"/>
-                <a:cs typeface="+mn-cs"/>
-              </a:defRPr>
-            </a:lvl3pPr>
-            <a:lvl4pPr marL="1600200" indent="-228600" algn="l" defTabSz="457200" rtl="0" eaLnBrk="1" latinLnBrk="0" hangingPunct="1">
-              <a:spcBef>
-                <a:spcPts val="1000"/>
-              </a:spcBef>
-              <a:spcAft>
-                <a:spcPts val="0"/>
-              </a:spcAft>
-              <a:buClr>
-                <a:schemeClr val="accent1"/>
-              </a:buClr>
-              <a:buFont typeface="Wingdings 3" charset="2"/>
-              <a:buChar char=""/>
-              <a:defRPr sz="1200" kern="1200">
-                <a:solidFill>
-                  <a:schemeClr val="tx1">
-                    <a:lumMod val="75000"/>
-                    <a:lumOff val="25000"/>
-                  </a:schemeClr>
-                </a:solidFill>
-                <a:latin typeface="+mn-lt"/>
-                <a:ea typeface="+mn-ea"/>
-                <a:cs typeface="+mn-cs"/>
-              </a:defRPr>
-            </a:lvl4pPr>
-            <a:lvl5pPr marL="2057400" indent="-228600" algn="l" defTabSz="457200" rtl="0" eaLnBrk="1" latinLnBrk="0" hangingPunct="1">
-              <a:spcBef>
-                <a:spcPts val="1000"/>
-              </a:spcBef>
-              <a:spcAft>
-                <a:spcPts val="0"/>
-              </a:spcAft>
-              <a:buClr>
-                <a:schemeClr val="accent1"/>
-              </a:buClr>
-              <a:buFont typeface="Wingdings 3" charset="2"/>
-              <a:buChar char=""/>
-              <a:defRPr sz="1200" kern="1200">
-                <a:solidFill>
-                  <a:schemeClr val="tx1">
-                    <a:lumMod val="75000"/>
-                    <a:lumOff val="25000"/>
-                  </a:schemeClr>
-                </a:solidFill>
-                <a:latin typeface="+mn-lt"/>
-                <a:ea typeface="+mn-ea"/>
-                <a:cs typeface="+mn-cs"/>
-              </a:defRPr>
-            </a:lvl5pPr>
-            <a:lvl6pPr marL="2514600" indent="-228600" algn="l" defTabSz="457200" rtl="0" eaLnBrk="1" latinLnBrk="0" hangingPunct="1">
-              <a:spcBef>
-                <a:spcPts val="1000"/>
-              </a:spcBef>
-              <a:spcAft>
-                <a:spcPts val="0"/>
-              </a:spcAft>
-              <a:buClr>
-                <a:schemeClr val="accent1"/>
-              </a:buClr>
-              <a:buFont typeface="Wingdings 3" charset="2"/>
-              <a:buChar char=""/>
-              <a:defRPr sz="1200" kern="1200">
-                <a:solidFill>
-                  <a:schemeClr val="tx1">
-                    <a:lumMod val="75000"/>
-                    <a:lumOff val="25000"/>
-                  </a:schemeClr>
-                </a:solidFill>
-                <a:latin typeface="+mn-lt"/>
-                <a:ea typeface="+mn-ea"/>
-                <a:cs typeface="+mn-cs"/>
-              </a:defRPr>
-            </a:lvl6pPr>
-            <a:lvl7pPr marL="2971800" indent="-228600" algn="l" defTabSz="457200" rtl="0" eaLnBrk="1" latinLnBrk="0" hangingPunct="1">
-              <a:spcBef>
-                <a:spcPts val="1000"/>
-              </a:spcBef>
-              <a:spcAft>
-                <a:spcPts val="0"/>
-              </a:spcAft>
-              <a:buClr>
-                <a:schemeClr val="accent1"/>
-              </a:buClr>
-              <a:buFont typeface="Wingdings 3" charset="2"/>
-              <a:buChar char=""/>
-              <a:defRPr sz="1200" kern="1200">
-                <a:solidFill>
-                  <a:schemeClr val="tx1">
-                    <a:lumMod val="75000"/>
-                    <a:lumOff val="25000"/>
-                  </a:schemeClr>
-                </a:solidFill>
-                <a:latin typeface="+mn-lt"/>
-                <a:ea typeface="+mn-ea"/>
-                <a:cs typeface="+mn-cs"/>
-              </a:defRPr>
-            </a:lvl7pPr>
-            <a:lvl8pPr marL="3429000" indent="-228600" algn="l" defTabSz="457200" rtl="0" eaLnBrk="1" latinLnBrk="0" hangingPunct="1">
-              <a:spcBef>
-                <a:spcPts val="1000"/>
-              </a:spcBef>
-              <a:spcAft>
-                <a:spcPts val="0"/>
-              </a:spcAft>
-              <a:buClr>
-                <a:schemeClr val="accent1"/>
-              </a:buClr>
-              <a:buFont typeface="Wingdings 3" charset="2"/>
-              <a:buChar char=""/>
-              <a:defRPr sz="1200" kern="1200">
-                <a:solidFill>
-                  <a:schemeClr val="tx1">
-                    <a:lumMod val="75000"/>
-                    <a:lumOff val="25000"/>
-                  </a:schemeClr>
-                </a:solidFill>
-                <a:latin typeface="+mn-lt"/>
-                <a:ea typeface="+mn-ea"/>
-                <a:cs typeface="+mn-cs"/>
-              </a:defRPr>
-            </a:lvl8pPr>
-            <a:lvl9pPr marL="3886200" indent="-228600" algn="l" defTabSz="457200" rtl="0" eaLnBrk="1" latinLnBrk="0" hangingPunct="1">
-              <a:spcBef>
-                <a:spcPts val="1000"/>
-              </a:spcBef>
-              <a:spcAft>
-                <a:spcPts val="0"/>
-              </a:spcAft>
-              <a:buClr>
-                <a:schemeClr val="accent1"/>
-              </a:buClr>
-              <a:buFont typeface="Wingdings 3" charset="2"/>
-              <a:buChar char=""/>
-              <a:defRPr sz="1200" kern="1200">
-                <a:solidFill>
-                  <a:schemeClr val="tx1">
-                    <a:lumMod val="75000"/>
-                    <a:lumOff val="25000"/>
-                  </a:schemeClr>
-                </a:solidFill>
-                <a:latin typeface="+mn-lt"/>
-                <a:ea typeface="+mn-ea"/>
-                <a:cs typeface="+mn-cs"/>
-              </a:defRPr>
-            </a:lvl9pPr>
-          </a:lstStyle>
-          <a:p>
-            <a:pPr lvl="1"/>
-            <a:r>
-              <a:rPr lang="en-US" sz="1200" dirty="0"/>
-              <a:t>"</a:t>
-            </a:r>
-            <a:r>
-              <a:rPr lang="en-US" sz="1200" dirty="0" err="1"/>
-              <a:t>iss</a:t>
-            </a:r>
-            <a:r>
-              <a:rPr lang="en-US" sz="1200" dirty="0"/>
-              <a:t>" (Issuer)</a:t>
-            </a:r>
-          </a:p>
-          <a:p>
-            <a:pPr lvl="1"/>
-            <a:r>
-              <a:rPr lang="en-US" sz="1200" dirty="0"/>
-              <a:t>"sub" (Subject)</a:t>
-            </a:r>
-          </a:p>
-          <a:p>
-            <a:pPr lvl="1"/>
-            <a:r>
-              <a:rPr lang="en-US" sz="1200" dirty="0"/>
-              <a:t>"</a:t>
-            </a:r>
-            <a:r>
-              <a:rPr lang="en-US" sz="1200" dirty="0" err="1"/>
-              <a:t>aud</a:t>
-            </a:r>
-            <a:r>
-              <a:rPr lang="en-US" sz="1200" dirty="0"/>
-              <a:t>" (Audience)</a:t>
-            </a:r>
-          </a:p>
-          <a:p>
-            <a:pPr lvl="1"/>
-            <a:r>
-              <a:rPr lang="en-US" sz="1200" dirty="0"/>
-              <a:t>"exp" (Expiration Time)</a:t>
-            </a:r>
-          </a:p>
-          <a:p>
-            <a:pPr lvl="1"/>
-            <a:r>
-              <a:rPr lang="en-US" sz="1200" dirty="0"/>
-              <a:t>"</a:t>
-            </a:r>
-            <a:r>
-              <a:rPr lang="en-US" sz="1200" dirty="0" err="1"/>
-              <a:t>nbf</a:t>
-            </a:r>
-            <a:r>
-              <a:rPr lang="en-US" sz="1200" dirty="0"/>
-              <a:t>" (Not Before)</a:t>
-            </a:r>
-          </a:p>
-          <a:p>
-            <a:pPr lvl="1"/>
-            <a:r>
-              <a:rPr lang="en-US" sz="1200" dirty="0"/>
-              <a:t>"</a:t>
-            </a:r>
-            <a:r>
-              <a:rPr lang="en-US" sz="1200" dirty="0" err="1"/>
-              <a:t>iat</a:t>
-            </a:r>
-            <a:r>
-              <a:rPr lang="en-US" sz="1200" dirty="0"/>
-              <a:t>" (Issued At)</a:t>
-            </a:r>
-          </a:p>
-          <a:p>
-            <a:pPr lvl="1"/>
-            <a:r>
-              <a:rPr lang="en-US" sz="1200" dirty="0"/>
-              <a:t>"</a:t>
-            </a:r>
-            <a:r>
-              <a:rPr lang="en-US" sz="1200" dirty="0" err="1"/>
-              <a:t>jti</a:t>
-            </a:r>
-            <a:r>
-              <a:rPr lang="en-US" sz="1200" dirty="0"/>
-              <a:t>" (JWT ID)</a:t>
-            </a:r>
-          </a:p>
-          <a:p>
-            <a:pPr lvl="1"/>
-            <a:r>
-              <a:rPr lang="en-US" sz="1200" dirty="0"/>
-              <a:t>Other and/or custom</a:t>
-            </a:r>
-          </a:p>
-        </p:txBody>
-      </p:sp>
-      <p:sp>
-        <p:nvSpPr>
-          <p:cNvPr id="46" name="Content Placeholder 11">
-            <a:extLst>
-              <a:ext uri="{FF2B5EF4-FFF2-40B4-BE49-F238E27FC236}">
-                <a16:creationId xmlns:a16="http://schemas.microsoft.com/office/drawing/2014/main" id="{66138054-786A-FC4D-B2C6-E5EFD41216E8}"/>
-              </a:ext>
-            </a:extLst>
-          </p:cNvPr>
-          <p:cNvSpPr txBox="1">
-            <a:spLocks/>
-          </p:cNvSpPr>
-          <p:nvPr/>
-        </p:nvSpPr>
-        <p:spPr>
-          <a:xfrm>
-            <a:off x="661419" y="4526543"/>
-            <a:ext cx="5122652" cy="1192304"/>
-          </a:xfrm>
-          <a:prstGeom prst="rect">
-            <a:avLst/>
-          </a:prstGeom>
-        </p:spPr>
-        <p:txBody>
-          <a:bodyPr vert="horz" lIns="91440" tIns="45720" rIns="91440" bIns="45720" rtlCol="0">
-            <a:normAutofit/>
-          </a:bodyPr>
-          <a:lstStyle>
-            <a:lvl1pPr marL="342900" indent="-342900" algn="l" defTabSz="457200" rtl="0" eaLnBrk="1" latinLnBrk="0" hangingPunct="1">
-              <a:spcBef>
-                <a:spcPts val="1000"/>
-              </a:spcBef>
-              <a:spcAft>
-                <a:spcPts val="0"/>
-              </a:spcAft>
-              <a:buClr>
-                <a:schemeClr val="accent1"/>
-              </a:buClr>
-              <a:buFont typeface="Wingdings 3" charset="2"/>
-              <a:buChar char=""/>
-              <a:defRPr sz="1800" kern="1200">
-                <a:solidFill>
-                  <a:schemeClr val="tx1">
-                    <a:lumMod val="75000"/>
-                    <a:lumOff val="25000"/>
-                  </a:schemeClr>
-                </a:solidFill>
-                <a:latin typeface="+mn-lt"/>
-                <a:ea typeface="+mn-ea"/>
-                <a:cs typeface="+mn-cs"/>
-              </a:defRPr>
-            </a:lvl1pPr>
-            <a:lvl2pPr marL="742950" indent="-285750" algn="l" defTabSz="457200" rtl="0" eaLnBrk="1" latinLnBrk="0" hangingPunct="1">
-              <a:spcBef>
-                <a:spcPts val="1000"/>
-              </a:spcBef>
-              <a:spcAft>
-                <a:spcPts val="0"/>
-              </a:spcAft>
-              <a:buClr>
-                <a:schemeClr val="accent1"/>
-              </a:buClr>
-              <a:buFont typeface="Wingdings 3" charset="2"/>
-              <a:buChar char=""/>
-              <a:defRPr sz="1600" kern="1200">
-                <a:solidFill>
-                  <a:schemeClr val="tx1">
-                    <a:lumMod val="75000"/>
-                    <a:lumOff val="25000"/>
-                  </a:schemeClr>
-                </a:solidFill>
-                <a:latin typeface="+mn-lt"/>
-                <a:ea typeface="+mn-ea"/>
-                <a:cs typeface="+mn-cs"/>
-              </a:defRPr>
-            </a:lvl2pPr>
-            <a:lvl3pPr marL="1143000" indent="-228600" algn="l" defTabSz="457200" rtl="0" eaLnBrk="1" latinLnBrk="0" hangingPunct="1">
-              <a:spcBef>
-                <a:spcPts val="1000"/>
-              </a:spcBef>
-              <a:spcAft>
-                <a:spcPts val="0"/>
-              </a:spcAft>
-              <a:buClr>
-                <a:schemeClr val="accent1"/>
-              </a:buClr>
-              <a:buFont typeface="Wingdings 3" charset="2"/>
-              <a:buChar char=""/>
-              <a:defRPr sz="1400" kern="1200">
-                <a:solidFill>
-                  <a:schemeClr val="tx1">
-                    <a:lumMod val="75000"/>
-                    <a:lumOff val="25000"/>
-                  </a:schemeClr>
-                </a:solidFill>
-                <a:latin typeface="+mn-lt"/>
-                <a:ea typeface="+mn-ea"/>
-                <a:cs typeface="+mn-cs"/>
-              </a:defRPr>
-            </a:lvl3pPr>
-            <a:lvl4pPr marL="1600200" indent="-228600" algn="l" defTabSz="457200" rtl="0" eaLnBrk="1" latinLnBrk="0" hangingPunct="1">
-              <a:spcBef>
-                <a:spcPts val="1000"/>
-              </a:spcBef>
-              <a:spcAft>
-                <a:spcPts val="0"/>
-              </a:spcAft>
-              <a:buClr>
-                <a:schemeClr val="accent1"/>
-              </a:buClr>
-              <a:buFont typeface="Wingdings 3" charset="2"/>
-              <a:buChar char=""/>
-              <a:defRPr sz="1200" kern="1200">
-                <a:solidFill>
-                  <a:schemeClr val="tx1">
-                    <a:lumMod val="75000"/>
-                    <a:lumOff val="25000"/>
-                  </a:schemeClr>
-                </a:solidFill>
-                <a:latin typeface="+mn-lt"/>
-                <a:ea typeface="+mn-ea"/>
-                <a:cs typeface="+mn-cs"/>
-              </a:defRPr>
-            </a:lvl4pPr>
-            <a:lvl5pPr marL="2057400" indent="-228600" algn="l" defTabSz="457200" rtl="0" eaLnBrk="1" latinLnBrk="0" hangingPunct="1">
-              <a:spcBef>
-                <a:spcPts val="1000"/>
-              </a:spcBef>
-              <a:spcAft>
-                <a:spcPts val="0"/>
-              </a:spcAft>
-              <a:buClr>
-                <a:schemeClr val="accent1"/>
-              </a:buClr>
-              <a:buFont typeface="Wingdings 3" charset="2"/>
-              <a:buChar char=""/>
-              <a:defRPr sz="1200" kern="1200">
-                <a:solidFill>
-                  <a:schemeClr val="tx1">
-                    <a:lumMod val="75000"/>
-                    <a:lumOff val="25000"/>
-                  </a:schemeClr>
-                </a:solidFill>
-                <a:latin typeface="+mn-lt"/>
-                <a:ea typeface="+mn-ea"/>
-                <a:cs typeface="+mn-cs"/>
-              </a:defRPr>
-            </a:lvl5pPr>
-            <a:lvl6pPr marL="2514600" indent="-228600" algn="l" defTabSz="457200" rtl="0" eaLnBrk="1" latinLnBrk="0" hangingPunct="1">
-              <a:spcBef>
-                <a:spcPts val="1000"/>
-              </a:spcBef>
-              <a:spcAft>
-                <a:spcPts val="0"/>
-              </a:spcAft>
-              <a:buClr>
-                <a:schemeClr val="accent1"/>
-              </a:buClr>
-              <a:buFont typeface="Wingdings 3" charset="2"/>
-              <a:buChar char=""/>
-              <a:defRPr sz="1200" kern="1200">
-                <a:solidFill>
-                  <a:schemeClr val="tx1">
-                    <a:lumMod val="75000"/>
-                    <a:lumOff val="25000"/>
-                  </a:schemeClr>
-                </a:solidFill>
-                <a:latin typeface="+mn-lt"/>
-                <a:ea typeface="+mn-ea"/>
-                <a:cs typeface="+mn-cs"/>
-              </a:defRPr>
-            </a:lvl6pPr>
-            <a:lvl7pPr marL="2971800" indent="-228600" algn="l" defTabSz="457200" rtl="0" eaLnBrk="1" latinLnBrk="0" hangingPunct="1">
-              <a:spcBef>
-                <a:spcPts val="1000"/>
-              </a:spcBef>
-              <a:spcAft>
-                <a:spcPts val="0"/>
-              </a:spcAft>
-              <a:buClr>
-                <a:schemeClr val="accent1"/>
-              </a:buClr>
-              <a:buFont typeface="Wingdings 3" charset="2"/>
-              <a:buChar char=""/>
-              <a:defRPr sz="1200" kern="1200">
-                <a:solidFill>
-                  <a:schemeClr val="tx1">
-                    <a:lumMod val="75000"/>
-                    <a:lumOff val="25000"/>
-                  </a:schemeClr>
-                </a:solidFill>
-                <a:latin typeface="+mn-lt"/>
-                <a:ea typeface="+mn-ea"/>
-                <a:cs typeface="+mn-cs"/>
-              </a:defRPr>
-            </a:lvl7pPr>
-            <a:lvl8pPr marL="3429000" indent="-228600" algn="l" defTabSz="457200" rtl="0" eaLnBrk="1" latinLnBrk="0" hangingPunct="1">
-              <a:spcBef>
-                <a:spcPts val="1000"/>
-              </a:spcBef>
-              <a:spcAft>
-                <a:spcPts val="0"/>
-              </a:spcAft>
-              <a:buClr>
-                <a:schemeClr val="accent1"/>
-              </a:buClr>
-              <a:buFont typeface="Wingdings 3" charset="2"/>
-              <a:buChar char=""/>
-              <a:defRPr sz="1200" kern="1200">
-                <a:solidFill>
-                  <a:schemeClr val="tx1">
-                    <a:lumMod val="75000"/>
-                    <a:lumOff val="25000"/>
-                  </a:schemeClr>
-                </a:solidFill>
-                <a:latin typeface="+mn-lt"/>
-                <a:ea typeface="+mn-ea"/>
-                <a:cs typeface="+mn-cs"/>
-              </a:defRPr>
-            </a:lvl8pPr>
-            <a:lvl9pPr marL="3886200" indent="-228600" algn="l" defTabSz="457200" rtl="0" eaLnBrk="1" latinLnBrk="0" hangingPunct="1">
-              <a:spcBef>
-                <a:spcPts val="1000"/>
-              </a:spcBef>
-              <a:spcAft>
-                <a:spcPts val="0"/>
-              </a:spcAft>
-              <a:buClr>
-                <a:schemeClr val="accent1"/>
-              </a:buClr>
-              <a:buFont typeface="Wingdings 3" charset="2"/>
-              <a:buChar char=""/>
-              <a:defRPr sz="1200" kern="1200">
-                <a:solidFill>
-                  <a:schemeClr val="tx1">
-                    <a:lumMod val="75000"/>
-                    <a:lumOff val="25000"/>
-                  </a:schemeClr>
-                </a:solidFill>
-                <a:latin typeface="+mn-lt"/>
-                <a:ea typeface="+mn-ea"/>
-                <a:cs typeface="+mn-cs"/>
-              </a:defRPr>
-            </a:lvl9pPr>
-          </a:lstStyle>
-          <a:p>
-            <a:r>
-              <a:rPr lang="en-US" dirty="0"/>
-              <a:t>Readable by everyone unless encrypted</a:t>
-            </a:r>
-          </a:p>
-        </p:txBody>
-      </p:sp>
-      <p:sp>
-        <p:nvSpPr>
-          <p:cNvPr id="5" name="Right Arrow 4">
-            <a:extLst>
-              <a:ext uri="{FF2B5EF4-FFF2-40B4-BE49-F238E27FC236}">
-                <a16:creationId xmlns:a16="http://schemas.microsoft.com/office/drawing/2014/main" id="{C0B10EA6-A9D8-7F41-A97F-9F36BDABBCD0}"/>
-              </a:ext>
-            </a:extLst>
-          </p:cNvPr>
-          <p:cNvSpPr/>
-          <p:nvPr/>
-        </p:nvSpPr>
-        <p:spPr>
-          <a:xfrm>
-            <a:off x="6011542" y="2729800"/>
-            <a:ext cx="690466" cy="433857"/>
-          </a:xfrm>
-          <a:prstGeom prst="rightArrow">
-            <a:avLst/>
-          </a:prstGeom>
-        </p:spPr>
-        <p:style>
-          <a:lnRef idx="2">
-            <a:schemeClr val="accent1">
-              <a:shade val="50000"/>
-            </a:schemeClr>
-          </a:lnRef>
-          <a:fillRef idx="1">
-            <a:schemeClr val="accent1"/>
-          </a:fillRef>
-          <a:effectRef idx="0">
-            <a:schemeClr val="accent1"/>
-          </a:effectRef>
-          <a:fontRef idx="minor">
-            <a:schemeClr val="lt1"/>
-          </a:fontRef>
-        </p:style>
-        <p:txBody>
-          <a:bodyPr rtlCol="0" anchor="ctr"/>
-          <a:lstStyle/>
-          <a:p>
-            <a:pPr algn="ctr"/>
-            <a:endParaRPr lang="en-US"/>
-          </a:p>
-        </p:txBody>
-      </p:sp>
-    </p:spTree>
-    <p:extLst>
-      <p:ext uri="{BB962C8B-B14F-4D97-AF65-F5344CB8AC3E}">
-        <p14:creationId xmlns:p14="http://schemas.microsoft.com/office/powerpoint/2010/main" val="3596075882"/>
-      </p:ext>
-    </p:extLst>
-  </p:cSld>
-  <p:clrMapOvr>
-    <a:masterClrMapping/>
-  </p:clrMapOvr>
-</p:sld>
-</file>
-
-<file path=ppt/slides/slide8.xml><?xml version="1.0" encoding="utf-8"?>
-<p:sld xmlns:a="http://schemas.openxmlformats.org/drawingml/2006/main" xmlns:r="http://schemas.openxmlformats.org/officeDocument/2006/relationships" xmlns:p="http://schemas.openxmlformats.org/presentationml/2006/main">
-  <p:cSld>
-    <p:bg>
-      <p:bgPr>
-        <a:gradFill rotWithShape="1">
-          <a:gsLst>
-            <a:gs pos="0">
-              <a:schemeClr val="bg2">
-                <a:tint val="90000"/>
-                <a:satMod val="92000"/>
-                <a:lumMod val="120000"/>
-              </a:schemeClr>
-            </a:gs>
-            <a:gs pos="100000">
-              <a:schemeClr val="bg2">
-                <a:shade val="98000"/>
-                <a:satMod val="120000"/>
-                <a:lumMod val="98000"/>
-              </a:schemeClr>
-            </a:gs>
-          </a:gsLst>
-          <a:path path="circle">
-            <a:fillToRect l="50000" t="50000" r="100000" b="100000"/>
-          </a:path>
-        </a:gradFill>
-        <a:effectLst/>
-      </p:bgPr>
-    </p:bg>
-    <p:spTree>
-      <p:nvGrpSpPr>
-        <p:cNvPr id="1" name=""/>
-        <p:cNvGrpSpPr/>
-        <p:nvPr/>
-      </p:nvGrpSpPr>
-      <p:grpSpPr>
-        <a:xfrm>
-          <a:off x="0" y="0"/>
-          <a:ext cx="0" cy="0"/>
-          <a:chOff x="0" y="0"/>
-          <a:chExt cx="0" cy="0"/>
-        </a:xfrm>
-      </p:grpSpPr>
-      <p:grpSp>
-        <p:nvGrpSpPr>
-          <p:cNvPr id="15" name="Group 14">
-            <a:extLst>
-              <a:ext uri="{FF2B5EF4-FFF2-40B4-BE49-F238E27FC236}">
-                <a16:creationId xmlns:a16="http://schemas.microsoft.com/office/drawing/2014/main" id="{EB9B5B69-A297-4D2F-8B89-529DA8A273B2}"/>
-              </a:ext>
-              <a:ext uri="{C183D7F6-B498-43B3-948B-1728B52AA6E4}">
-                <adec:decorative xmlns:adec="http://schemas.microsoft.com/office/drawing/2017/decorative" val="1"/>
-              </a:ext>
-            </a:extLst>
-          </p:cNvPr>
-          <p:cNvGrpSpPr>
-            <a:grpSpLocks noGrp="1" noUngrp="1" noRot="1" noChangeAspect="1" noMove="1" noResize="1"/>
-          </p:cNvGrpSpPr>
-          <p:nvPr>
-            <p:extLst>
-              <p:ext uri="{386F3935-93C4-4BCD-93E2-E3B085C9AB24}">
-                <p16:designElem xmlns:p16="http://schemas.microsoft.com/office/powerpoint/2015/main" val="1"/>
-              </p:ext>
-            </p:extLst>
-          </p:nvPr>
-        </p:nvGrpSpPr>
-        <p:grpSpPr>
-          <a:xfrm>
-            <a:off x="9" y="228600"/>
-            <a:ext cx="2851523" cy="6638625"/>
-            <a:chOff x="2487613" y="285750"/>
-            <a:chExt cx="2428875" cy="5654676"/>
-          </a:xfrm>
-        </p:grpSpPr>
-        <p:sp>
-          <p:nvSpPr>
-            <p:cNvPr id="16" name="Freeform 11">
-              <a:extLst>
-                <a:ext uri="{FF2B5EF4-FFF2-40B4-BE49-F238E27FC236}">
-                  <a16:creationId xmlns:a16="http://schemas.microsoft.com/office/drawing/2014/main" id="{3E39D215-BF38-4094-82D7-61DED114527F}"/>
-                </a:ext>
-                <a:ext uri="{C183D7F6-B498-43B3-948B-1728B52AA6E4}">
-                  <adec:decorative xmlns:adec="http://schemas.microsoft.com/office/drawing/2017/decorative" val="1"/>
-                </a:ext>
-              </a:extLst>
-            </p:cNvPr>
-            <p:cNvSpPr/>
-            <p:nvPr>
-              <p:extLst>
-                <p:ext uri="{386F3935-93C4-4BCD-93E2-E3B085C9AB24}">
-                  <p16:designElem xmlns:p16="http://schemas.microsoft.com/office/powerpoint/2015/main" val="1"/>
-                </p:ext>
-              </p:extLst>
-            </p:nvPr>
-          </p:nvSpPr>
-          <p:spPr bwMode="auto">
-            <a:xfrm>
-              <a:off x="2487613" y="2284413"/>
-              <a:ext cx="85725" cy="533400"/>
-            </a:xfrm>
-            <a:custGeom>
-              <a:avLst/>
-              <a:gdLst/>
-              <a:ahLst/>
-              <a:cxnLst/>
-              <a:rect l="0" t="0" r="r" b="b"/>
-              <a:pathLst>
-                <a:path w="22" h="136">
-                  <a:moveTo>
-                    <a:pt x="22" y="136"/>
-                  </a:moveTo>
-                  <a:cubicBezTo>
-                    <a:pt x="20" y="117"/>
-                    <a:pt x="19" y="99"/>
-                    <a:pt x="17" y="80"/>
-                  </a:cubicBezTo>
-                  <a:cubicBezTo>
-                    <a:pt x="11" y="54"/>
-                    <a:pt x="6" y="27"/>
-                    <a:pt x="0" y="0"/>
-                  </a:cubicBezTo>
-                  <a:cubicBezTo>
-                    <a:pt x="0" y="35"/>
-                    <a:pt x="0" y="35"/>
-                    <a:pt x="0" y="35"/>
-                  </a:cubicBezTo>
-                  <a:cubicBezTo>
-                    <a:pt x="6" y="64"/>
-                    <a:pt x="13" y="94"/>
-                    <a:pt x="20" y="124"/>
-                  </a:cubicBezTo>
-                  <a:cubicBezTo>
-                    <a:pt x="20" y="128"/>
-                    <a:pt x="21" y="132"/>
-                    <a:pt x="22" y="136"/>
-                  </a:cubicBezTo>
-                  <a:close/>
-                </a:path>
-              </a:pathLst>
-            </a:custGeom>
-            <a:solidFill>
-              <a:schemeClr val="tx2">
-                <a:alpha val="20000"/>
-              </a:schemeClr>
-            </a:solidFill>
-            <a:ln>
-              <a:noFill/>
-            </a:ln>
-          </p:spPr>
-        </p:sp>
-        <p:sp>
-          <p:nvSpPr>
-            <p:cNvPr id="17" name="Freeform 12">
-              <a:extLst>
-                <a:ext uri="{FF2B5EF4-FFF2-40B4-BE49-F238E27FC236}">
-                  <a16:creationId xmlns:a16="http://schemas.microsoft.com/office/drawing/2014/main" id="{7412700A-91C4-4126-8F17-3B9449DBB38D}"/>
-                </a:ext>
-                <a:ext uri="{C183D7F6-B498-43B3-948B-1728B52AA6E4}">
-                  <adec:decorative xmlns:adec="http://schemas.microsoft.com/office/drawing/2017/decorative" val="1"/>
-                </a:ext>
-              </a:extLst>
-            </p:cNvPr>
-            <p:cNvSpPr/>
-            <p:nvPr>
-              <p:extLst>
-                <p:ext uri="{386F3935-93C4-4BCD-93E2-E3B085C9AB24}">
-                  <p16:designElem xmlns:p16="http://schemas.microsoft.com/office/powerpoint/2015/main" val="1"/>
-                </p:ext>
-              </p:extLst>
-            </p:nvPr>
-          </p:nvSpPr>
-          <p:spPr bwMode="auto">
-            <a:xfrm>
-              <a:off x="2597151" y="2779713"/>
-              <a:ext cx="550863" cy="1978025"/>
-            </a:xfrm>
-            <a:custGeom>
-              <a:avLst/>
-              <a:gdLst/>
-              <a:ahLst/>
-              <a:cxnLst/>
-              <a:rect l="0" t="0" r="r" b="b"/>
-              <a:pathLst>
-                <a:path w="140" h="504">
-                  <a:moveTo>
-                    <a:pt x="86" y="350"/>
-                  </a:moveTo>
-                  <a:cubicBezTo>
-                    <a:pt x="103" y="402"/>
-                    <a:pt x="120" y="453"/>
-                    <a:pt x="139" y="504"/>
-                  </a:cubicBezTo>
-                  <a:cubicBezTo>
-                    <a:pt x="139" y="495"/>
-                    <a:pt x="139" y="487"/>
-                    <a:pt x="140" y="478"/>
-                  </a:cubicBezTo>
-                  <a:cubicBezTo>
-                    <a:pt x="124" y="435"/>
-                    <a:pt x="109" y="391"/>
-                    <a:pt x="95" y="347"/>
-                  </a:cubicBezTo>
-                  <a:cubicBezTo>
-                    <a:pt x="58" y="233"/>
-                    <a:pt x="27" y="117"/>
-                    <a:pt x="0" y="0"/>
-                  </a:cubicBezTo>
-                  <a:cubicBezTo>
-                    <a:pt x="2" y="20"/>
-                    <a:pt x="4" y="41"/>
-                    <a:pt x="6" y="61"/>
-                  </a:cubicBezTo>
-                  <a:cubicBezTo>
-                    <a:pt x="30" y="158"/>
-                    <a:pt x="56" y="255"/>
-                    <a:pt x="86" y="350"/>
-                  </a:cubicBezTo>
-                  <a:close/>
-                </a:path>
-              </a:pathLst>
-            </a:custGeom>
-            <a:solidFill>
-              <a:schemeClr val="tx2">
-                <a:alpha val="20000"/>
-              </a:schemeClr>
-            </a:solidFill>
-            <a:ln>
-              <a:noFill/>
-            </a:ln>
-          </p:spPr>
-        </p:sp>
-        <p:sp>
-          <p:nvSpPr>
-            <p:cNvPr id="18" name="Freeform 13">
-              <a:extLst>
-                <a:ext uri="{FF2B5EF4-FFF2-40B4-BE49-F238E27FC236}">
-                  <a16:creationId xmlns:a16="http://schemas.microsoft.com/office/drawing/2014/main" id="{DF985802-25A8-4B99-89F0-2A42EC325FE3}"/>
-                </a:ext>
-                <a:ext uri="{C183D7F6-B498-43B3-948B-1728B52AA6E4}">
-                  <adec:decorative xmlns:adec="http://schemas.microsoft.com/office/drawing/2017/decorative" val="1"/>
-                </a:ext>
-              </a:extLst>
-            </p:cNvPr>
-            <p:cNvSpPr/>
-            <p:nvPr>
-              <p:extLst>
-                <p:ext uri="{386F3935-93C4-4BCD-93E2-E3B085C9AB24}">
-                  <p16:designElem xmlns:p16="http://schemas.microsoft.com/office/powerpoint/2015/main" val="1"/>
-                </p:ext>
-              </p:extLst>
-            </p:nvPr>
-          </p:nvSpPr>
-          <p:spPr bwMode="auto">
-            <a:xfrm>
-              <a:off x="3175001" y="4730750"/>
-              <a:ext cx="519113" cy="1209675"/>
-            </a:xfrm>
-            <a:custGeom>
-              <a:avLst/>
-              <a:gdLst/>
-              <a:ahLst/>
-              <a:cxnLst/>
-              <a:rect l="0" t="0" r="r" b="b"/>
-              <a:pathLst>
-                <a:path w="132" h="308">
-                  <a:moveTo>
-                    <a:pt x="8" y="22"/>
-                  </a:moveTo>
-                  <a:cubicBezTo>
-                    <a:pt x="5" y="15"/>
-                    <a:pt x="2" y="8"/>
-                    <a:pt x="0" y="0"/>
-                  </a:cubicBezTo>
-                  <a:cubicBezTo>
-                    <a:pt x="0" y="10"/>
-                    <a:pt x="0" y="19"/>
-                    <a:pt x="0" y="29"/>
-                  </a:cubicBezTo>
-                  <a:cubicBezTo>
-                    <a:pt x="21" y="85"/>
-                    <a:pt x="44" y="140"/>
-                    <a:pt x="68" y="194"/>
-                  </a:cubicBezTo>
-                  <a:cubicBezTo>
-                    <a:pt x="85" y="232"/>
-                    <a:pt x="104" y="270"/>
-                    <a:pt x="123" y="308"/>
-                  </a:cubicBezTo>
-                  <a:cubicBezTo>
-                    <a:pt x="132" y="308"/>
-                    <a:pt x="132" y="308"/>
-                    <a:pt x="132" y="308"/>
-                  </a:cubicBezTo>
-                  <a:cubicBezTo>
-                    <a:pt x="113" y="269"/>
-                    <a:pt x="94" y="230"/>
-                    <a:pt x="77" y="190"/>
-                  </a:cubicBezTo>
-                  <a:cubicBezTo>
-                    <a:pt x="52" y="135"/>
-                    <a:pt x="29" y="79"/>
-                    <a:pt x="8" y="22"/>
-                  </a:cubicBezTo>
-                  <a:close/>
-                </a:path>
-              </a:pathLst>
-            </a:custGeom>
-            <a:solidFill>
-              <a:schemeClr val="tx2">
-                <a:alpha val="20000"/>
-              </a:schemeClr>
-            </a:solidFill>
-            <a:ln>
-              <a:noFill/>
-            </a:ln>
-          </p:spPr>
-        </p:sp>
-        <p:sp>
-          <p:nvSpPr>
-            <p:cNvPr id="19" name="Freeform 14">
-              <a:extLst>
-                <a:ext uri="{FF2B5EF4-FFF2-40B4-BE49-F238E27FC236}">
-                  <a16:creationId xmlns:a16="http://schemas.microsoft.com/office/drawing/2014/main" id="{F54C35AF-DB92-4205-A779-2A385B71433A}"/>
-                </a:ext>
-                <a:ext uri="{C183D7F6-B498-43B3-948B-1728B52AA6E4}">
-                  <adec:decorative xmlns:adec="http://schemas.microsoft.com/office/drawing/2017/decorative" val="1"/>
-                </a:ext>
-              </a:extLst>
-            </p:cNvPr>
-            <p:cNvSpPr/>
-            <p:nvPr>
-              <p:extLst>
-                <p:ext uri="{386F3935-93C4-4BCD-93E2-E3B085C9AB24}">
-                  <p16:designElem xmlns:p16="http://schemas.microsoft.com/office/powerpoint/2015/main" val="1"/>
-                </p:ext>
-              </p:extLst>
-            </p:nvPr>
-          </p:nvSpPr>
-          <p:spPr bwMode="auto">
-            <a:xfrm>
-              <a:off x="3305176" y="5630863"/>
-              <a:ext cx="146050" cy="309563"/>
-            </a:xfrm>
-            <a:custGeom>
-              <a:avLst/>
-              <a:gdLst/>
-              <a:ahLst/>
-              <a:cxnLst/>
-              <a:rect l="0" t="0" r="r" b="b"/>
-              <a:pathLst>
-                <a:path w="37" h="79">
-                  <a:moveTo>
-                    <a:pt x="28" y="79"/>
-                  </a:moveTo>
-                  <a:cubicBezTo>
-                    <a:pt x="37" y="79"/>
-                    <a:pt x="37" y="79"/>
-                    <a:pt x="37" y="79"/>
-                  </a:cubicBezTo>
-                  <a:cubicBezTo>
-                    <a:pt x="24" y="53"/>
-                    <a:pt x="12" y="27"/>
-                    <a:pt x="0" y="0"/>
-                  </a:cubicBezTo>
-                  <a:cubicBezTo>
-                    <a:pt x="8" y="27"/>
-                    <a:pt x="17" y="53"/>
-                    <a:pt x="28" y="79"/>
-                  </a:cubicBezTo>
-                  <a:close/>
-                </a:path>
-              </a:pathLst>
-            </a:custGeom>
-            <a:solidFill>
-              <a:schemeClr val="tx2">
-                <a:alpha val="20000"/>
-              </a:schemeClr>
-            </a:solidFill>
-            <a:ln>
-              <a:noFill/>
-            </a:ln>
-          </p:spPr>
-        </p:sp>
-        <p:sp>
-          <p:nvSpPr>
-            <p:cNvPr id="20" name="Freeform 15">
-              <a:extLst>
-                <a:ext uri="{FF2B5EF4-FFF2-40B4-BE49-F238E27FC236}">
-                  <a16:creationId xmlns:a16="http://schemas.microsoft.com/office/drawing/2014/main" id="{9F845211-1F53-4E0A-891E-B78A206F078F}"/>
-                </a:ext>
-                <a:ext uri="{C183D7F6-B498-43B3-948B-1728B52AA6E4}">
-                  <adec:decorative xmlns:adec="http://schemas.microsoft.com/office/drawing/2017/decorative" val="1"/>
-                </a:ext>
-              </a:extLst>
-            </p:cNvPr>
-            <p:cNvSpPr/>
-            <p:nvPr>
-              <p:extLst>
-                <p:ext uri="{386F3935-93C4-4BCD-93E2-E3B085C9AB24}">
-                  <p16:designElem xmlns:p16="http://schemas.microsoft.com/office/powerpoint/2015/main" val="1"/>
-                </p:ext>
-              </p:extLst>
-            </p:nvPr>
-          </p:nvSpPr>
-          <p:spPr bwMode="auto">
-            <a:xfrm>
-              <a:off x="2573338" y="2817813"/>
-              <a:ext cx="700088" cy="2835275"/>
-            </a:xfrm>
-            <a:custGeom>
-              <a:avLst/>
-              <a:gdLst/>
-              <a:ahLst/>
-              <a:cxnLst/>
-              <a:rect l="0" t="0" r="r" b="b"/>
-              <a:pathLst>
-                <a:path w="178" h="722">
-                  <a:moveTo>
-                    <a:pt x="162" y="660"/>
-                  </a:moveTo>
-                  <a:cubicBezTo>
-                    <a:pt x="145" y="618"/>
-                    <a:pt x="130" y="576"/>
-                    <a:pt x="116" y="534"/>
-                  </a:cubicBezTo>
-                  <a:cubicBezTo>
-                    <a:pt x="84" y="437"/>
-                    <a:pt x="59" y="337"/>
-                    <a:pt x="40" y="236"/>
-                  </a:cubicBezTo>
-                  <a:cubicBezTo>
-                    <a:pt x="29" y="175"/>
-                    <a:pt x="20" y="113"/>
-                    <a:pt x="12" y="51"/>
-                  </a:cubicBezTo>
-                  <a:cubicBezTo>
-                    <a:pt x="8" y="34"/>
-                    <a:pt x="4" y="17"/>
-                    <a:pt x="0" y="0"/>
-                  </a:cubicBezTo>
-                  <a:cubicBezTo>
-                    <a:pt x="8" y="79"/>
-                    <a:pt x="19" y="159"/>
-                    <a:pt x="33" y="237"/>
-                  </a:cubicBezTo>
-                  <a:cubicBezTo>
-                    <a:pt x="51" y="339"/>
-                    <a:pt x="76" y="439"/>
-                    <a:pt x="107" y="537"/>
-                  </a:cubicBezTo>
-                  <a:cubicBezTo>
-                    <a:pt x="123" y="586"/>
-                    <a:pt x="141" y="634"/>
-                    <a:pt x="160" y="681"/>
-                  </a:cubicBezTo>
-                  <a:cubicBezTo>
-                    <a:pt x="166" y="695"/>
-                    <a:pt x="172" y="708"/>
-                    <a:pt x="178" y="722"/>
-                  </a:cubicBezTo>
-                  <a:cubicBezTo>
-                    <a:pt x="176" y="717"/>
-                    <a:pt x="175" y="713"/>
-                    <a:pt x="174" y="708"/>
-                  </a:cubicBezTo>
-                  <a:cubicBezTo>
-                    <a:pt x="169" y="692"/>
-                    <a:pt x="165" y="676"/>
-                    <a:pt x="162" y="660"/>
-                  </a:cubicBezTo>
-                  <a:close/>
-                </a:path>
-              </a:pathLst>
-            </a:custGeom>
-            <a:solidFill>
-              <a:schemeClr val="tx2">
-                <a:alpha val="20000"/>
-              </a:schemeClr>
-            </a:solidFill>
-            <a:ln>
-              <a:noFill/>
-            </a:ln>
-          </p:spPr>
-        </p:sp>
-        <p:sp>
-          <p:nvSpPr>
-            <p:cNvPr id="21" name="Freeform 16">
-              <a:extLst>
-                <a:ext uri="{FF2B5EF4-FFF2-40B4-BE49-F238E27FC236}">
-                  <a16:creationId xmlns:a16="http://schemas.microsoft.com/office/drawing/2014/main" id="{9149C7DD-9998-4805-BFC8-CEF5F5DF31AD}"/>
-                </a:ext>
-                <a:ext uri="{C183D7F6-B498-43B3-948B-1728B52AA6E4}">
-                  <adec:decorative xmlns:adec="http://schemas.microsoft.com/office/drawing/2017/decorative" val="1"/>
-                </a:ext>
-              </a:extLst>
-            </p:cNvPr>
-            <p:cNvSpPr/>
-            <p:nvPr>
-              <p:extLst>
-                <p:ext uri="{386F3935-93C4-4BCD-93E2-E3B085C9AB24}">
-                  <p16:designElem xmlns:p16="http://schemas.microsoft.com/office/powerpoint/2015/main" val="1"/>
-                </p:ext>
-              </p:extLst>
-            </p:nvPr>
-          </p:nvSpPr>
-          <p:spPr bwMode="auto">
-            <a:xfrm>
-              <a:off x="2506663" y="285750"/>
-              <a:ext cx="90488" cy="2493963"/>
-            </a:xfrm>
-            <a:custGeom>
-              <a:avLst/>
-              <a:gdLst/>
-              <a:ahLst/>
-              <a:cxnLst/>
-              <a:rect l="0" t="0" r="r" b="b"/>
-              <a:pathLst>
-                <a:path w="23" h="635">
-                  <a:moveTo>
-                    <a:pt x="11" y="577"/>
-                  </a:moveTo>
-                  <a:cubicBezTo>
-                    <a:pt x="12" y="581"/>
-                    <a:pt x="12" y="585"/>
-                    <a:pt x="12" y="589"/>
-                  </a:cubicBezTo>
-                  <a:cubicBezTo>
-                    <a:pt x="15" y="603"/>
-                    <a:pt x="19" y="617"/>
-                    <a:pt x="22" y="632"/>
-                  </a:cubicBezTo>
-                  <a:cubicBezTo>
-                    <a:pt x="22" y="633"/>
-                    <a:pt x="22" y="634"/>
-                    <a:pt x="23" y="635"/>
-                  </a:cubicBezTo>
-                  <a:cubicBezTo>
-                    <a:pt x="21" y="615"/>
-                    <a:pt x="19" y="596"/>
-                    <a:pt x="17" y="576"/>
-                  </a:cubicBezTo>
-                  <a:cubicBezTo>
-                    <a:pt x="9" y="474"/>
-                    <a:pt x="5" y="372"/>
-                    <a:pt x="5" y="269"/>
-                  </a:cubicBezTo>
-                  <a:cubicBezTo>
-                    <a:pt x="6" y="179"/>
-                    <a:pt x="9" y="90"/>
-                    <a:pt x="15" y="0"/>
-                  </a:cubicBezTo>
-                  <a:cubicBezTo>
-                    <a:pt x="12" y="0"/>
-                    <a:pt x="12" y="0"/>
-                    <a:pt x="12" y="0"/>
-                  </a:cubicBezTo>
-                  <a:cubicBezTo>
-                    <a:pt x="5" y="89"/>
-                    <a:pt x="2" y="179"/>
-                    <a:pt x="1" y="269"/>
-                  </a:cubicBezTo>
-                  <a:cubicBezTo>
-                    <a:pt x="0" y="372"/>
-                    <a:pt x="3" y="474"/>
-                    <a:pt x="11" y="577"/>
-                  </a:cubicBezTo>
-                  <a:close/>
-                </a:path>
-              </a:pathLst>
-            </a:custGeom>
-            <a:solidFill>
-              <a:schemeClr val="tx2">
-                <a:alpha val="20000"/>
-              </a:schemeClr>
-            </a:solidFill>
-            <a:ln>
-              <a:noFill/>
-            </a:ln>
-          </p:spPr>
-        </p:sp>
-        <p:sp>
-          <p:nvSpPr>
-            <p:cNvPr id="22" name="Freeform 17">
-              <a:extLst>
-                <a:ext uri="{FF2B5EF4-FFF2-40B4-BE49-F238E27FC236}">
-                  <a16:creationId xmlns:a16="http://schemas.microsoft.com/office/drawing/2014/main" id="{47C8036D-3ECA-43DA-BAF5-3C65CF4112FA}"/>
-                </a:ext>
-                <a:ext uri="{C183D7F6-B498-43B3-948B-1728B52AA6E4}">
-                  <adec:decorative xmlns:adec="http://schemas.microsoft.com/office/drawing/2017/decorative" val="1"/>
-                </a:ext>
-              </a:extLst>
-            </p:cNvPr>
-            <p:cNvSpPr/>
-            <p:nvPr>
-              <p:extLst>
-                <p:ext uri="{386F3935-93C4-4BCD-93E2-E3B085C9AB24}">
-                  <p16:designElem xmlns:p16="http://schemas.microsoft.com/office/powerpoint/2015/main" val="1"/>
-                </p:ext>
-              </p:extLst>
-            </p:nvPr>
-          </p:nvSpPr>
-          <p:spPr bwMode="auto">
-            <a:xfrm>
-              <a:off x="2554288" y="2598738"/>
-              <a:ext cx="66675" cy="420688"/>
-            </a:xfrm>
-            <a:custGeom>
-              <a:avLst/>
-              <a:gdLst/>
-              <a:ahLst/>
-              <a:cxnLst/>
-              <a:rect l="0" t="0" r="r" b="b"/>
-              <a:pathLst>
-                <a:path w="17" h="107">
-                  <a:moveTo>
-                    <a:pt x="0" y="0"/>
-                  </a:moveTo>
-                  <a:cubicBezTo>
-                    <a:pt x="2" y="19"/>
-                    <a:pt x="3" y="37"/>
-                    <a:pt x="5" y="56"/>
-                  </a:cubicBezTo>
-                  <a:cubicBezTo>
-                    <a:pt x="9" y="73"/>
-                    <a:pt x="13" y="90"/>
-                    <a:pt x="17" y="107"/>
-                  </a:cubicBezTo>
-                  <a:cubicBezTo>
-                    <a:pt x="15" y="87"/>
-                    <a:pt x="13" y="66"/>
-                    <a:pt x="11" y="46"/>
-                  </a:cubicBezTo>
-                  <a:cubicBezTo>
-                    <a:pt x="10" y="45"/>
-                    <a:pt x="10" y="44"/>
-                    <a:pt x="10" y="43"/>
-                  </a:cubicBezTo>
-                  <a:cubicBezTo>
-                    <a:pt x="7" y="28"/>
-                    <a:pt x="3" y="14"/>
-                    <a:pt x="0" y="0"/>
-                  </a:cubicBezTo>
-                  <a:close/>
-                </a:path>
-              </a:pathLst>
-            </a:custGeom>
-            <a:solidFill>
-              <a:schemeClr val="tx2">
-                <a:alpha val="20000"/>
-              </a:schemeClr>
-            </a:solidFill>
-            <a:ln>
-              <a:noFill/>
-            </a:ln>
-          </p:spPr>
-        </p:sp>
-        <p:sp>
-          <p:nvSpPr>
-            <p:cNvPr id="23" name="Freeform 18">
-              <a:extLst>
-                <a:ext uri="{FF2B5EF4-FFF2-40B4-BE49-F238E27FC236}">
-                  <a16:creationId xmlns:a16="http://schemas.microsoft.com/office/drawing/2014/main" id="{29C15912-CDE8-4DF3-9324-273FB4C86DC1}"/>
-                </a:ext>
-                <a:ext uri="{C183D7F6-B498-43B3-948B-1728B52AA6E4}">
-                  <adec:decorative xmlns:adec="http://schemas.microsoft.com/office/drawing/2017/decorative" val="1"/>
-                </a:ext>
-              </a:extLst>
-            </p:cNvPr>
-            <p:cNvSpPr/>
-            <p:nvPr>
-              <p:extLst>
-                <p:ext uri="{386F3935-93C4-4BCD-93E2-E3B085C9AB24}">
-                  <p16:designElem xmlns:p16="http://schemas.microsoft.com/office/powerpoint/2015/main" val="1"/>
-                </p:ext>
-              </p:extLst>
-            </p:nvPr>
-          </p:nvSpPr>
-          <p:spPr bwMode="auto">
-            <a:xfrm>
-              <a:off x="3143251" y="4757738"/>
-              <a:ext cx="161925" cy="873125"/>
-            </a:xfrm>
-            <a:custGeom>
-              <a:avLst/>
-              <a:gdLst/>
-              <a:ahLst/>
-              <a:cxnLst/>
-              <a:rect l="0" t="0" r="r" b="b"/>
-              <a:pathLst>
-                <a:path w="41" h="222">
-                  <a:moveTo>
-                    <a:pt x="0" y="0"/>
-                  </a:moveTo>
-                  <a:cubicBezTo>
-                    <a:pt x="0" y="31"/>
-                    <a:pt x="2" y="62"/>
-                    <a:pt x="5" y="93"/>
-                  </a:cubicBezTo>
-                  <a:cubicBezTo>
-                    <a:pt x="8" y="117"/>
-                    <a:pt x="12" y="142"/>
-                    <a:pt x="17" y="166"/>
-                  </a:cubicBezTo>
-                  <a:cubicBezTo>
-                    <a:pt x="19" y="172"/>
-                    <a:pt x="22" y="178"/>
-                    <a:pt x="24" y="184"/>
-                  </a:cubicBezTo>
-                  <a:cubicBezTo>
-                    <a:pt x="30" y="197"/>
-                    <a:pt x="35" y="209"/>
-                    <a:pt x="41" y="222"/>
-                  </a:cubicBezTo>
-                  <a:cubicBezTo>
-                    <a:pt x="40" y="219"/>
-                    <a:pt x="39" y="215"/>
-                    <a:pt x="38" y="212"/>
-                  </a:cubicBezTo>
-                  <a:cubicBezTo>
-                    <a:pt x="26" y="172"/>
-                    <a:pt x="18" y="132"/>
-                    <a:pt x="13" y="92"/>
-                  </a:cubicBezTo>
-                  <a:cubicBezTo>
-                    <a:pt x="11" y="68"/>
-                    <a:pt x="9" y="45"/>
-                    <a:pt x="8" y="22"/>
-                  </a:cubicBezTo>
-                  <a:cubicBezTo>
-                    <a:pt x="8" y="21"/>
-                    <a:pt x="7" y="20"/>
-                    <a:pt x="7" y="18"/>
-                  </a:cubicBezTo>
-                  <a:cubicBezTo>
-                    <a:pt x="5" y="12"/>
-                    <a:pt x="2" y="6"/>
-                    <a:pt x="0" y="0"/>
-                  </a:cubicBezTo>
-                  <a:close/>
-                </a:path>
-              </a:pathLst>
-            </a:custGeom>
-            <a:solidFill>
-              <a:schemeClr val="tx2">
-                <a:alpha val="20000"/>
-              </a:schemeClr>
-            </a:solidFill>
-            <a:ln>
-              <a:noFill/>
-            </a:ln>
-          </p:spPr>
-        </p:sp>
-        <p:sp>
-          <p:nvSpPr>
-            <p:cNvPr id="24" name="Freeform 19">
-              <a:extLst>
-                <a:ext uri="{FF2B5EF4-FFF2-40B4-BE49-F238E27FC236}">
-                  <a16:creationId xmlns:a16="http://schemas.microsoft.com/office/drawing/2014/main" id="{37C68D51-B7DA-4572-AB7E-708540B3C66A}"/>
-                </a:ext>
-                <a:ext uri="{C183D7F6-B498-43B3-948B-1728B52AA6E4}">
-                  <adec:decorative xmlns:adec="http://schemas.microsoft.com/office/drawing/2017/decorative" val="1"/>
-                </a:ext>
-              </a:extLst>
-            </p:cNvPr>
-            <p:cNvSpPr/>
-            <p:nvPr>
-              <p:extLst>
-                <p:ext uri="{386F3935-93C4-4BCD-93E2-E3B085C9AB24}">
-                  <p16:designElem xmlns:p16="http://schemas.microsoft.com/office/powerpoint/2015/main" val="1"/>
-                </p:ext>
-              </p:extLst>
-            </p:nvPr>
-          </p:nvSpPr>
-          <p:spPr bwMode="auto">
-            <a:xfrm>
-              <a:off x="3148013" y="1282700"/>
-              <a:ext cx="1768475" cy="3448050"/>
-            </a:xfrm>
-            <a:custGeom>
-              <a:avLst/>
-              <a:gdLst/>
-              <a:ahLst/>
-              <a:cxnLst/>
-              <a:rect l="0" t="0" r="r" b="b"/>
-              <a:pathLst>
-                <a:path w="450" h="878">
-                  <a:moveTo>
-                    <a:pt x="7" y="854"/>
-                  </a:moveTo>
-                  <a:cubicBezTo>
-                    <a:pt x="10" y="772"/>
-                    <a:pt x="26" y="691"/>
-                    <a:pt x="50" y="613"/>
-                  </a:cubicBezTo>
-                  <a:cubicBezTo>
-                    <a:pt x="75" y="535"/>
-                    <a:pt x="109" y="460"/>
-                    <a:pt x="149" y="388"/>
-                  </a:cubicBezTo>
-                  <a:cubicBezTo>
-                    <a:pt x="189" y="316"/>
-                    <a:pt x="235" y="248"/>
-                    <a:pt x="285" y="183"/>
-                  </a:cubicBezTo>
-                  <a:cubicBezTo>
-                    <a:pt x="310" y="151"/>
-                    <a:pt x="337" y="119"/>
-                    <a:pt x="364" y="89"/>
-                  </a:cubicBezTo>
-                  <a:cubicBezTo>
-                    <a:pt x="378" y="74"/>
-                    <a:pt x="392" y="58"/>
-                    <a:pt x="406" y="44"/>
-                  </a:cubicBezTo>
-                  <a:cubicBezTo>
-                    <a:pt x="421" y="29"/>
-                    <a:pt x="435" y="15"/>
-                    <a:pt x="450" y="1"/>
-                  </a:cubicBezTo>
-                  <a:cubicBezTo>
-                    <a:pt x="450" y="0"/>
-                    <a:pt x="450" y="0"/>
-                    <a:pt x="450" y="0"/>
-                  </a:cubicBezTo>
-                  <a:cubicBezTo>
-                    <a:pt x="434" y="14"/>
-                    <a:pt x="420" y="28"/>
-                    <a:pt x="405" y="43"/>
-                  </a:cubicBezTo>
-                  <a:cubicBezTo>
-                    <a:pt x="391" y="57"/>
-                    <a:pt x="377" y="72"/>
-                    <a:pt x="363" y="88"/>
-                  </a:cubicBezTo>
-                  <a:cubicBezTo>
-                    <a:pt x="335" y="118"/>
-                    <a:pt x="308" y="149"/>
-                    <a:pt x="283" y="181"/>
-                  </a:cubicBezTo>
-                  <a:cubicBezTo>
-                    <a:pt x="232" y="246"/>
-                    <a:pt x="185" y="314"/>
-                    <a:pt x="145" y="386"/>
-                  </a:cubicBezTo>
-                  <a:cubicBezTo>
-                    <a:pt x="104" y="457"/>
-                    <a:pt x="70" y="533"/>
-                    <a:pt x="45" y="611"/>
-                  </a:cubicBezTo>
-                  <a:cubicBezTo>
-                    <a:pt x="19" y="690"/>
-                    <a:pt x="3" y="771"/>
-                    <a:pt x="0" y="854"/>
-                  </a:cubicBezTo>
-                  <a:cubicBezTo>
-                    <a:pt x="0" y="856"/>
-                    <a:pt x="0" y="857"/>
-                    <a:pt x="0" y="859"/>
-                  </a:cubicBezTo>
-                  <a:cubicBezTo>
-                    <a:pt x="2" y="865"/>
-                    <a:pt x="4" y="872"/>
-                    <a:pt x="7" y="878"/>
-                  </a:cubicBezTo>
-                  <a:cubicBezTo>
-                    <a:pt x="7" y="870"/>
-                    <a:pt x="7" y="862"/>
-                    <a:pt x="7" y="854"/>
-                  </a:cubicBezTo>
-                  <a:close/>
-                </a:path>
-              </a:pathLst>
-            </a:custGeom>
-            <a:solidFill>
-              <a:schemeClr val="tx2">
-                <a:alpha val="20000"/>
-              </a:schemeClr>
-            </a:solidFill>
-            <a:ln>
-              <a:noFill/>
-            </a:ln>
-          </p:spPr>
-        </p:sp>
-        <p:sp>
-          <p:nvSpPr>
-            <p:cNvPr id="25" name="Freeform 20">
-              <a:extLst>
-                <a:ext uri="{FF2B5EF4-FFF2-40B4-BE49-F238E27FC236}">
-                  <a16:creationId xmlns:a16="http://schemas.microsoft.com/office/drawing/2014/main" id="{1AF802CB-4E9E-4895-9363-C119914909A0}"/>
-                </a:ext>
-                <a:ext uri="{C183D7F6-B498-43B3-948B-1728B52AA6E4}">
-                  <adec:decorative xmlns:adec="http://schemas.microsoft.com/office/drawing/2017/decorative" val="1"/>
-                </a:ext>
-              </a:extLst>
-            </p:cNvPr>
-            <p:cNvSpPr/>
-            <p:nvPr>
-              <p:extLst>
-                <p:ext uri="{386F3935-93C4-4BCD-93E2-E3B085C9AB24}">
-                  <p16:designElem xmlns:p16="http://schemas.microsoft.com/office/powerpoint/2015/main" val="1"/>
-                </p:ext>
-              </p:extLst>
-            </p:nvPr>
-          </p:nvSpPr>
-          <p:spPr bwMode="auto">
-            <a:xfrm>
-              <a:off x="3273426" y="5653088"/>
-              <a:ext cx="138113" cy="287338"/>
-            </a:xfrm>
-            <a:custGeom>
-              <a:avLst/>
-              <a:gdLst/>
-              <a:ahLst/>
-              <a:cxnLst/>
-              <a:rect l="0" t="0" r="r" b="b"/>
-              <a:pathLst>
-                <a:path w="35" h="73">
-                  <a:moveTo>
-                    <a:pt x="0" y="0"/>
-                  </a:moveTo>
-                  <a:cubicBezTo>
-                    <a:pt x="7" y="24"/>
-                    <a:pt x="16" y="49"/>
-                    <a:pt x="26" y="73"/>
-                  </a:cubicBezTo>
-                  <a:cubicBezTo>
-                    <a:pt x="35" y="73"/>
-                    <a:pt x="35" y="73"/>
-                    <a:pt x="35" y="73"/>
-                  </a:cubicBezTo>
-                  <a:cubicBezTo>
-                    <a:pt x="23" y="49"/>
-                    <a:pt x="11" y="24"/>
-                    <a:pt x="0" y="0"/>
-                  </a:cubicBezTo>
-                  <a:close/>
-                </a:path>
-              </a:pathLst>
-            </a:custGeom>
-            <a:solidFill>
-              <a:schemeClr val="tx2">
-                <a:alpha val="20000"/>
-              </a:schemeClr>
-            </a:solidFill>
-            <a:ln>
-              <a:noFill/>
-            </a:ln>
-          </p:spPr>
-        </p:sp>
-        <p:sp>
-          <p:nvSpPr>
-            <p:cNvPr id="26" name="Freeform 21">
-              <a:extLst>
-                <a:ext uri="{FF2B5EF4-FFF2-40B4-BE49-F238E27FC236}">
-                  <a16:creationId xmlns:a16="http://schemas.microsoft.com/office/drawing/2014/main" id="{615760E5-5F27-4735-B01C-78E05F3FBB56}"/>
-                </a:ext>
-                <a:ext uri="{C183D7F6-B498-43B3-948B-1728B52AA6E4}">
-                  <adec:decorative xmlns:adec="http://schemas.microsoft.com/office/drawing/2017/decorative" val="1"/>
-                </a:ext>
-              </a:extLst>
-            </p:cNvPr>
-            <p:cNvSpPr/>
-            <p:nvPr>
-              <p:extLst>
-                <p:ext uri="{386F3935-93C4-4BCD-93E2-E3B085C9AB24}">
-                  <p16:designElem xmlns:p16="http://schemas.microsoft.com/office/powerpoint/2015/main" val="1"/>
-                </p:ext>
-              </p:extLst>
-            </p:nvPr>
-          </p:nvSpPr>
-          <p:spPr bwMode="auto">
-            <a:xfrm>
-              <a:off x="3143251" y="4656138"/>
-              <a:ext cx="31750" cy="188913"/>
-            </a:xfrm>
-            <a:custGeom>
-              <a:avLst/>
-              <a:gdLst/>
-              <a:ahLst/>
-              <a:cxnLst/>
-              <a:rect l="0" t="0" r="r" b="b"/>
-              <a:pathLst>
-                <a:path w="8" h="48">
-                  <a:moveTo>
-                    <a:pt x="7" y="44"/>
-                  </a:moveTo>
-                  <a:cubicBezTo>
-                    <a:pt x="7" y="46"/>
-                    <a:pt x="8" y="47"/>
-                    <a:pt x="8" y="48"/>
-                  </a:cubicBezTo>
-                  <a:cubicBezTo>
-                    <a:pt x="8" y="38"/>
-                    <a:pt x="8" y="29"/>
-                    <a:pt x="8" y="19"/>
-                  </a:cubicBezTo>
-                  <a:cubicBezTo>
-                    <a:pt x="5" y="13"/>
-                    <a:pt x="3" y="6"/>
-                    <a:pt x="1" y="0"/>
-                  </a:cubicBezTo>
-                  <a:cubicBezTo>
-                    <a:pt x="0" y="9"/>
-                    <a:pt x="0" y="17"/>
-                    <a:pt x="0" y="26"/>
-                  </a:cubicBezTo>
-                  <a:cubicBezTo>
-                    <a:pt x="2" y="32"/>
-                    <a:pt x="5" y="38"/>
-                    <a:pt x="7" y="44"/>
-                  </a:cubicBezTo>
-                  <a:close/>
-                </a:path>
-              </a:pathLst>
-            </a:custGeom>
-            <a:solidFill>
-              <a:schemeClr val="tx2">
-                <a:alpha val="20000"/>
-              </a:schemeClr>
-            </a:solidFill>
-            <a:ln>
-              <a:noFill/>
-            </a:ln>
-          </p:spPr>
-        </p:sp>
-        <p:sp>
-          <p:nvSpPr>
-            <p:cNvPr id="27" name="Freeform 22">
-              <a:extLst>
-                <a:ext uri="{FF2B5EF4-FFF2-40B4-BE49-F238E27FC236}">
-                  <a16:creationId xmlns:a16="http://schemas.microsoft.com/office/drawing/2014/main" id="{DB9C6516-B2DB-432F-BD3A-A1792BD46F89}"/>
-                </a:ext>
-                <a:ext uri="{C183D7F6-B498-43B3-948B-1728B52AA6E4}">
-                  <adec:decorative xmlns:adec="http://schemas.microsoft.com/office/drawing/2017/decorative" val="1"/>
-                </a:ext>
-              </a:extLst>
-            </p:cNvPr>
-            <p:cNvSpPr/>
-            <p:nvPr>
-              <p:extLst>
-                <p:ext uri="{386F3935-93C4-4BCD-93E2-E3B085C9AB24}">
-                  <p16:designElem xmlns:p16="http://schemas.microsoft.com/office/powerpoint/2015/main" val="1"/>
-                </p:ext>
-              </p:extLst>
-            </p:nvPr>
-          </p:nvSpPr>
-          <p:spPr bwMode="auto">
-            <a:xfrm>
-              <a:off x="3211513" y="5410200"/>
-              <a:ext cx="203200" cy="530225"/>
-            </a:xfrm>
-            <a:custGeom>
-              <a:avLst/>
-              <a:gdLst/>
-              <a:ahLst/>
-              <a:cxnLst/>
-              <a:rect l="0" t="0" r="r" b="b"/>
-              <a:pathLst>
-                <a:path w="52" h="135">
-                  <a:moveTo>
-                    <a:pt x="7" y="18"/>
-                  </a:moveTo>
-                  <a:cubicBezTo>
-                    <a:pt x="5" y="12"/>
-                    <a:pt x="2" y="6"/>
-                    <a:pt x="0" y="0"/>
-                  </a:cubicBezTo>
-                  <a:cubicBezTo>
-                    <a:pt x="3" y="16"/>
-                    <a:pt x="7" y="32"/>
-                    <a:pt x="12" y="48"/>
-                  </a:cubicBezTo>
-                  <a:cubicBezTo>
-                    <a:pt x="13" y="53"/>
-                    <a:pt x="14" y="57"/>
-                    <a:pt x="16" y="62"/>
-                  </a:cubicBezTo>
-                  <a:cubicBezTo>
-                    <a:pt x="27" y="86"/>
-                    <a:pt x="39" y="111"/>
-                    <a:pt x="51" y="135"/>
-                  </a:cubicBezTo>
-                  <a:cubicBezTo>
-                    <a:pt x="52" y="135"/>
-                    <a:pt x="52" y="135"/>
-                    <a:pt x="52" y="135"/>
-                  </a:cubicBezTo>
-                  <a:cubicBezTo>
-                    <a:pt x="41" y="109"/>
-                    <a:pt x="32" y="83"/>
-                    <a:pt x="24" y="56"/>
-                  </a:cubicBezTo>
-                  <a:cubicBezTo>
-                    <a:pt x="18" y="43"/>
-                    <a:pt x="13" y="31"/>
-                    <a:pt x="7" y="18"/>
-                  </a:cubicBezTo>
-                  <a:close/>
-                </a:path>
-              </a:pathLst>
-            </a:custGeom>
-            <a:solidFill>
-              <a:schemeClr val="tx2">
-                <a:alpha val="20000"/>
-              </a:schemeClr>
-            </a:solidFill>
-            <a:ln>
-              <a:noFill/>
-            </a:ln>
-          </p:spPr>
-        </p:sp>
-      </p:grpSp>
-      <p:grpSp>
-        <p:nvGrpSpPr>
-          <p:cNvPr id="29" name="Group 28">
-            <a:extLst>
-              <a:ext uri="{FF2B5EF4-FFF2-40B4-BE49-F238E27FC236}">
-                <a16:creationId xmlns:a16="http://schemas.microsoft.com/office/drawing/2014/main" id="{BC9C8D0D-644B-4B97-B83C-CC8E64361D44}"/>
-              </a:ext>
-              <a:ext uri="{C183D7F6-B498-43B3-948B-1728B52AA6E4}">
-                <adec:decorative xmlns:adec="http://schemas.microsoft.com/office/drawing/2017/decorative" val="1"/>
-              </a:ext>
-            </a:extLst>
-          </p:cNvPr>
-          <p:cNvGrpSpPr>
-            <a:grpSpLocks noGrp="1" noUngrp="1" noRot="1" noChangeAspect="1" noMove="1" noResize="1"/>
-          </p:cNvGrpSpPr>
-          <p:nvPr>
-            <p:extLst>
-              <p:ext uri="{386F3935-93C4-4BCD-93E2-E3B085C9AB24}">
-                <p16:designElem xmlns:p16="http://schemas.microsoft.com/office/powerpoint/2015/main" val="1"/>
-              </p:ext>
-            </p:extLst>
-          </p:nvPr>
-        </p:nvGrpSpPr>
-        <p:grpSpPr>
-          <a:xfrm>
-            <a:off x="27224" y="-786"/>
-            <a:ext cx="2356675" cy="6854040"/>
-            <a:chOff x="6627813" y="194833"/>
-            <a:chExt cx="1952625" cy="5678918"/>
-          </a:xfrm>
-        </p:grpSpPr>
-        <p:sp>
-          <p:nvSpPr>
-            <p:cNvPr id="30" name="Freeform 27">
-              <a:extLst>
-                <a:ext uri="{FF2B5EF4-FFF2-40B4-BE49-F238E27FC236}">
-                  <a16:creationId xmlns:a16="http://schemas.microsoft.com/office/drawing/2014/main" id="{F8BE1EA6-80CF-446B-A4FE-3F935A51C0E5}"/>
-                </a:ext>
-                <a:ext uri="{C183D7F6-B498-43B3-948B-1728B52AA6E4}">
-                  <adec:decorative xmlns:adec="http://schemas.microsoft.com/office/drawing/2017/decorative" val="1"/>
-                </a:ext>
-              </a:extLst>
-            </p:cNvPr>
-            <p:cNvSpPr/>
-            <p:nvPr>
-              <p:extLst>
-                <p:ext uri="{386F3935-93C4-4BCD-93E2-E3B085C9AB24}">
-                  <p16:designElem xmlns:p16="http://schemas.microsoft.com/office/powerpoint/2015/main" val="1"/>
-                </p:ext>
-              </p:extLst>
-            </p:nvPr>
-          </p:nvSpPr>
-          <p:spPr bwMode="auto">
-            <a:xfrm>
-              <a:off x="6627813" y="194833"/>
-              <a:ext cx="409575" cy="3646488"/>
-            </a:xfrm>
-            <a:custGeom>
-              <a:avLst/>
-              <a:gdLst/>
-              <a:ahLst/>
-              <a:cxnLst/>
-              <a:rect l="0" t="0" r="r" b="b"/>
-              <a:pathLst>
-                <a:path w="103" h="920">
-                  <a:moveTo>
-                    <a:pt x="7" y="210"/>
-                  </a:moveTo>
-                  <a:cubicBezTo>
-                    <a:pt x="11" y="288"/>
-                    <a:pt x="17" y="367"/>
-                    <a:pt x="26" y="445"/>
-                  </a:cubicBezTo>
-                  <a:cubicBezTo>
-                    <a:pt x="34" y="523"/>
-                    <a:pt x="44" y="601"/>
-                    <a:pt x="57" y="679"/>
-                  </a:cubicBezTo>
-                  <a:cubicBezTo>
-                    <a:pt x="69" y="757"/>
-                    <a:pt x="84" y="834"/>
-                    <a:pt x="101" y="911"/>
-                  </a:cubicBezTo>
-                  <a:cubicBezTo>
-                    <a:pt x="102" y="914"/>
-                    <a:pt x="103" y="917"/>
-                    <a:pt x="103" y="920"/>
-                  </a:cubicBezTo>
-                  <a:cubicBezTo>
-                    <a:pt x="102" y="905"/>
-                    <a:pt x="100" y="889"/>
-                    <a:pt x="99" y="874"/>
-                  </a:cubicBezTo>
-                  <a:cubicBezTo>
-                    <a:pt x="99" y="871"/>
-                    <a:pt x="99" y="868"/>
-                    <a:pt x="99" y="866"/>
-                  </a:cubicBezTo>
-                  <a:cubicBezTo>
-                    <a:pt x="85" y="803"/>
-                    <a:pt x="73" y="741"/>
-                    <a:pt x="63" y="678"/>
-                  </a:cubicBezTo>
-                  <a:cubicBezTo>
-                    <a:pt x="50" y="600"/>
-                    <a:pt x="39" y="523"/>
-                    <a:pt x="30" y="444"/>
-                  </a:cubicBezTo>
-                  <a:cubicBezTo>
-                    <a:pt x="21" y="366"/>
-                    <a:pt x="14" y="288"/>
-                    <a:pt x="9" y="209"/>
-                  </a:cubicBezTo>
-                  <a:cubicBezTo>
-                    <a:pt x="7" y="170"/>
-                    <a:pt x="5" y="131"/>
-                    <a:pt x="3" y="92"/>
-                  </a:cubicBezTo>
-                  <a:cubicBezTo>
-                    <a:pt x="2" y="61"/>
-                    <a:pt x="1" y="31"/>
-                    <a:pt x="1" y="0"/>
-                  </a:cubicBezTo>
-                  <a:cubicBezTo>
-                    <a:pt x="0" y="0"/>
-                    <a:pt x="0" y="0"/>
-                    <a:pt x="0" y="0"/>
-                  </a:cubicBezTo>
-                  <a:cubicBezTo>
-                    <a:pt x="0" y="31"/>
-                    <a:pt x="1" y="61"/>
-                    <a:pt x="1" y="92"/>
-                  </a:cubicBezTo>
-                  <a:cubicBezTo>
-                    <a:pt x="3" y="131"/>
-                    <a:pt x="4" y="170"/>
-                    <a:pt x="7" y="210"/>
-                  </a:cubicBezTo>
-                  <a:close/>
-                </a:path>
-              </a:pathLst>
-            </a:custGeom>
-            <a:solidFill>
-              <a:schemeClr val="tx2"/>
-            </a:solidFill>
-            <a:ln>
-              <a:noFill/>
-            </a:ln>
-          </p:spPr>
-        </p:sp>
-        <p:sp>
-          <p:nvSpPr>
-            <p:cNvPr id="31" name="Freeform 28">
-              <a:extLst>
-                <a:ext uri="{FF2B5EF4-FFF2-40B4-BE49-F238E27FC236}">
-                  <a16:creationId xmlns:a16="http://schemas.microsoft.com/office/drawing/2014/main" id="{10E39808-F4F7-43DE-AB53-82B7B55EA476}"/>
-                </a:ext>
-                <a:ext uri="{C183D7F6-B498-43B3-948B-1728B52AA6E4}">
-                  <adec:decorative xmlns:adec="http://schemas.microsoft.com/office/drawing/2017/decorative" val="1"/>
-                </a:ext>
-              </a:extLst>
-            </p:cNvPr>
-            <p:cNvSpPr/>
-            <p:nvPr>
-              <p:extLst>
-                <p:ext uri="{386F3935-93C4-4BCD-93E2-E3B085C9AB24}">
-                  <p16:designElem xmlns:p16="http://schemas.microsoft.com/office/powerpoint/2015/main" val="1"/>
-                </p:ext>
-              </p:extLst>
-            </p:nvPr>
-          </p:nvSpPr>
-          <p:spPr bwMode="auto">
-            <a:xfrm>
-              <a:off x="7061201" y="3771900"/>
-              <a:ext cx="350838" cy="1309688"/>
-            </a:xfrm>
-            <a:custGeom>
-              <a:avLst/>
-              <a:gdLst/>
-              <a:ahLst/>
-              <a:cxnLst/>
-              <a:rect l="0" t="0" r="r" b="b"/>
-              <a:pathLst>
-                <a:path w="88" h="330">
-                  <a:moveTo>
-                    <a:pt x="53" y="229"/>
-                  </a:moveTo>
-                  <a:cubicBezTo>
-                    <a:pt x="64" y="263"/>
-                    <a:pt x="75" y="297"/>
-                    <a:pt x="88" y="330"/>
-                  </a:cubicBezTo>
-                  <a:cubicBezTo>
-                    <a:pt x="88" y="323"/>
-                    <a:pt x="88" y="315"/>
-                    <a:pt x="88" y="308"/>
-                  </a:cubicBezTo>
-                  <a:cubicBezTo>
-                    <a:pt x="88" y="307"/>
-                    <a:pt x="88" y="305"/>
-                    <a:pt x="88" y="304"/>
-                  </a:cubicBezTo>
-                  <a:cubicBezTo>
-                    <a:pt x="79" y="278"/>
-                    <a:pt x="70" y="252"/>
-                    <a:pt x="62" y="226"/>
-                  </a:cubicBezTo>
-                  <a:cubicBezTo>
-                    <a:pt x="38" y="152"/>
-                    <a:pt x="17" y="76"/>
-                    <a:pt x="0" y="0"/>
-                  </a:cubicBezTo>
-                  <a:cubicBezTo>
-                    <a:pt x="2" y="21"/>
-                    <a:pt x="4" y="42"/>
-                    <a:pt x="7" y="63"/>
-                  </a:cubicBezTo>
-                  <a:cubicBezTo>
-                    <a:pt x="21" y="119"/>
-                    <a:pt x="36" y="174"/>
-                    <a:pt x="53" y="229"/>
-                  </a:cubicBezTo>
-                  <a:close/>
-                </a:path>
-              </a:pathLst>
-            </a:custGeom>
-            <a:solidFill>
-              <a:schemeClr val="tx2"/>
-            </a:solidFill>
-            <a:ln>
-              <a:noFill/>
-            </a:ln>
-          </p:spPr>
-        </p:sp>
-        <p:sp>
-          <p:nvSpPr>
-            <p:cNvPr id="32" name="Freeform 29">
-              <a:extLst>
-                <a:ext uri="{FF2B5EF4-FFF2-40B4-BE49-F238E27FC236}">
-                  <a16:creationId xmlns:a16="http://schemas.microsoft.com/office/drawing/2014/main" id="{6ED5109A-600A-4C23-9BB3-C4C19C2D9FF1}"/>
-                </a:ext>
-                <a:ext uri="{C183D7F6-B498-43B3-948B-1728B52AA6E4}">
-                  <adec:decorative xmlns:adec="http://schemas.microsoft.com/office/drawing/2017/decorative" val="1"/>
-                </a:ext>
-              </a:extLst>
-            </p:cNvPr>
-            <p:cNvSpPr/>
-            <p:nvPr>
-              <p:extLst>
-                <p:ext uri="{386F3935-93C4-4BCD-93E2-E3B085C9AB24}">
-                  <p16:designElem xmlns:p16="http://schemas.microsoft.com/office/powerpoint/2015/main" val="1"/>
-                </p:ext>
-              </p:extLst>
-            </p:nvPr>
-          </p:nvSpPr>
-          <p:spPr bwMode="auto">
-            <a:xfrm>
-              <a:off x="7439026" y="5053013"/>
-              <a:ext cx="357188" cy="820738"/>
-            </a:xfrm>
-            <a:custGeom>
-              <a:avLst/>
-              <a:gdLst/>
-              <a:ahLst/>
-              <a:cxnLst/>
-              <a:rect l="0" t="0" r="r" b="b"/>
-              <a:pathLst>
-                <a:path w="90" h="207">
-                  <a:moveTo>
-                    <a:pt x="6" y="15"/>
-                  </a:moveTo>
-                  <a:cubicBezTo>
-                    <a:pt x="4" y="10"/>
-                    <a:pt x="2" y="5"/>
-                    <a:pt x="0" y="0"/>
-                  </a:cubicBezTo>
-                  <a:cubicBezTo>
-                    <a:pt x="0" y="9"/>
-                    <a:pt x="0" y="19"/>
-                    <a:pt x="1" y="29"/>
-                  </a:cubicBezTo>
-                  <a:cubicBezTo>
-                    <a:pt x="14" y="62"/>
-                    <a:pt x="27" y="95"/>
-                    <a:pt x="42" y="127"/>
-                  </a:cubicBezTo>
-                  <a:cubicBezTo>
-                    <a:pt x="54" y="154"/>
-                    <a:pt x="67" y="181"/>
-                    <a:pt x="80" y="207"/>
-                  </a:cubicBezTo>
-                  <a:cubicBezTo>
-                    <a:pt x="90" y="207"/>
-                    <a:pt x="90" y="207"/>
-                    <a:pt x="90" y="207"/>
-                  </a:cubicBezTo>
-                  <a:cubicBezTo>
-                    <a:pt x="76" y="180"/>
-                    <a:pt x="63" y="152"/>
-                    <a:pt x="50" y="123"/>
-                  </a:cubicBezTo>
-                  <a:cubicBezTo>
-                    <a:pt x="34" y="88"/>
-                    <a:pt x="20" y="51"/>
-                    <a:pt x="6" y="15"/>
-                  </a:cubicBezTo>
-                  <a:close/>
-                </a:path>
-              </a:pathLst>
-            </a:custGeom>
-            <a:solidFill>
-              <a:schemeClr val="tx2"/>
-            </a:solidFill>
-            <a:ln>
-              <a:noFill/>
-            </a:ln>
-          </p:spPr>
-        </p:sp>
-        <p:sp>
-          <p:nvSpPr>
-            <p:cNvPr id="33" name="Freeform 30">
-              <a:extLst>
-                <a:ext uri="{FF2B5EF4-FFF2-40B4-BE49-F238E27FC236}">
-                  <a16:creationId xmlns:a16="http://schemas.microsoft.com/office/drawing/2014/main" id="{D76FF73F-8CA3-42B0-A680-353805CD2A5E}"/>
-                </a:ext>
-                <a:ext uri="{C183D7F6-B498-43B3-948B-1728B52AA6E4}">
-                  <adec:decorative xmlns:adec="http://schemas.microsoft.com/office/drawing/2017/decorative" val="1"/>
-                </a:ext>
-              </a:extLst>
-            </p:cNvPr>
-            <p:cNvSpPr/>
-            <p:nvPr>
-              <p:extLst>
-                <p:ext uri="{386F3935-93C4-4BCD-93E2-E3B085C9AB24}">
-                  <p16:designElem xmlns:p16="http://schemas.microsoft.com/office/powerpoint/2015/main" val="1"/>
-                </p:ext>
-              </p:extLst>
-            </p:nvPr>
-          </p:nvSpPr>
-          <p:spPr bwMode="auto">
-            <a:xfrm>
-              <a:off x="7037388" y="3811588"/>
-              <a:ext cx="457200" cy="1852613"/>
-            </a:xfrm>
-            <a:custGeom>
-              <a:avLst/>
-              <a:gdLst/>
-              <a:ahLst/>
-              <a:cxnLst/>
-              <a:rect l="0" t="0" r="r" b="b"/>
-              <a:pathLst>
-                <a:path w="115" h="467">
-                  <a:moveTo>
-                    <a:pt x="101" y="409"/>
-                  </a:moveTo>
-                  <a:cubicBezTo>
-                    <a:pt x="93" y="388"/>
-                    <a:pt x="85" y="366"/>
-                    <a:pt x="78" y="344"/>
-                  </a:cubicBezTo>
-                  <a:cubicBezTo>
-                    <a:pt x="57" y="281"/>
-                    <a:pt x="41" y="216"/>
-                    <a:pt x="29" y="151"/>
-                  </a:cubicBezTo>
-                  <a:cubicBezTo>
-                    <a:pt x="22" y="119"/>
-                    <a:pt x="17" y="86"/>
-                    <a:pt x="13" y="53"/>
-                  </a:cubicBezTo>
-                  <a:cubicBezTo>
-                    <a:pt x="9" y="35"/>
-                    <a:pt x="4" y="18"/>
-                    <a:pt x="0" y="0"/>
-                  </a:cubicBezTo>
-                  <a:cubicBezTo>
-                    <a:pt x="5" y="51"/>
-                    <a:pt x="12" y="102"/>
-                    <a:pt x="21" y="152"/>
-                  </a:cubicBezTo>
-                  <a:cubicBezTo>
-                    <a:pt x="33" y="218"/>
-                    <a:pt x="49" y="283"/>
-                    <a:pt x="69" y="347"/>
-                  </a:cubicBezTo>
-                  <a:cubicBezTo>
-                    <a:pt x="79" y="378"/>
-                    <a:pt x="90" y="410"/>
-                    <a:pt x="103" y="441"/>
-                  </a:cubicBezTo>
-                  <a:cubicBezTo>
-                    <a:pt x="107" y="449"/>
-                    <a:pt x="111" y="458"/>
-                    <a:pt x="115" y="467"/>
-                  </a:cubicBezTo>
-                  <a:cubicBezTo>
-                    <a:pt x="114" y="464"/>
-                    <a:pt x="113" y="461"/>
-                    <a:pt x="112" y="458"/>
-                  </a:cubicBezTo>
-                  <a:cubicBezTo>
-                    <a:pt x="108" y="442"/>
-                    <a:pt x="104" y="425"/>
-                    <a:pt x="101" y="409"/>
-                  </a:cubicBezTo>
-                  <a:close/>
-                </a:path>
-              </a:pathLst>
-            </a:custGeom>
-            <a:solidFill>
-              <a:schemeClr val="tx2"/>
-            </a:solidFill>
-            <a:ln>
-              <a:noFill/>
-            </a:ln>
-          </p:spPr>
-        </p:sp>
-        <p:sp>
-          <p:nvSpPr>
-            <p:cNvPr id="34" name="Freeform 31">
-              <a:extLst>
-                <a:ext uri="{FF2B5EF4-FFF2-40B4-BE49-F238E27FC236}">
-                  <a16:creationId xmlns:a16="http://schemas.microsoft.com/office/drawing/2014/main" id="{B26A6949-3BEB-422A-854C-D4E26E4CF1D9}"/>
-                </a:ext>
-                <a:ext uri="{C183D7F6-B498-43B3-948B-1728B52AA6E4}">
-                  <adec:decorative xmlns:adec="http://schemas.microsoft.com/office/drawing/2017/decorative" val="1"/>
-                </a:ext>
-              </a:extLst>
-            </p:cNvPr>
-            <p:cNvSpPr/>
-            <p:nvPr>
-              <p:extLst>
-                <p:ext uri="{386F3935-93C4-4BCD-93E2-E3B085C9AB24}">
-                  <p16:designElem xmlns:p16="http://schemas.microsoft.com/office/powerpoint/2015/main" val="1"/>
-                </p:ext>
-              </p:extLst>
-            </p:nvPr>
-          </p:nvSpPr>
-          <p:spPr bwMode="auto">
-            <a:xfrm>
-              <a:off x="6992938" y="1263650"/>
-              <a:ext cx="144463" cy="2508250"/>
-            </a:xfrm>
-            <a:custGeom>
-              <a:avLst/>
-              <a:gdLst/>
-              <a:ahLst/>
-              <a:cxnLst/>
-              <a:rect l="0" t="0" r="r" b="b"/>
-              <a:pathLst>
-                <a:path w="36" h="633">
-                  <a:moveTo>
-                    <a:pt x="17" y="633"/>
-                  </a:moveTo>
-                  <a:cubicBezTo>
-                    <a:pt x="15" y="621"/>
-                    <a:pt x="14" y="609"/>
-                    <a:pt x="13" y="597"/>
-                  </a:cubicBezTo>
-                  <a:cubicBezTo>
-                    <a:pt x="8" y="530"/>
-                    <a:pt x="5" y="464"/>
-                    <a:pt x="5" y="398"/>
-                  </a:cubicBezTo>
-                  <a:cubicBezTo>
-                    <a:pt x="5" y="331"/>
-                    <a:pt x="8" y="265"/>
-                    <a:pt x="13" y="198"/>
-                  </a:cubicBezTo>
-                  <a:cubicBezTo>
-                    <a:pt x="15" y="165"/>
-                    <a:pt x="18" y="132"/>
-                    <a:pt x="22" y="99"/>
-                  </a:cubicBezTo>
-                  <a:cubicBezTo>
-                    <a:pt x="26" y="66"/>
-                    <a:pt x="30" y="33"/>
-                    <a:pt x="36" y="0"/>
-                  </a:cubicBezTo>
-                  <a:cubicBezTo>
-                    <a:pt x="35" y="0"/>
-                    <a:pt x="35" y="0"/>
-                    <a:pt x="35" y="0"/>
-                  </a:cubicBezTo>
-                  <a:cubicBezTo>
-                    <a:pt x="29" y="33"/>
-                    <a:pt x="24" y="66"/>
-                    <a:pt x="20" y="99"/>
-                  </a:cubicBezTo>
-                  <a:cubicBezTo>
-                    <a:pt x="16" y="132"/>
-                    <a:pt x="13" y="165"/>
-                    <a:pt x="10" y="198"/>
-                  </a:cubicBezTo>
-                  <a:cubicBezTo>
-                    <a:pt x="4" y="264"/>
-                    <a:pt x="1" y="331"/>
-                    <a:pt x="1" y="398"/>
-                  </a:cubicBezTo>
-                  <a:cubicBezTo>
-                    <a:pt x="0" y="461"/>
-                    <a:pt x="2" y="525"/>
-                    <a:pt x="7" y="589"/>
-                  </a:cubicBezTo>
-                  <a:cubicBezTo>
-                    <a:pt x="10" y="603"/>
-                    <a:pt x="13" y="618"/>
-                    <a:pt x="16" y="632"/>
-                  </a:cubicBezTo>
-                  <a:cubicBezTo>
-                    <a:pt x="16" y="632"/>
-                    <a:pt x="17" y="633"/>
-                    <a:pt x="17" y="633"/>
-                  </a:cubicBezTo>
-                  <a:close/>
-                </a:path>
-              </a:pathLst>
-            </a:custGeom>
-            <a:solidFill>
-              <a:schemeClr val="tx2"/>
-            </a:solidFill>
-            <a:ln>
-              <a:noFill/>
-            </a:ln>
-          </p:spPr>
-        </p:sp>
-        <p:sp>
-          <p:nvSpPr>
-            <p:cNvPr id="35" name="Freeform 32">
-              <a:extLst>
-                <a:ext uri="{FF2B5EF4-FFF2-40B4-BE49-F238E27FC236}">
-                  <a16:creationId xmlns:a16="http://schemas.microsoft.com/office/drawing/2014/main" id="{FE07AD25-30AF-40CD-B901-DF1EDBD68201}"/>
-                </a:ext>
-                <a:ext uri="{C183D7F6-B498-43B3-948B-1728B52AA6E4}">
-                  <adec:decorative xmlns:adec="http://schemas.microsoft.com/office/drawing/2017/decorative" val="1"/>
-                </a:ext>
-              </a:extLst>
-            </p:cNvPr>
-            <p:cNvSpPr/>
-            <p:nvPr>
-              <p:extLst>
-                <p:ext uri="{386F3935-93C4-4BCD-93E2-E3B085C9AB24}">
-                  <p16:designElem xmlns:p16="http://schemas.microsoft.com/office/powerpoint/2015/main" val="1"/>
-                </p:ext>
-              </p:extLst>
-            </p:nvPr>
-          </p:nvSpPr>
-          <p:spPr bwMode="auto">
-            <a:xfrm>
-              <a:off x="7526338" y="5640388"/>
-              <a:ext cx="111125" cy="233363"/>
-            </a:xfrm>
-            <a:custGeom>
-              <a:avLst/>
-              <a:gdLst/>
-              <a:ahLst/>
-              <a:cxnLst/>
-              <a:rect l="0" t="0" r="r" b="b"/>
-              <a:pathLst>
-                <a:path w="28" h="59">
-                  <a:moveTo>
-                    <a:pt x="22" y="59"/>
-                  </a:moveTo>
-                  <a:cubicBezTo>
-                    <a:pt x="28" y="59"/>
-                    <a:pt x="28" y="59"/>
-                    <a:pt x="28" y="59"/>
-                  </a:cubicBezTo>
-                  <a:cubicBezTo>
-                    <a:pt x="18" y="40"/>
-                    <a:pt x="9" y="20"/>
-                    <a:pt x="0" y="0"/>
-                  </a:cubicBezTo>
-                  <a:cubicBezTo>
-                    <a:pt x="6" y="20"/>
-                    <a:pt x="13" y="40"/>
-                    <a:pt x="22" y="59"/>
-                  </a:cubicBezTo>
-                  <a:close/>
-                </a:path>
-              </a:pathLst>
-            </a:custGeom>
-            <a:solidFill>
-              <a:schemeClr val="tx2"/>
-            </a:solidFill>
-            <a:ln>
-              <a:noFill/>
-            </a:ln>
-          </p:spPr>
-        </p:sp>
-        <p:sp>
-          <p:nvSpPr>
-            <p:cNvPr id="36" name="Freeform 33">
-              <a:extLst>
-                <a:ext uri="{FF2B5EF4-FFF2-40B4-BE49-F238E27FC236}">
-                  <a16:creationId xmlns:a16="http://schemas.microsoft.com/office/drawing/2014/main" id="{5AA460AF-7760-4F15-881A-6F0BFDBCDF44}"/>
-                </a:ext>
-                <a:ext uri="{C183D7F6-B498-43B3-948B-1728B52AA6E4}">
-                  <adec:decorative xmlns:adec="http://schemas.microsoft.com/office/drawing/2017/decorative" val="1"/>
-                </a:ext>
-              </a:extLst>
-            </p:cNvPr>
-            <p:cNvSpPr/>
-            <p:nvPr>
-              <p:extLst>
-                <p:ext uri="{386F3935-93C4-4BCD-93E2-E3B085C9AB24}">
-                  <p16:designElem xmlns:p16="http://schemas.microsoft.com/office/powerpoint/2015/main" val="1"/>
-                </p:ext>
-              </p:extLst>
-            </p:nvPr>
-          </p:nvSpPr>
-          <p:spPr bwMode="auto">
-            <a:xfrm>
-              <a:off x="7021513" y="3598863"/>
-              <a:ext cx="68263" cy="423863"/>
-            </a:xfrm>
-            <a:custGeom>
-              <a:avLst/>
-              <a:gdLst/>
-              <a:ahLst/>
-              <a:cxnLst/>
-              <a:rect l="0" t="0" r="r" b="b"/>
-              <a:pathLst>
-                <a:path w="17" h="107">
-                  <a:moveTo>
-                    <a:pt x="4" y="54"/>
-                  </a:moveTo>
-                  <a:cubicBezTo>
-                    <a:pt x="8" y="72"/>
-                    <a:pt x="13" y="89"/>
-                    <a:pt x="17" y="107"/>
-                  </a:cubicBezTo>
-                  <a:cubicBezTo>
-                    <a:pt x="14" y="86"/>
-                    <a:pt x="12" y="65"/>
-                    <a:pt x="10" y="44"/>
-                  </a:cubicBezTo>
-                  <a:cubicBezTo>
-                    <a:pt x="10" y="44"/>
-                    <a:pt x="9" y="43"/>
-                    <a:pt x="9" y="43"/>
-                  </a:cubicBezTo>
-                  <a:cubicBezTo>
-                    <a:pt x="6" y="29"/>
-                    <a:pt x="3" y="14"/>
-                    <a:pt x="0" y="0"/>
-                  </a:cubicBezTo>
-                  <a:cubicBezTo>
-                    <a:pt x="0" y="2"/>
-                    <a:pt x="0" y="5"/>
-                    <a:pt x="0" y="8"/>
-                  </a:cubicBezTo>
-                  <a:cubicBezTo>
-                    <a:pt x="1" y="23"/>
-                    <a:pt x="3" y="39"/>
-                    <a:pt x="4" y="54"/>
-                  </a:cubicBezTo>
-                  <a:close/>
-                </a:path>
-              </a:pathLst>
-            </a:custGeom>
-            <a:solidFill>
-              <a:schemeClr val="tx2"/>
-            </a:solidFill>
-            <a:ln>
-              <a:noFill/>
-            </a:ln>
-          </p:spPr>
-        </p:sp>
-        <p:sp>
-          <p:nvSpPr>
-            <p:cNvPr id="37" name="Freeform 34">
-              <a:extLst>
-                <a:ext uri="{FF2B5EF4-FFF2-40B4-BE49-F238E27FC236}">
-                  <a16:creationId xmlns:a16="http://schemas.microsoft.com/office/drawing/2014/main" id="{EE53C70E-5D92-4C42-A34F-9F7D16006BB7}"/>
-                </a:ext>
-                <a:ext uri="{C183D7F6-B498-43B3-948B-1728B52AA6E4}">
-                  <adec:decorative xmlns:adec="http://schemas.microsoft.com/office/drawing/2017/decorative" val="1"/>
-                </a:ext>
-              </a:extLst>
-            </p:cNvPr>
-            <p:cNvSpPr/>
-            <p:nvPr>
-              <p:extLst>
-                <p:ext uri="{386F3935-93C4-4BCD-93E2-E3B085C9AB24}">
-                  <p16:designElem xmlns:p16="http://schemas.microsoft.com/office/powerpoint/2015/main" val="1"/>
-                </p:ext>
-              </p:extLst>
-            </p:nvPr>
-          </p:nvSpPr>
-          <p:spPr bwMode="auto">
-            <a:xfrm>
-              <a:off x="7412038" y="2801938"/>
-              <a:ext cx="1168400" cy="2251075"/>
-            </a:xfrm>
-            <a:custGeom>
-              <a:avLst/>
-              <a:gdLst/>
-              <a:ahLst/>
-              <a:cxnLst/>
-              <a:rect l="0" t="0" r="r" b="b"/>
-              <a:pathLst>
-                <a:path w="294" h="568">
-                  <a:moveTo>
-                    <a:pt x="8" y="553"/>
-                  </a:moveTo>
-                  <a:cubicBezTo>
-                    <a:pt x="9" y="501"/>
-                    <a:pt x="19" y="448"/>
-                    <a:pt x="35" y="397"/>
-                  </a:cubicBezTo>
-                  <a:cubicBezTo>
-                    <a:pt x="51" y="347"/>
-                    <a:pt x="73" y="298"/>
-                    <a:pt x="99" y="252"/>
-                  </a:cubicBezTo>
-                  <a:cubicBezTo>
-                    <a:pt x="124" y="205"/>
-                    <a:pt x="154" y="161"/>
-                    <a:pt x="187" y="119"/>
-                  </a:cubicBezTo>
-                  <a:cubicBezTo>
-                    <a:pt x="203" y="98"/>
-                    <a:pt x="220" y="77"/>
-                    <a:pt x="238" y="58"/>
-                  </a:cubicBezTo>
-                  <a:cubicBezTo>
-                    <a:pt x="247" y="48"/>
-                    <a:pt x="256" y="38"/>
-                    <a:pt x="265" y="28"/>
-                  </a:cubicBezTo>
-                  <a:cubicBezTo>
-                    <a:pt x="274" y="19"/>
-                    <a:pt x="284" y="9"/>
-                    <a:pt x="294" y="0"/>
-                  </a:cubicBezTo>
-                  <a:cubicBezTo>
-                    <a:pt x="293" y="0"/>
-                    <a:pt x="293" y="0"/>
-                    <a:pt x="293" y="0"/>
-                  </a:cubicBezTo>
-                  <a:cubicBezTo>
-                    <a:pt x="283" y="9"/>
-                    <a:pt x="273" y="18"/>
-                    <a:pt x="264" y="27"/>
-                  </a:cubicBezTo>
-                  <a:cubicBezTo>
-                    <a:pt x="255" y="37"/>
-                    <a:pt x="246" y="47"/>
-                    <a:pt x="237" y="56"/>
-                  </a:cubicBezTo>
-                  <a:cubicBezTo>
-                    <a:pt x="218" y="76"/>
-                    <a:pt x="201" y="96"/>
-                    <a:pt x="185" y="117"/>
-                  </a:cubicBezTo>
-                  <a:cubicBezTo>
-                    <a:pt x="151" y="159"/>
-                    <a:pt x="121" y="203"/>
-                    <a:pt x="95" y="249"/>
-                  </a:cubicBezTo>
-                  <a:cubicBezTo>
-                    <a:pt x="68" y="296"/>
-                    <a:pt x="46" y="345"/>
-                    <a:pt x="30" y="396"/>
-                  </a:cubicBezTo>
-                  <a:cubicBezTo>
-                    <a:pt x="13" y="445"/>
-                    <a:pt x="3" y="497"/>
-                    <a:pt x="0" y="549"/>
-                  </a:cubicBezTo>
-                  <a:cubicBezTo>
-                    <a:pt x="3" y="555"/>
-                    <a:pt x="5" y="561"/>
-                    <a:pt x="7" y="568"/>
-                  </a:cubicBezTo>
-                  <a:cubicBezTo>
-                    <a:pt x="7" y="563"/>
-                    <a:pt x="7" y="558"/>
-                    <a:pt x="8" y="553"/>
-                  </a:cubicBezTo>
-                  <a:close/>
-                </a:path>
-              </a:pathLst>
-            </a:custGeom>
-            <a:solidFill>
-              <a:schemeClr val="tx2"/>
-            </a:solidFill>
-            <a:ln>
-              <a:noFill/>
-            </a:ln>
-          </p:spPr>
-        </p:sp>
-        <p:sp>
-          <p:nvSpPr>
-            <p:cNvPr id="38" name="Freeform 35">
-              <a:extLst>
-                <a:ext uri="{FF2B5EF4-FFF2-40B4-BE49-F238E27FC236}">
-                  <a16:creationId xmlns:a16="http://schemas.microsoft.com/office/drawing/2014/main" id="{C27614EE-0086-4D34-99BD-52F03708DC49}"/>
-                </a:ext>
-                <a:ext uri="{C183D7F6-B498-43B3-948B-1728B52AA6E4}">
-                  <adec:decorative xmlns:adec="http://schemas.microsoft.com/office/drawing/2017/decorative" val="1"/>
-                </a:ext>
-              </a:extLst>
-            </p:cNvPr>
-            <p:cNvSpPr/>
-            <p:nvPr>
-              <p:extLst>
-                <p:ext uri="{386F3935-93C4-4BCD-93E2-E3B085C9AB24}">
-                  <p16:designElem xmlns:p16="http://schemas.microsoft.com/office/powerpoint/2015/main" val="1"/>
-                </p:ext>
-              </p:extLst>
-            </p:nvPr>
-          </p:nvSpPr>
-          <p:spPr bwMode="auto">
-            <a:xfrm>
-              <a:off x="7494588" y="5664200"/>
-              <a:ext cx="100013" cy="209550"/>
-            </a:xfrm>
-            <a:custGeom>
-              <a:avLst/>
-              <a:gdLst/>
-              <a:ahLst/>
-              <a:cxnLst/>
-              <a:rect l="0" t="0" r="r" b="b"/>
-              <a:pathLst>
-                <a:path w="25" h="53">
-                  <a:moveTo>
-                    <a:pt x="0" y="0"/>
-                  </a:moveTo>
-                  <a:cubicBezTo>
-                    <a:pt x="5" y="18"/>
-                    <a:pt x="12" y="36"/>
-                    <a:pt x="19" y="53"/>
-                  </a:cubicBezTo>
-                  <a:cubicBezTo>
-                    <a:pt x="25" y="53"/>
-                    <a:pt x="25" y="53"/>
-                    <a:pt x="25" y="53"/>
-                  </a:cubicBezTo>
-                  <a:cubicBezTo>
-                    <a:pt x="16" y="36"/>
-                    <a:pt x="8" y="18"/>
-                    <a:pt x="0" y="0"/>
-                  </a:cubicBezTo>
-                  <a:close/>
-                </a:path>
-              </a:pathLst>
-            </a:custGeom>
-            <a:solidFill>
-              <a:schemeClr val="tx2"/>
-            </a:solidFill>
-            <a:ln>
-              <a:noFill/>
-            </a:ln>
-          </p:spPr>
-        </p:sp>
-        <p:sp>
-          <p:nvSpPr>
-            <p:cNvPr id="39" name="Freeform 36">
-              <a:extLst>
-                <a:ext uri="{FF2B5EF4-FFF2-40B4-BE49-F238E27FC236}">
-                  <a16:creationId xmlns:a16="http://schemas.microsoft.com/office/drawing/2014/main" id="{326919B9-3ED4-4744-A713-326B3BAF6284}"/>
-                </a:ext>
-                <a:ext uri="{C183D7F6-B498-43B3-948B-1728B52AA6E4}">
-                  <adec:decorative xmlns:adec="http://schemas.microsoft.com/office/drawing/2017/decorative" val="1"/>
-                </a:ext>
-              </a:extLst>
-            </p:cNvPr>
-            <p:cNvSpPr/>
-            <p:nvPr>
-              <p:extLst>
-                <p:ext uri="{386F3935-93C4-4BCD-93E2-E3B085C9AB24}">
-                  <p16:designElem xmlns:p16="http://schemas.microsoft.com/office/powerpoint/2015/main" val="1"/>
-                </p:ext>
-              </p:extLst>
-            </p:nvPr>
-          </p:nvSpPr>
-          <p:spPr bwMode="auto">
-            <a:xfrm>
-              <a:off x="7412038" y="5081588"/>
-              <a:ext cx="114300" cy="558800"/>
-            </a:xfrm>
-            <a:custGeom>
-              <a:avLst/>
-              <a:gdLst/>
-              <a:ahLst/>
-              <a:cxnLst/>
-              <a:rect l="0" t="0" r="r" b="b"/>
-              <a:pathLst>
-                <a:path w="29" h="141">
-                  <a:moveTo>
-                    <a:pt x="0" y="0"/>
-                  </a:moveTo>
-                  <a:cubicBezTo>
-                    <a:pt x="0" y="30"/>
-                    <a:pt x="2" y="60"/>
-                    <a:pt x="7" y="89"/>
-                  </a:cubicBezTo>
-                  <a:cubicBezTo>
-                    <a:pt x="11" y="98"/>
-                    <a:pt x="14" y="108"/>
-                    <a:pt x="18" y="117"/>
-                  </a:cubicBezTo>
-                  <a:cubicBezTo>
-                    <a:pt x="22" y="125"/>
-                    <a:pt x="25" y="133"/>
-                    <a:pt x="29" y="141"/>
-                  </a:cubicBezTo>
-                  <a:cubicBezTo>
-                    <a:pt x="28" y="139"/>
-                    <a:pt x="28" y="137"/>
-                    <a:pt x="27" y="135"/>
-                  </a:cubicBezTo>
-                  <a:cubicBezTo>
-                    <a:pt x="16" y="98"/>
-                    <a:pt x="10" y="60"/>
-                    <a:pt x="8" y="22"/>
-                  </a:cubicBezTo>
-                  <a:cubicBezTo>
-                    <a:pt x="7" y="18"/>
-                    <a:pt x="5" y="15"/>
-                    <a:pt x="4" y="11"/>
-                  </a:cubicBezTo>
-                  <a:cubicBezTo>
-                    <a:pt x="2" y="7"/>
-                    <a:pt x="1" y="3"/>
-                    <a:pt x="0" y="0"/>
-                  </a:cubicBezTo>
-                  <a:close/>
-                </a:path>
-              </a:pathLst>
-            </a:custGeom>
-            <a:solidFill>
-              <a:schemeClr val="tx2"/>
-            </a:solidFill>
-            <a:ln>
-              <a:noFill/>
-            </a:ln>
-          </p:spPr>
-        </p:sp>
-        <p:sp>
-          <p:nvSpPr>
-            <p:cNvPr id="40" name="Freeform 37">
-              <a:extLst>
-                <a:ext uri="{FF2B5EF4-FFF2-40B4-BE49-F238E27FC236}">
-                  <a16:creationId xmlns:a16="http://schemas.microsoft.com/office/drawing/2014/main" id="{898BDBF5-8AA3-49CD-999A-ABA1F7AE34A1}"/>
-                </a:ext>
-                <a:ext uri="{C183D7F6-B498-43B3-948B-1728B52AA6E4}">
-                  <adec:decorative xmlns:adec="http://schemas.microsoft.com/office/drawing/2017/decorative" val="1"/>
-                </a:ext>
-              </a:extLst>
-            </p:cNvPr>
-            <p:cNvSpPr/>
-            <p:nvPr>
-              <p:extLst>
-                <p:ext uri="{386F3935-93C4-4BCD-93E2-E3B085C9AB24}">
-                  <p16:designElem xmlns:p16="http://schemas.microsoft.com/office/powerpoint/2015/main" val="1"/>
-                </p:ext>
-              </p:extLst>
-            </p:nvPr>
-          </p:nvSpPr>
-          <p:spPr bwMode="auto">
-            <a:xfrm>
-              <a:off x="7412038" y="4978400"/>
-              <a:ext cx="31750" cy="188913"/>
-            </a:xfrm>
-            <a:custGeom>
-              <a:avLst/>
-              <a:gdLst/>
-              <a:ahLst/>
-              <a:cxnLst/>
-              <a:rect l="0" t="0" r="r" b="b"/>
-              <a:pathLst>
-                <a:path w="8" h="48">
-                  <a:moveTo>
-                    <a:pt x="0" y="26"/>
-                  </a:moveTo>
-                  <a:cubicBezTo>
-                    <a:pt x="1" y="29"/>
-                    <a:pt x="2" y="33"/>
-                    <a:pt x="4" y="37"/>
-                  </a:cubicBezTo>
-                  <a:cubicBezTo>
-                    <a:pt x="5" y="41"/>
-                    <a:pt x="7" y="44"/>
-                    <a:pt x="8" y="48"/>
-                  </a:cubicBezTo>
-                  <a:cubicBezTo>
-                    <a:pt x="7" y="38"/>
-                    <a:pt x="7" y="28"/>
-                    <a:pt x="7" y="19"/>
-                  </a:cubicBezTo>
-                  <a:cubicBezTo>
-                    <a:pt x="5" y="12"/>
-                    <a:pt x="3" y="6"/>
-                    <a:pt x="0" y="0"/>
-                  </a:cubicBezTo>
-                  <a:cubicBezTo>
-                    <a:pt x="0" y="1"/>
-                    <a:pt x="0" y="3"/>
-                    <a:pt x="0" y="4"/>
-                  </a:cubicBezTo>
-                  <a:cubicBezTo>
-                    <a:pt x="0" y="11"/>
-                    <a:pt x="0" y="19"/>
-                    <a:pt x="0" y="26"/>
-                  </a:cubicBezTo>
-                  <a:close/>
-                </a:path>
-              </a:pathLst>
-            </a:custGeom>
-            <a:solidFill>
-              <a:schemeClr val="tx2"/>
-            </a:solidFill>
-            <a:ln>
-              <a:noFill/>
-            </a:ln>
-          </p:spPr>
-        </p:sp>
-        <p:sp>
-          <p:nvSpPr>
-            <p:cNvPr id="41" name="Freeform 38">
-              <a:extLst>
-                <a:ext uri="{FF2B5EF4-FFF2-40B4-BE49-F238E27FC236}">
-                  <a16:creationId xmlns:a16="http://schemas.microsoft.com/office/drawing/2014/main" id="{AF8ED3E0-CBE7-48C4-8F9E-FF98079CDBDD}"/>
-                </a:ext>
-                <a:ext uri="{C183D7F6-B498-43B3-948B-1728B52AA6E4}">
-                  <adec:decorative xmlns:adec="http://schemas.microsoft.com/office/drawing/2017/decorative" val="1"/>
-                </a:ext>
-              </a:extLst>
-            </p:cNvPr>
-            <p:cNvSpPr/>
-            <p:nvPr>
-              <p:extLst>
-                <p:ext uri="{386F3935-93C4-4BCD-93E2-E3B085C9AB24}">
-                  <p16:designElem xmlns:p16="http://schemas.microsoft.com/office/powerpoint/2015/main" val="1"/>
-                </p:ext>
-              </p:extLst>
-            </p:nvPr>
-          </p:nvSpPr>
-          <p:spPr bwMode="auto">
-            <a:xfrm>
-              <a:off x="7439026" y="5434013"/>
-              <a:ext cx="174625" cy="439738"/>
-            </a:xfrm>
-            <a:custGeom>
-              <a:avLst/>
-              <a:gdLst/>
-              <a:ahLst/>
-              <a:cxnLst/>
-              <a:rect l="0" t="0" r="r" b="b"/>
-              <a:pathLst>
-                <a:path w="44" h="111">
-                  <a:moveTo>
-                    <a:pt x="11" y="28"/>
-                  </a:moveTo>
-                  <a:cubicBezTo>
-                    <a:pt x="7" y="19"/>
-                    <a:pt x="4" y="9"/>
-                    <a:pt x="0" y="0"/>
-                  </a:cubicBezTo>
-                  <a:cubicBezTo>
-                    <a:pt x="3" y="16"/>
-                    <a:pt x="7" y="33"/>
-                    <a:pt x="11" y="49"/>
-                  </a:cubicBezTo>
-                  <a:cubicBezTo>
-                    <a:pt x="12" y="52"/>
-                    <a:pt x="13" y="55"/>
-                    <a:pt x="14" y="58"/>
-                  </a:cubicBezTo>
-                  <a:cubicBezTo>
-                    <a:pt x="22" y="76"/>
-                    <a:pt x="30" y="94"/>
-                    <a:pt x="39" y="111"/>
-                  </a:cubicBezTo>
-                  <a:cubicBezTo>
-                    <a:pt x="44" y="111"/>
-                    <a:pt x="44" y="111"/>
-                    <a:pt x="44" y="111"/>
-                  </a:cubicBezTo>
-                  <a:cubicBezTo>
-                    <a:pt x="35" y="92"/>
-                    <a:pt x="28" y="72"/>
-                    <a:pt x="22" y="52"/>
-                  </a:cubicBezTo>
-                  <a:cubicBezTo>
-                    <a:pt x="18" y="44"/>
-                    <a:pt x="15" y="36"/>
-                    <a:pt x="11" y="28"/>
-                  </a:cubicBezTo>
-                  <a:close/>
-                </a:path>
-              </a:pathLst>
-            </a:custGeom>
-            <a:solidFill>
-              <a:schemeClr val="tx2"/>
-            </a:solidFill>
-            <a:ln>
-              <a:noFill/>
-            </a:ln>
-          </p:spPr>
-        </p:sp>
-      </p:grpSp>
-      <p:sp>
-        <p:nvSpPr>
-          <p:cNvPr id="43" name="Rectangle 42">
-            <a:extLst>
-              <a:ext uri="{FF2B5EF4-FFF2-40B4-BE49-F238E27FC236}">
-                <a16:creationId xmlns:a16="http://schemas.microsoft.com/office/drawing/2014/main" id="{A84F153B-2093-4171-BD2D-1631695C9B80}"/>
-              </a:ext>
-              <a:ext uri="{C183D7F6-B498-43B3-948B-1728B52AA6E4}">
-                <adec:decorative xmlns:adec="http://schemas.microsoft.com/office/drawing/2017/decorative" val="1"/>
-              </a:ext>
-            </a:extLst>
-          </p:cNvPr>
-          <p:cNvSpPr>
-            <a:spLocks noGrp="1" noRot="1" noChangeAspect="1" noMove="1" noResize="1" noEditPoints="1" noAdjustHandles="1" noChangeArrowheads="1" noChangeShapeType="1" noTextEdit="1"/>
-          </p:cNvSpPr>
-          <p:nvPr>
-            <p:extLst>
-              <p:ext uri="{386F3935-93C4-4BCD-93E2-E3B085C9AB24}">
-                <p16:designElem xmlns:p16="http://schemas.microsoft.com/office/powerpoint/2015/main" val="1"/>
-              </p:ext>
-            </p:extLst>
-          </p:nvPr>
-        </p:nvSpPr>
-        <p:spPr>
-          <a:xfrm>
-            <a:off x="0" y="0"/>
-            <a:ext cx="182880" cy="6858000"/>
-          </a:xfrm>
-          <a:prstGeom prst="rect">
-            <a:avLst/>
-          </a:prstGeom>
-          <a:solidFill>
-            <a:schemeClr val="tx2"/>
-          </a:solidFill>
-          <a:ln>
-            <a:noFill/>
-          </a:ln>
-          <a:effectLst/>
-        </p:spPr>
-        <p:style>
-          <a:lnRef idx="1">
-            <a:schemeClr val="accent1"/>
-          </a:lnRef>
-          <a:fillRef idx="3">
-            <a:schemeClr val="accent1"/>
-          </a:fillRef>
-          <a:effectRef idx="2">
-            <a:schemeClr val="accent1"/>
-          </a:effectRef>
-          <a:fontRef idx="minor">
-            <a:schemeClr val="lt1"/>
-          </a:fontRef>
-        </p:style>
-      </p:sp>
-      <p:sp>
-        <p:nvSpPr>
-          <p:cNvPr id="45" name="Freeform 11">
-            <a:extLst>
-              <a:ext uri="{FF2B5EF4-FFF2-40B4-BE49-F238E27FC236}">
-                <a16:creationId xmlns:a16="http://schemas.microsoft.com/office/drawing/2014/main" id="{99499096-7355-478E-8CCB-A47EA1B7970A}"/>
-              </a:ext>
-              <a:ext uri="{C183D7F6-B498-43B3-948B-1728B52AA6E4}">
-                <adec:decorative xmlns:adec="http://schemas.microsoft.com/office/drawing/2017/decorative" val="1"/>
-              </a:ext>
-            </a:extLst>
-          </p:cNvPr>
-          <p:cNvSpPr>
-            <a:spLocks noGrp="1" noRot="1" noChangeAspect="1" noMove="1" noResize="1" noEditPoints="1" noAdjustHandles="1" noChangeArrowheads="1" noChangeShapeType="1" noTextEdit="1"/>
-          </p:cNvSpPr>
-          <p:nvPr>
-            <p:extLst>
-              <p:ext uri="{386F3935-93C4-4BCD-93E2-E3B085C9AB24}">
-                <p16:designElem xmlns:p16="http://schemas.microsoft.com/office/powerpoint/2015/main" val="1"/>
-              </p:ext>
-            </p:extLst>
-          </p:nvPr>
-        </p:nvSpPr>
-        <p:spPr bwMode="auto">
-          <a:xfrm flipV="1">
-            <a:off x="-4189" y="714375"/>
-            <a:ext cx="1588527" cy="507297"/>
-          </a:xfrm>
-          <a:custGeom>
-            <a:avLst/>
-            <a:gdLst/>
-            <a:ahLst/>
-            <a:cxnLst/>
-            <a:rect l="l" t="t" r="r" b="b"/>
-            <a:pathLst>
-              <a:path w="9248" h="10000">
-                <a:moveTo>
-                  <a:pt x="9248" y="4701"/>
-                </a:moveTo>
-                <a:lnTo>
-                  <a:pt x="7915" y="188"/>
-                </a:lnTo>
-                <a:cubicBezTo>
-                  <a:pt x="7906" y="156"/>
-                  <a:pt x="7895" y="126"/>
-                  <a:pt x="7886" y="94"/>
-                </a:cubicBezTo>
-                <a:cubicBezTo>
-                  <a:pt x="7859" y="0"/>
-                  <a:pt x="7831" y="0"/>
-                  <a:pt x="7803" y="0"/>
-                </a:cubicBezTo>
-                <a:lnTo>
-                  <a:pt x="7275" y="0"/>
-                </a:lnTo>
-                <a:lnTo>
-                  <a:pt x="0" y="70"/>
-                </a:lnTo>
-                <a:cubicBezTo>
-                  <a:pt x="8" y="3380"/>
-                  <a:pt x="17" y="6690"/>
-                  <a:pt x="25" y="10000"/>
-                </a:cubicBezTo>
-                <a:lnTo>
-                  <a:pt x="7275" y="9966"/>
-                </a:lnTo>
-                <a:lnTo>
-                  <a:pt x="7803" y="9966"/>
-                </a:lnTo>
-                <a:cubicBezTo>
-                  <a:pt x="7831" y="9966"/>
-                  <a:pt x="7859" y="9872"/>
-                  <a:pt x="7886" y="9872"/>
-                </a:cubicBezTo>
-                <a:cubicBezTo>
-                  <a:pt x="7886" y="9778"/>
-                  <a:pt x="7915" y="9778"/>
-                  <a:pt x="7915" y="9778"/>
-                </a:cubicBezTo>
-                <a:lnTo>
-                  <a:pt x="9248" y="5265"/>
-                </a:lnTo>
-                <a:cubicBezTo>
-                  <a:pt x="9303" y="5077"/>
-                  <a:pt x="9303" y="4889"/>
-                  <a:pt x="9248" y="4701"/>
-                </a:cubicBezTo>
-                <a:close/>
-              </a:path>
-            </a:pathLst>
-          </a:custGeom>
-          <a:solidFill>
-            <a:schemeClr val="accent1"/>
-          </a:solidFill>
-          <a:ln>
-            <a:noFill/>
-          </a:ln>
-        </p:spPr>
-      </p:sp>
-      <p:sp useBgFill="1">
-        <p:nvSpPr>
-          <p:cNvPr id="47" name="Rectangle 46">
-            <a:extLst>
-              <a:ext uri="{FF2B5EF4-FFF2-40B4-BE49-F238E27FC236}">
-                <a16:creationId xmlns:a16="http://schemas.microsoft.com/office/drawing/2014/main" id="{B5898079-081F-4617-AC6B-4290266737B3}"/>
-              </a:ext>
-              <a:ext uri="{C183D7F6-B498-43B3-948B-1728B52AA6E4}">
-                <adec:decorative xmlns:adec="http://schemas.microsoft.com/office/drawing/2017/decorative" val="1"/>
-              </a:ext>
-            </a:extLst>
-          </p:cNvPr>
-          <p:cNvSpPr>
-            <a:spLocks noGrp="1" noRot="1" noChangeAspect="1" noMove="1" noResize="1" noEditPoints="1" noAdjustHandles="1" noChangeArrowheads="1" noChangeShapeType="1" noTextEdit="1"/>
-          </p:cNvSpPr>
-          <p:nvPr>
-            <p:extLst>
-              <p:ext uri="{386F3935-93C4-4BCD-93E2-E3B085C9AB24}">
-                <p16:designElem xmlns:p16="http://schemas.microsoft.com/office/powerpoint/2015/main" val="1"/>
-              </p:ext>
-            </p:extLst>
-          </p:nvPr>
-        </p:nvSpPr>
-        <p:spPr>
-          <a:xfrm>
-            <a:off x="0" y="-786"/>
-            <a:ext cx="12192000" cy="6854038"/>
-          </a:xfrm>
-          <a:prstGeom prst="rect">
-            <a:avLst/>
-          </a:prstGeom>
-          <a:ln>
-            <a:noFill/>
-          </a:ln>
-        </p:spPr>
-        <p:style>
-          <a:lnRef idx="2">
-            <a:schemeClr val="accent1">
-              <a:shade val="50000"/>
-            </a:schemeClr>
-          </a:lnRef>
-          <a:fillRef idx="1">
-            <a:schemeClr val="accent1"/>
-          </a:fillRef>
-          <a:effectRef idx="0">
-            <a:schemeClr val="accent1"/>
-          </a:effectRef>
-          <a:fontRef idx="minor">
-            <a:schemeClr val="lt1"/>
-          </a:fontRef>
-        </p:style>
-        <p:txBody>
-          <a:bodyPr rtlCol="0" anchor="ctr"/>
-          <a:lstStyle/>
-          <a:p>
-            <a:pPr algn="ctr"/>
-            <a:endParaRPr lang="en-US"/>
-          </a:p>
-        </p:txBody>
-      </p:sp>
-      <p:sp>
-        <p:nvSpPr>
-          <p:cNvPr id="2" name="Title 1">
-            <a:extLst>
-              <a:ext uri="{FF2B5EF4-FFF2-40B4-BE49-F238E27FC236}">
-                <a16:creationId xmlns:a16="http://schemas.microsoft.com/office/drawing/2014/main" id="{83CBDDD0-57C4-1945-AF2D-E9DAD338E282}"/>
-              </a:ext>
-            </a:extLst>
-          </p:cNvPr>
-          <p:cNvSpPr>
-            <a:spLocks noGrp="1"/>
-          </p:cNvSpPr>
-          <p:nvPr>
-            <p:ph type="title"/>
-          </p:nvPr>
-        </p:nvSpPr>
-        <p:spPr>
-          <a:xfrm>
-            <a:off x="649224" y="645106"/>
-            <a:ext cx="5122652" cy="1259894"/>
-          </a:xfrm>
-        </p:spPr>
-        <p:txBody>
-          <a:bodyPr vert="horz" lIns="91440" tIns="45720" rIns="91440" bIns="45720" rtlCol="0" anchor="t">
-            <a:normAutofit/>
-          </a:bodyPr>
-          <a:lstStyle/>
-          <a:p>
-            <a:r>
-              <a:rPr lang="en-US" dirty="0"/>
-              <a:t>What does a JWT look like?</a:t>
-            </a:r>
-          </a:p>
-        </p:txBody>
-      </p:sp>
-      <p:sp>
-        <p:nvSpPr>
-          <p:cNvPr id="49" name="Rectangle 48">
-            <a:extLst>
-              <a:ext uri="{FF2B5EF4-FFF2-40B4-BE49-F238E27FC236}">
-                <a16:creationId xmlns:a16="http://schemas.microsoft.com/office/drawing/2014/main" id="{BB829EC8-5B3D-469E-942E-5E6E569E5C9B}"/>
-              </a:ext>
-              <a:ext uri="{C183D7F6-B498-43B3-948B-1728B52AA6E4}">
-                <adec:decorative xmlns:adec="http://schemas.microsoft.com/office/drawing/2017/decorative" val="1"/>
-              </a:ext>
-            </a:extLst>
-          </p:cNvPr>
-          <p:cNvSpPr>
-            <a:spLocks noGrp="1" noRot="1" noChangeAspect="1" noMove="1" noResize="1" noEditPoints="1" noAdjustHandles="1" noChangeArrowheads="1" noChangeShapeType="1" noTextEdit="1"/>
-          </p:cNvSpPr>
-          <p:nvPr>
-            <p:extLst>
-              <p:ext uri="{386F3935-93C4-4BCD-93E2-E3B085C9AB24}">
-                <p16:designElem xmlns:p16="http://schemas.microsoft.com/office/powerpoint/2015/main" val="1"/>
-              </p:ext>
-            </p:extLst>
-          </p:nvPr>
-        </p:nvSpPr>
-        <p:spPr>
-          <a:xfrm>
-            <a:off x="0" y="0"/>
-            <a:ext cx="182880" cy="6858000"/>
-          </a:xfrm>
-          <a:prstGeom prst="rect">
-            <a:avLst/>
-          </a:prstGeom>
-          <a:solidFill>
-            <a:schemeClr val="tx2"/>
-          </a:solidFill>
-          <a:ln>
-            <a:noFill/>
-          </a:ln>
-          <a:effectLst/>
-        </p:spPr>
-        <p:style>
-          <a:lnRef idx="1">
-            <a:schemeClr val="accent1"/>
-          </a:lnRef>
-          <a:fillRef idx="3">
-            <a:schemeClr val="accent1"/>
-          </a:fillRef>
-          <a:effectRef idx="2">
-            <a:schemeClr val="accent1"/>
-          </a:effectRef>
-          <a:fontRef idx="minor">
-            <a:schemeClr val="lt1"/>
-          </a:fontRef>
-        </p:style>
-      </p:sp>
-      <p:sp>
-        <p:nvSpPr>
-          <p:cNvPr id="12" name="Content Placeholder 11">
-            <a:extLst>
-              <a:ext uri="{FF2B5EF4-FFF2-40B4-BE49-F238E27FC236}">
-                <a16:creationId xmlns:a16="http://schemas.microsoft.com/office/drawing/2014/main" id="{44F0C97E-33A8-4522-9D4D-862F762107E7}"/>
-              </a:ext>
-            </a:extLst>
-          </p:cNvPr>
-          <p:cNvSpPr>
-            <a:spLocks noGrp="1"/>
-          </p:cNvSpPr>
-          <p:nvPr>
-            <p:ph sz="half" idx="2"/>
-          </p:nvPr>
-        </p:nvSpPr>
-        <p:spPr>
-          <a:xfrm>
-            <a:off x="649224" y="2133600"/>
-            <a:ext cx="5362317" cy="3299485"/>
-          </a:xfrm>
-        </p:spPr>
-        <p:txBody>
-          <a:bodyPr vert="horz" lIns="91440" tIns="45720" rIns="91440" bIns="45720" rtlCol="0">
-            <a:normAutofit/>
-          </a:bodyPr>
-          <a:lstStyle/>
-          <a:p>
-            <a:r>
-              <a:rPr lang="en-US" dirty="0">
-                <a:solidFill>
-                  <a:srgbClr val="00B9F1"/>
-                </a:solidFill>
-              </a:rPr>
-              <a:t>Signature</a:t>
-            </a:r>
-            <a:r>
-              <a:rPr lang="en-US" dirty="0"/>
-              <a:t> (for security)</a:t>
-            </a:r>
-          </a:p>
-          <a:p>
-            <a:r>
-              <a:rPr lang="en-US" dirty="0"/>
-              <a:t>Generated by the “Issuer” w/ a key</a:t>
-            </a:r>
-          </a:p>
-          <a:p>
-            <a:r>
-              <a:rPr lang="en-US" dirty="0"/>
-              <a:t>“digest” of header &amp; payload</a:t>
-            </a:r>
-          </a:p>
-          <a:p>
-            <a:r>
-              <a:rPr lang="en-US" dirty="0"/>
-              <a:t>Tamper-resistant</a:t>
-            </a:r>
-          </a:p>
-          <a:p>
-            <a:r>
-              <a:rPr lang="en-US" dirty="0"/>
-              <a:t>Can be verified by others if using certain key-signing algorithms</a:t>
-            </a:r>
-          </a:p>
-          <a:p>
-            <a:pPr lvl="1"/>
-            <a:r>
-              <a:rPr lang="en-US" dirty="0"/>
-              <a:t>Guardian does not do as the default</a:t>
-            </a:r>
-          </a:p>
-        </p:txBody>
-      </p:sp>
-      <p:pic>
-        <p:nvPicPr>
-          <p:cNvPr id="8" name="Content Placeholder 7" descr="Graphical user interface, text, application, email&#10;&#10;Description automatically generated">
-            <a:extLst>
-              <a:ext uri="{FF2B5EF4-FFF2-40B4-BE49-F238E27FC236}">
-                <a16:creationId xmlns:a16="http://schemas.microsoft.com/office/drawing/2014/main" id="{959D4409-EA75-0B40-9F68-4FDC39EAA670}"/>
-              </a:ext>
-            </a:extLst>
-          </p:cNvPr>
-          <p:cNvPicPr>
-            <a:picLocks noGrp="1" noChangeAspect="1"/>
-          </p:cNvPicPr>
-          <p:nvPr>
-            <p:ph sz="half" idx="1"/>
-          </p:nvPr>
-        </p:nvPicPr>
-        <p:blipFill>
-          <a:blip r:embed="rId2"/>
-          <a:stretch>
-            <a:fillRect/>
-          </a:stretch>
-        </p:blipFill>
-        <p:spPr>
-          <a:xfrm>
-            <a:off x="6756613" y="867302"/>
-            <a:ext cx="4461662" cy="4283196"/>
-          </a:xfrm>
-          <a:prstGeom prst="rect">
-            <a:avLst/>
-          </a:prstGeom>
-        </p:spPr>
-      </p:pic>
-      <p:pic>
-        <p:nvPicPr>
-          <p:cNvPr id="6" name="Content Placeholder 5" descr="Text&#10;&#10;Description automatically generated">
-            <a:extLst>
-              <a:ext uri="{FF2B5EF4-FFF2-40B4-BE49-F238E27FC236}">
-                <a16:creationId xmlns:a16="http://schemas.microsoft.com/office/drawing/2014/main" id="{84D838BB-67CE-1F4E-B8A9-6ABDF3065390}"/>
-              </a:ext>
-            </a:extLst>
-          </p:cNvPr>
-          <p:cNvPicPr>
-            <a:picLocks noChangeAspect="1"/>
-          </p:cNvPicPr>
-          <p:nvPr/>
-        </p:nvPicPr>
-        <p:blipFill>
-          <a:blip r:embed="rId3"/>
-          <a:stretch>
-            <a:fillRect/>
-          </a:stretch>
-        </p:blipFill>
-        <p:spPr>
-          <a:xfrm>
-            <a:off x="7576297" y="5336882"/>
-            <a:ext cx="2811282" cy="871497"/>
-          </a:xfrm>
-          <a:prstGeom prst="rect">
-            <a:avLst/>
-          </a:prstGeom>
-        </p:spPr>
-      </p:pic>
-      <p:sp>
-        <p:nvSpPr>
-          <p:cNvPr id="51" name="Freeform 12">
-            <a:extLst>
-              <a:ext uri="{FF2B5EF4-FFF2-40B4-BE49-F238E27FC236}">
-                <a16:creationId xmlns:a16="http://schemas.microsoft.com/office/drawing/2014/main" id="{55D72A3F-A083-4502-838A-2C32C980026F}"/>
-              </a:ext>
-              <a:ext uri="{C183D7F6-B498-43B3-948B-1728B52AA6E4}">
-                <adec:decorative xmlns:adec="http://schemas.microsoft.com/office/drawing/2017/decorative" val="1"/>
-              </a:ext>
-            </a:extLst>
-          </p:cNvPr>
-          <p:cNvSpPr>
-            <a:spLocks noGrp="1" noRot="1" noChangeAspect="1" noMove="1" noResize="1" noEditPoints="1" noAdjustHandles="1" noChangeArrowheads="1" noChangeShapeType="1" noTextEdit="1"/>
-          </p:cNvSpPr>
-          <p:nvPr>
-            <p:extLst>
-              <p:ext uri="{386F3935-93C4-4BCD-93E2-E3B085C9AB24}">
-                <p16:designElem xmlns:p16="http://schemas.microsoft.com/office/powerpoint/2015/main" val="1"/>
-              </p:ext>
-            </p:extLst>
-          </p:nvPr>
-        </p:nvSpPr>
-        <p:spPr>
-          <a:xfrm>
-            <a:off x="-1" y="6061223"/>
-            <a:ext cx="1038036" cy="506277"/>
-          </a:xfrm>
-          <a:custGeom>
-            <a:avLst/>
-            <a:gdLst>
-              <a:gd name="connsiteX0" fmla="*/ 0 w 1038036"/>
-              <a:gd name="connsiteY0" fmla="*/ 0 h 506277"/>
-              <a:gd name="connsiteX1" fmla="*/ 182880 w 1038036"/>
-              <a:gd name="connsiteY1" fmla="*/ 0 h 506277"/>
-              <a:gd name="connsiteX2" fmla="*/ 291705 w 1038036"/>
-              <a:gd name="connsiteY2" fmla="*/ 0 h 506277"/>
-              <a:gd name="connsiteX3" fmla="*/ 291705 w 1038036"/>
-              <a:gd name="connsiteY3" fmla="*/ 151 h 506277"/>
-              <a:gd name="connsiteX4" fmla="*/ 692049 w 1038036"/>
-              <a:gd name="connsiteY4" fmla="*/ 705 h 506277"/>
-              <a:gd name="connsiteX5" fmla="*/ 782744 w 1038036"/>
-              <a:gd name="connsiteY5" fmla="*/ 705 h 506277"/>
-              <a:gd name="connsiteX6" fmla="*/ 797001 w 1038036"/>
-              <a:gd name="connsiteY6" fmla="*/ 5473 h 506277"/>
-              <a:gd name="connsiteX7" fmla="*/ 801982 w 1038036"/>
-              <a:gd name="connsiteY7" fmla="*/ 10242 h 506277"/>
-              <a:gd name="connsiteX8" fmla="*/ 1030951 w 1038036"/>
-              <a:gd name="connsiteY8" fmla="*/ 239185 h 506277"/>
-              <a:gd name="connsiteX9" fmla="*/ 1030951 w 1038036"/>
-              <a:gd name="connsiteY9" fmla="*/ 267797 h 506277"/>
-              <a:gd name="connsiteX10" fmla="*/ 801982 w 1038036"/>
-              <a:gd name="connsiteY10" fmla="*/ 496740 h 506277"/>
-              <a:gd name="connsiteX11" fmla="*/ 797001 w 1038036"/>
-              <a:gd name="connsiteY11" fmla="*/ 501508 h 506277"/>
-              <a:gd name="connsiteX12" fmla="*/ 782744 w 1038036"/>
-              <a:gd name="connsiteY12" fmla="*/ 506277 h 506277"/>
-              <a:gd name="connsiteX13" fmla="*/ 692049 w 1038036"/>
-              <a:gd name="connsiteY13" fmla="*/ 506277 h 506277"/>
-              <a:gd name="connsiteX14" fmla="*/ 291705 w 1038036"/>
-              <a:gd name="connsiteY14" fmla="*/ 505140 h 506277"/>
-              <a:gd name="connsiteX15" fmla="*/ 291705 w 1038036"/>
-              <a:gd name="connsiteY15" fmla="*/ 506277 h 506277"/>
-              <a:gd name="connsiteX16" fmla="*/ 0 w 1038036"/>
-              <a:gd name="connsiteY16" fmla="*/ 506277 h 506277"/>
-            </a:gdLst>
-            <a:ahLst/>
-            <a:cxnLst>
-              <a:cxn ang="0">
-                <a:pos x="connsiteX0" y="connsiteY0"/>
-              </a:cxn>
-              <a:cxn ang="0">
-                <a:pos x="connsiteX1" y="connsiteY1"/>
-              </a:cxn>
-              <a:cxn ang="0">
-                <a:pos x="connsiteX2" y="connsiteY2"/>
-              </a:cxn>
-              <a:cxn ang="0">
-                <a:pos x="connsiteX3" y="connsiteY3"/>
-              </a:cxn>
-              <a:cxn ang="0">
-                <a:pos x="connsiteX4" y="connsiteY4"/>
-              </a:cxn>
-              <a:cxn ang="0">
-                <a:pos x="connsiteX5" y="connsiteY5"/>
-              </a:cxn>
-              <a:cxn ang="0">
-                <a:pos x="connsiteX6" y="connsiteY6"/>
-              </a:cxn>
-              <a:cxn ang="0">
-                <a:pos x="connsiteX7" y="connsiteY7"/>
-              </a:cxn>
-              <a:cxn ang="0">
-                <a:pos x="connsiteX8" y="connsiteY8"/>
-              </a:cxn>
-              <a:cxn ang="0">
-                <a:pos x="connsiteX9" y="connsiteY9"/>
-              </a:cxn>
-              <a:cxn ang="0">
-                <a:pos x="connsiteX10" y="connsiteY10"/>
-              </a:cxn>
-              <a:cxn ang="0">
-                <a:pos x="connsiteX11" y="connsiteY11"/>
-              </a:cxn>
-              <a:cxn ang="0">
-                <a:pos x="connsiteX12" y="connsiteY12"/>
-              </a:cxn>
-              <a:cxn ang="0">
-                <a:pos x="connsiteX13" y="connsiteY13"/>
-              </a:cxn>
-              <a:cxn ang="0">
-                <a:pos x="connsiteX14" y="connsiteY14"/>
-              </a:cxn>
-              <a:cxn ang="0">
-                <a:pos x="connsiteX15" y="connsiteY15"/>
-              </a:cxn>
-              <a:cxn ang="0">
-                <a:pos x="connsiteX16" y="connsiteY16"/>
-              </a:cxn>
-            </a:cxnLst>
-            <a:rect l="l" t="t" r="r" b="b"/>
-            <a:pathLst>
-              <a:path w="1038036" h="506277">
-                <a:moveTo>
-                  <a:pt x="0" y="0"/>
-                </a:moveTo>
-                <a:lnTo>
-                  <a:pt x="182880" y="0"/>
-                </a:lnTo>
-                <a:lnTo>
-                  <a:pt x="291705" y="0"/>
-                </a:lnTo>
-                <a:lnTo>
-                  <a:pt x="291705" y="151"/>
-                </a:lnTo>
-                <a:lnTo>
-                  <a:pt x="692049" y="705"/>
-                </a:lnTo>
-                <a:lnTo>
-                  <a:pt x="782744" y="705"/>
-                </a:lnTo>
-                <a:cubicBezTo>
-                  <a:pt x="787553" y="705"/>
-                  <a:pt x="792363" y="5473"/>
-                  <a:pt x="797001" y="5473"/>
-                </a:cubicBezTo>
-                <a:cubicBezTo>
-                  <a:pt x="797001" y="10242"/>
-                  <a:pt x="801982" y="10242"/>
-                  <a:pt x="801982" y="10242"/>
-                </a:cubicBezTo>
-                <a:lnTo>
-                  <a:pt x="1030951" y="239185"/>
-                </a:lnTo>
-                <a:cubicBezTo>
-                  <a:pt x="1040398" y="248722"/>
-                  <a:pt x="1040398" y="258259"/>
-                  <a:pt x="1030951" y="267797"/>
-                </a:cubicBezTo>
-                <a:lnTo>
-                  <a:pt x="801982" y="496740"/>
-                </a:lnTo>
-                <a:cubicBezTo>
-                  <a:pt x="800436" y="498363"/>
-                  <a:pt x="798547" y="499885"/>
-                  <a:pt x="797001" y="501508"/>
-                </a:cubicBezTo>
-                <a:cubicBezTo>
-                  <a:pt x="792363" y="506277"/>
-                  <a:pt x="787553" y="506277"/>
-                  <a:pt x="782744" y="506277"/>
-                </a:cubicBezTo>
-                <a:lnTo>
-                  <a:pt x="692049" y="506277"/>
-                </a:lnTo>
-                <a:lnTo>
-                  <a:pt x="291705" y="505140"/>
-                </a:lnTo>
-                <a:lnTo>
-                  <a:pt x="291705" y="506277"/>
-                </a:lnTo>
-                <a:lnTo>
-                  <a:pt x="0" y="506277"/>
-                </a:lnTo>
-                <a:close/>
-              </a:path>
-            </a:pathLst>
-          </a:custGeom>
-          <a:ln>
-            <a:noFill/>
-          </a:ln>
-        </p:spPr>
-        <p:style>
-          <a:lnRef idx="2">
-            <a:schemeClr val="accent1">
-              <a:shade val="50000"/>
-            </a:schemeClr>
-          </a:lnRef>
-          <a:fillRef idx="1">
-            <a:schemeClr val="accent1"/>
-          </a:fillRef>
-          <a:effectRef idx="0">
-            <a:schemeClr val="accent1"/>
-          </a:effectRef>
-          <a:fontRef idx="minor">
-            <a:schemeClr val="lt1"/>
-          </a:fontRef>
-        </p:style>
-        <p:txBody>
-          <a:bodyPr rtlCol="0" anchor="ctr"/>
-          <a:lstStyle/>
-          <a:p>
-            <a:pPr algn="ctr"/>
-            <a:endParaRPr lang="en-US"/>
-          </a:p>
-        </p:txBody>
-      </p:sp>
-      <p:sp>
-        <p:nvSpPr>
-          <p:cNvPr id="42" name="TextBox 41">
-            <a:extLst>
-              <a:ext uri="{FF2B5EF4-FFF2-40B4-BE49-F238E27FC236}">
-                <a16:creationId xmlns:a16="http://schemas.microsoft.com/office/drawing/2014/main" id="{F4E6BA53-8A34-9049-B7B1-2EB45C0AE3BF}"/>
-              </a:ext>
-            </a:extLst>
-          </p:cNvPr>
-          <p:cNvSpPr txBox="1"/>
-          <p:nvPr/>
-        </p:nvSpPr>
-        <p:spPr>
-          <a:xfrm>
-            <a:off x="9610531" y="6234386"/>
-            <a:ext cx="1073020" cy="246221"/>
-          </a:xfrm>
-          <a:prstGeom prst="rect">
-            <a:avLst/>
-          </a:prstGeom>
-          <a:noFill/>
-        </p:spPr>
-        <p:txBody>
-          <a:bodyPr wrap="square" rtlCol="0">
-            <a:spAutoFit/>
-          </a:bodyPr>
-          <a:lstStyle/>
-          <a:p>
-            <a:r>
-              <a:rPr lang="en-US" sz="1000" dirty="0"/>
-              <a:t>from </a:t>
-            </a:r>
-            <a:r>
-              <a:rPr lang="en-US" sz="1000" dirty="0" err="1"/>
-              <a:t>jwt.io</a:t>
-            </a:r>
-            <a:endParaRPr lang="en-US" sz="1000" dirty="0"/>
-          </a:p>
-        </p:txBody>
-      </p:sp>
-      <p:sp>
-        <p:nvSpPr>
           <p:cNvPr id="5" name="Right Arrow 4">
             <a:extLst>
               <a:ext uri="{FF2B5EF4-FFF2-40B4-BE49-F238E27FC236}">
@@ -18979,4 +19518,299 @@
     </a:ext>
   </a:extLst>
 </a:theme>
+</file>
+
+<file path=ppt/theme/theme2.xml><?xml version="1.0" encoding="utf-8"?>
+<a:theme xmlns:a="http://schemas.openxmlformats.org/drawingml/2006/main" name="Office Theme">
+  <a:themeElements>
+    <a:clrScheme name="Office">
+      <a:dk1>
+        <a:sysClr val="windowText" lastClr="000000"/>
+      </a:dk1>
+      <a:lt1>
+        <a:sysClr val="window" lastClr="FFFFFF"/>
+      </a:lt1>
+      <a:dk2>
+        <a:srgbClr val="44546A"/>
+      </a:dk2>
+      <a:lt2>
+        <a:srgbClr val="E7E6E6"/>
+      </a:lt2>
+      <a:accent1>
+        <a:srgbClr val="4472C4"/>
+      </a:accent1>
+      <a:accent2>
+        <a:srgbClr val="ED7D31"/>
+      </a:accent2>
+      <a:accent3>
+        <a:srgbClr val="A5A5A5"/>
+      </a:accent3>
+      <a:accent4>
+        <a:srgbClr val="FFC000"/>
+      </a:accent4>
+      <a:accent5>
+        <a:srgbClr val="5B9BD5"/>
+      </a:accent5>
+      <a:accent6>
+        <a:srgbClr val="70AD47"/>
+      </a:accent6>
+      <a:hlink>
+        <a:srgbClr val="0563C1"/>
+      </a:hlink>
+      <a:folHlink>
+        <a:srgbClr val="954F72"/>
+      </a:folHlink>
+    </a:clrScheme>
+    <a:fontScheme name="Office">
+      <a:majorFont>
+        <a:latin typeface="Calibri Light" panose="020F0302020204030204"/>
+        <a:ea typeface=""/>
+        <a:cs typeface=""/>
+        <a:font script="Jpan" typeface="游ゴシック Light"/>
+        <a:font script="Hang" typeface="맑은 고딕"/>
+        <a:font script="Hans" typeface="等线 Light"/>
+        <a:font script="Hant" typeface="新細明體"/>
+        <a:font script="Arab" typeface="Times New Roman"/>
+        <a:font script="Hebr" typeface="Times New Roman"/>
+        <a:font script="Thai" typeface="Angsana New"/>
+        <a:font script="Ethi" typeface="Nyala"/>
+        <a:font script="Beng" typeface="Vrinda"/>
+        <a:font script="Gujr" typeface="Shruti"/>
+        <a:font script="Khmr" typeface="MoolBoran"/>
+        <a:font script="Knda" typeface="Tunga"/>
+        <a:font script="Guru" typeface="Raavi"/>
+        <a:font script="Cans" typeface="Euphemia"/>
+        <a:font script="Cher" typeface="Plantagenet Cherokee"/>
+        <a:font script="Yiii" typeface="Microsoft Yi Baiti"/>
+        <a:font script="Tibt" typeface="Microsoft Himalaya"/>
+        <a:font script="Thaa" typeface="MV Boli"/>
+        <a:font script="Deva" typeface="Mangal"/>
+        <a:font script="Telu" typeface="Gautami"/>
+        <a:font script="Taml" typeface="Latha"/>
+        <a:font script="Syrc" typeface="Estrangelo Edessa"/>
+        <a:font script="Orya" typeface="Kalinga"/>
+        <a:font script="Mlym" typeface="Kartika"/>
+        <a:font script="Laoo" typeface="DokChampa"/>
+        <a:font script="Sinh" typeface="Iskoola Pota"/>
+        <a:font script="Mong" typeface="Mongolian Baiti"/>
+        <a:font script="Viet" typeface="Times New Roman"/>
+        <a:font script="Uigh" typeface="Microsoft Uighur"/>
+        <a:font script="Geor" typeface="Sylfaen"/>
+        <a:font script="Armn" typeface="Arial"/>
+        <a:font script="Bugi" typeface="Leelawadee UI"/>
+        <a:font script="Bopo" typeface="Microsoft JhengHei"/>
+        <a:font script="Java" typeface="Javanese Text"/>
+        <a:font script="Lisu" typeface="Segoe UI"/>
+        <a:font script="Mymr" typeface="Myanmar Text"/>
+        <a:font script="Nkoo" typeface="Ebrima"/>
+        <a:font script="Olck" typeface="Nirmala UI"/>
+        <a:font script="Osma" typeface="Ebrima"/>
+        <a:font script="Phag" typeface="Phagspa"/>
+        <a:font script="Syrn" typeface="Estrangelo Edessa"/>
+        <a:font script="Syrj" typeface="Estrangelo Edessa"/>
+        <a:font script="Syre" typeface="Estrangelo Edessa"/>
+        <a:font script="Sora" typeface="Nirmala UI"/>
+        <a:font script="Tale" typeface="Microsoft Tai Le"/>
+        <a:font script="Talu" typeface="Microsoft New Tai Lue"/>
+        <a:font script="Tfng" typeface="Ebrima"/>
+      </a:majorFont>
+      <a:minorFont>
+        <a:latin typeface="Calibri" panose="020F0502020204030204"/>
+        <a:ea typeface=""/>
+        <a:cs typeface=""/>
+        <a:font script="Jpan" typeface="游ゴシック"/>
+        <a:font script="Hang" typeface="맑은 고딕"/>
+        <a:font script="Hans" typeface="等线"/>
+        <a:font script="Hant" typeface="新細明體"/>
+        <a:font script="Arab" typeface="Arial"/>
+        <a:font script="Hebr" typeface="Arial"/>
+        <a:font script="Thai" typeface="Cordia New"/>
+        <a:font script="Ethi" typeface="Nyala"/>
+        <a:font script="Beng" typeface="Vrinda"/>
+        <a:font script="Gujr" typeface="Shruti"/>
+        <a:font script="Khmr" typeface="DaunPenh"/>
+        <a:font script="Knda" typeface="Tunga"/>
+        <a:font script="Guru" typeface="Raavi"/>
+        <a:font script="Cans" typeface="Euphemia"/>
+        <a:font script="Cher" typeface="Plantagenet Cherokee"/>
+        <a:font script="Yiii" typeface="Microsoft Yi Baiti"/>
+        <a:font script="Tibt" typeface="Microsoft Himalaya"/>
+        <a:font script="Thaa" typeface="MV Boli"/>
+        <a:font script="Deva" typeface="Mangal"/>
+        <a:font script="Telu" typeface="Gautami"/>
+        <a:font script="Taml" typeface="Latha"/>
+        <a:font script="Syrc" typeface="Estrangelo Edessa"/>
+        <a:font script="Orya" typeface="Kalinga"/>
+        <a:font script="Mlym" typeface="Kartika"/>
+        <a:font script="Laoo" typeface="DokChampa"/>
+        <a:font script="Sinh" typeface="Iskoola Pota"/>
+        <a:font script="Mong" typeface="Mongolian Baiti"/>
+        <a:font script="Viet" typeface="Arial"/>
+        <a:font script="Uigh" typeface="Microsoft Uighur"/>
+        <a:font script="Geor" typeface="Sylfaen"/>
+        <a:font script="Armn" typeface="Arial"/>
+        <a:font script="Bugi" typeface="Leelawadee UI"/>
+        <a:font script="Bopo" typeface="Microsoft JhengHei"/>
+        <a:font script="Java" typeface="Javanese Text"/>
+        <a:font script="Lisu" typeface="Segoe UI"/>
+        <a:font script="Mymr" typeface="Myanmar Text"/>
+        <a:font script="Nkoo" typeface="Ebrima"/>
+        <a:font script="Olck" typeface="Nirmala UI"/>
+        <a:font script="Osma" typeface="Ebrima"/>
+        <a:font script="Phag" typeface="Phagspa"/>
+        <a:font script="Syrn" typeface="Estrangelo Edessa"/>
+        <a:font script="Syrj" typeface="Estrangelo Edessa"/>
+        <a:font script="Syre" typeface="Estrangelo Edessa"/>
+        <a:font script="Sora" typeface="Nirmala UI"/>
+        <a:font script="Tale" typeface="Microsoft Tai Le"/>
+        <a:font script="Talu" typeface="Microsoft New Tai Lue"/>
+        <a:font script="Tfng" typeface="Ebrima"/>
+      </a:minorFont>
+    </a:fontScheme>
+    <a:fmtScheme name="Office">
+      <a:fillStyleLst>
+        <a:solidFill>
+          <a:schemeClr val="phClr"/>
+        </a:solidFill>
+        <a:gradFill rotWithShape="1">
+          <a:gsLst>
+            <a:gs pos="0">
+              <a:schemeClr val="phClr">
+                <a:lumMod val="110000"/>
+                <a:satMod val="105000"/>
+                <a:tint val="67000"/>
+              </a:schemeClr>
+            </a:gs>
+            <a:gs pos="50000">
+              <a:schemeClr val="phClr">
+                <a:lumMod val="105000"/>
+                <a:satMod val="103000"/>
+                <a:tint val="73000"/>
+              </a:schemeClr>
+            </a:gs>
+            <a:gs pos="100000">
+              <a:schemeClr val="phClr">
+                <a:lumMod val="105000"/>
+                <a:satMod val="109000"/>
+                <a:tint val="81000"/>
+              </a:schemeClr>
+            </a:gs>
+          </a:gsLst>
+          <a:lin ang="5400000" scaled="0"/>
+        </a:gradFill>
+        <a:gradFill rotWithShape="1">
+          <a:gsLst>
+            <a:gs pos="0">
+              <a:schemeClr val="phClr">
+                <a:satMod val="103000"/>
+                <a:lumMod val="102000"/>
+                <a:tint val="94000"/>
+              </a:schemeClr>
+            </a:gs>
+            <a:gs pos="50000">
+              <a:schemeClr val="phClr">
+                <a:satMod val="110000"/>
+                <a:lumMod val="100000"/>
+                <a:shade val="100000"/>
+              </a:schemeClr>
+            </a:gs>
+            <a:gs pos="100000">
+              <a:schemeClr val="phClr">
+                <a:lumMod val="99000"/>
+                <a:satMod val="120000"/>
+                <a:shade val="78000"/>
+              </a:schemeClr>
+            </a:gs>
+          </a:gsLst>
+          <a:lin ang="5400000" scaled="0"/>
+        </a:gradFill>
+      </a:fillStyleLst>
+      <a:lnStyleLst>
+        <a:ln w="6350" cap="flat" cmpd="sng" algn="ctr">
+          <a:solidFill>
+            <a:schemeClr val="phClr"/>
+          </a:solidFill>
+          <a:prstDash val="solid"/>
+          <a:miter lim="800000"/>
+        </a:ln>
+        <a:ln w="12700" cap="flat" cmpd="sng" algn="ctr">
+          <a:solidFill>
+            <a:schemeClr val="phClr"/>
+          </a:solidFill>
+          <a:prstDash val="solid"/>
+          <a:miter lim="800000"/>
+        </a:ln>
+        <a:ln w="19050" cap="flat" cmpd="sng" algn="ctr">
+          <a:solidFill>
+            <a:schemeClr val="phClr"/>
+          </a:solidFill>
+          <a:prstDash val="solid"/>
+          <a:miter lim="800000"/>
+        </a:ln>
+      </a:lnStyleLst>
+      <a:effectStyleLst>
+        <a:effectStyle>
+          <a:effectLst/>
+        </a:effectStyle>
+        <a:effectStyle>
+          <a:effectLst/>
+        </a:effectStyle>
+        <a:effectStyle>
+          <a:effectLst>
+            <a:outerShdw blurRad="57150" dist="19050" dir="5400000" algn="ctr" rotWithShape="0">
+              <a:srgbClr val="000000">
+                <a:alpha val="63000"/>
+              </a:srgbClr>
+            </a:outerShdw>
+          </a:effectLst>
+        </a:effectStyle>
+      </a:effectStyleLst>
+      <a:bgFillStyleLst>
+        <a:solidFill>
+          <a:schemeClr val="phClr"/>
+        </a:solidFill>
+        <a:solidFill>
+          <a:schemeClr val="phClr">
+            <a:tint val="95000"/>
+            <a:satMod val="170000"/>
+          </a:schemeClr>
+        </a:solidFill>
+        <a:gradFill rotWithShape="1">
+          <a:gsLst>
+            <a:gs pos="0">
+              <a:schemeClr val="phClr">
+                <a:tint val="93000"/>
+                <a:satMod val="150000"/>
+                <a:shade val="98000"/>
+                <a:lumMod val="102000"/>
+              </a:schemeClr>
+            </a:gs>
+            <a:gs pos="50000">
+              <a:schemeClr val="phClr">
+                <a:tint val="98000"/>
+                <a:satMod val="130000"/>
+                <a:shade val="90000"/>
+                <a:lumMod val="103000"/>
+              </a:schemeClr>
+            </a:gs>
+            <a:gs pos="100000">
+              <a:schemeClr val="phClr">
+                <a:shade val="63000"/>
+                <a:satMod val="120000"/>
+              </a:schemeClr>
+            </a:gs>
+          </a:gsLst>
+          <a:lin ang="5400000" scaled="0"/>
+        </a:gradFill>
+      </a:bgFillStyleLst>
+    </a:fmtScheme>
+  </a:themeElements>
+  <a:objectDefaults/>
+  <a:extraClrSchemeLst/>
+  <a:extLst>
+    <a:ext uri="{05A4C25C-085E-4340-85A3-A5531E510DB2}">
+      <thm15:themeFamily xmlns:thm15="http://schemas.microsoft.com/office/thememl/2012/main" name="Office Theme" id="{62F939B6-93AF-4DB8-9C6B-D6C7DFDC589F}" vid="{4A3C46E8-61CC-4603-A589-7422A47A8E4A}"/>
+    </a:ext>
+  </a:extLst>
+</a:theme>
 </file>